--- a/documentation/CEM_OVERVIEW_V2.pptx
+++ b/documentation/CEM_OVERVIEW_V2.pptx
@@ -17,43 +17,43 @@
     <p:sldId id="381" r:id="rId8"/>
     <p:sldId id="387" r:id="rId9"/>
     <p:sldId id="388" r:id="rId10"/>
-    <p:sldId id="259" r:id="rId11"/>
-    <p:sldId id="389" r:id="rId12"/>
-    <p:sldId id="390" r:id="rId13"/>
+    <p:sldId id="389" r:id="rId11"/>
+    <p:sldId id="390" r:id="rId12"/>
+    <p:sldId id="259" r:id="rId13"/>
     <p:sldId id="392" r:id="rId14"/>
     <p:sldId id="383" r:id="rId15"/>
     <p:sldId id="378" r:id="rId16"/>
     <p:sldId id="393" r:id="rId17"/>
-    <p:sldId id="273" r:id="rId18"/>
-    <p:sldId id="261" r:id="rId19"/>
-    <p:sldId id="367" r:id="rId20"/>
-    <p:sldId id="394" r:id="rId21"/>
-    <p:sldId id="368" r:id="rId22"/>
-    <p:sldId id="370" r:id="rId23"/>
-    <p:sldId id="371" r:id="rId24"/>
-    <p:sldId id="395" r:id="rId25"/>
-    <p:sldId id="396" r:id="rId26"/>
-    <p:sldId id="269" r:id="rId27"/>
-    <p:sldId id="403" r:id="rId28"/>
-    <p:sldId id="377" r:id="rId29"/>
-    <p:sldId id="404" r:id="rId30"/>
-    <p:sldId id="398" r:id="rId31"/>
-    <p:sldId id="405" r:id="rId32"/>
-    <p:sldId id="400" r:id="rId33"/>
-    <p:sldId id="406" r:id="rId34"/>
-    <p:sldId id="372" r:id="rId35"/>
-    <p:sldId id="402" r:id="rId36"/>
-    <p:sldId id="374" r:id="rId37"/>
-    <p:sldId id="407" r:id="rId38"/>
-    <p:sldId id="376" r:id="rId39"/>
-    <p:sldId id="408" r:id="rId40"/>
-    <p:sldId id="409" r:id="rId41"/>
-    <p:sldId id="410" r:id="rId42"/>
-    <p:sldId id="411" r:id="rId43"/>
-    <p:sldId id="397" r:id="rId44"/>
+    <p:sldId id="261" r:id="rId18"/>
+    <p:sldId id="367" r:id="rId19"/>
+    <p:sldId id="394" r:id="rId20"/>
+    <p:sldId id="368" r:id="rId21"/>
+    <p:sldId id="395" r:id="rId22"/>
+    <p:sldId id="396" r:id="rId23"/>
+    <p:sldId id="269" r:id="rId24"/>
+    <p:sldId id="397" r:id="rId25"/>
+    <p:sldId id="412" r:id="rId26"/>
+    <p:sldId id="403" r:id="rId27"/>
+    <p:sldId id="370" r:id="rId28"/>
+    <p:sldId id="371" r:id="rId29"/>
+    <p:sldId id="377" r:id="rId30"/>
+    <p:sldId id="404" r:id="rId31"/>
+    <p:sldId id="398" r:id="rId32"/>
+    <p:sldId id="405" r:id="rId33"/>
+    <p:sldId id="400" r:id="rId34"/>
+    <p:sldId id="406" r:id="rId35"/>
+    <p:sldId id="372" r:id="rId36"/>
+    <p:sldId id="402" r:id="rId37"/>
+    <p:sldId id="374" r:id="rId38"/>
+    <p:sldId id="407" r:id="rId39"/>
+    <p:sldId id="376" r:id="rId40"/>
+    <p:sldId id="408" r:id="rId41"/>
+    <p:sldId id="409" r:id="rId42"/>
+    <p:sldId id="410" r:id="rId43"/>
+    <p:sldId id="411" r:id="rId44"/>
   </p:sldIdLst>
   <p:sldSz cx="9144000" cy="6858000" type="screen4x3"/>
-  <p:notesSz cx="6858000" cy="9144000"/>
+  <p:notesSz cx="7010400" cy="9296400"/>
   <p:defaultTextStyle>
     <a:defPPr>
       <a:defRPr lang="en-US"/>
@@ -149,6 +149,11 @@
       </a:defRPr>
     </a:lvl9pPr>
   </p:defaultTextStyle>
+  <p:extLst>
+    <p:ext uri="{EFAFB233-063F-42B5-8137-9DF3F51BA10A}">
+      <p15:sldGuideLst xmlns:p15="http://schemas.microsoft.com/office/powerpoint/2012/main"/>
+    </p:ext>
+  </p:extLst>
 </p:presentation>
 </file>
 
@@ -162,87 +167,6 @@
     </p:extLst>
   </p:cmAuthor>
 </p:cmAuthorLst>
-</file>
-
-<file path=ppt/comments/comment1.xml><?xml version="1.0" encoding="utf-8"?>
-<p:cmLst xmlns:a="http://schemas.openxmlformats.org/drawingml/2006/main" xmlns:r="http://schemas.openxmlformats.org/officeDocument/2006/relationships" xmlns:p="http://schemas.openxmlformats.org/presentationml/2006/main">
-  <p:cm authorId="1" dt="2018-08-12T12:31:00.215" idx="5">
-    <p:pos x="5343" y="849"/>
-    <p:text>[PRR] This works for both outcomes and exposures?</p:text>
-    <p:extLst>
-      <p:ext uri="{C676402C-5697-4E1C-873F-D02D1690AC5C}">
-        <p15:threadingInfo xmlns:p15="http://schemas.microsoft.com/office/powerpoint/2012/main" timeZoneBias="240"/>
-      </p:ext>
-    </p:extLst>
-  </p:cm>
-  <p:cm authorId="1" dt="2018-08-12T12:31:37.616" idx="6">
-    <p:pos x="5343" y="945"/>
-    <p:text>This is a great question!
-Publications - yes, works the same
-PL - Much harder as for every drug you review you need to open a label
-Book - Same you'll have to review each drug
-Patrick/Martijn you agree?</p:text>
-    <p:extLst>
-      <p:ext uri="{C676402C-5697-4E1C-873F-D02D1690AC5C}">
-        <p15:threadingInfo xmlns:p15="http://schemas.microsoft.com/office/powerpoint/2012/main" timeZoneBias="240">
-          <p15:parentCm authorId="1" idx="5"/>
-        </p15:threadingInfo>
-      </p:ext>
-    </p:extLst>
-  </p:cm>
-</p:cmLst>
-</file>
-
-<file path=ppt/comments/comment2.xml><?xml version="1.0" encoding="utf-8"?>
-<p:cmLst xmlns:a="http://schemas.openxmlformats.org/drawingml/2006/main" xmlns:r="http://schemas.openxmlformats.org/officeDocument/2006/relationships" xmlns:p="http://schemas.openxmlformats.org/presentationml/2006/main">
-  <p:cm authorId="1" dt="2018-08-12T12:59:34.053" idx="8">
-    <p:pos x="4625" y="2110"/>
-    <p:text>[PRR] How do you practivally check this condition when you have a 100 negative controls.</p:text>
-    <p:extLst>
-      <p:ext uri="{C676402C-5697-4E1C-873F-D02D1690AC5C}">
-        <p15:threadingInfo xmlns:p15="http://schemas.microsoft.com/office/powerpoint/2012/main" timeZoneBias="240"/>
-      </p:ext>
-    </p:extLst>
-  </p:cm>
-  <p:cm authorId="1" dt="2018-08-12T13:00:02.280" idx="9">
-    <p:pos x="4625" y="2206"/>
-    <p:text>This is a great question.
-I think while we show three relationships here you really only need to think of one.  I also think it is easy to imagine confounding relationships exist - instead focus on removing the ones that are two outlandish.
-Patrick - how would you respond to this?</p:text>
-    <p:extLst>
-      <p:ext uri="{C676402C-5697-4E1C-873F-D02D1690AC5C}">
-        <p15:threadingInfo xmlns:p15="http://schemas.microsoft.com/office/powerpoint/2012/main" timeZoneBias="240">
-          <p15:parentCm authorId="1" idx="8"/>
-        </p15:threadingInfo>
-      </p:ext>
-    </p:extLst>
-  </p:cm>
-  <p:cm authorId="1" dt="2018-08-13T13:45:06.730" idx="11">
-    <p:pos x="4625" y="2302"/>
-    <p:text>[PBR] you want your negative control to have some confounding, meaning there are some covariates that impact exposure and outcome.  If there is no confounding, then the negative control will be ‘an easy test’ for the method to produce an unbiased estimate.  It is not necessary to ascertain or quantify all confounder variables, nor is it necessary that the confounders be the same as expected for the question of interest.</p:text>
-    <p:extLst>
-      <p:ext uri="{C676402C-5697-4E1C-873F-D02D1690AC5C}">
-        <p15:threadingInfo xmlns:p15="http://schemas.microsoft.com/office/powerpoint/2012/main" timeZoneBias="240">
-          <p15:parentCm authorId="1" idx="8"/>
-        </p15:threadingInfo>
-      </p:ext>
-    </p:extLst>
-  </p:cm>
-</p:cmLst>
-</file>
-
-<file path=ppt/comments/comment3.xml><?xml version="1.0" encoding="utf-8"?>
-<p:cmLst xmlns:a="http://schemas.openxmlformats.org/drawingml/2006/main" xmlns:r="http://schemas.openxmlformats.org/officeDocument/2006/relationships" xmlns:p="http://schemas.openxmlformats.org/presentationml/2006/main">
-  <p:cm authorId="1" dt="2018-08-12T12:35:05.882" idx="7">
-    <p:pos x="3613" y="1913"/>
-    <p:text>Patrick - could you comment on your hesitation with using Vocabulary indications?  I spoke to Anna about what might some of the issues however she wasn't aware.  I would like to know to explain better as well as be able to give feedback to Anna.</p:text>
-    <p:extLst>
-      <p:ext uri="{C676402C-5697-4E1C-873F-D02D1690AC5C}">
-        <p15:threadingInfo xmlns:p15="http://schemas.microsoft.com/office/powerpoint/2012/main" timeZoneBias="240"/>
-      </p:ext>
-    </p:extLst>
-  </p:cm>
-</p:cmLst>
 </file>
 
 <file path=ppt/notesMasters/notesMaster1.xml><?xml version="1.0" encoding="utf-8"?>
@@ -280,14 +204,14 @@
         <p:spPr>
           <a:xfrm>
             <a:off x="0" y="0"/>
-            <a:ext cx="2971800" cy="458788"/>
+            <a:ext cx="3037840" cy="466434"/>
           </a:xfrm>
           <a:prstGeom prst="rect">
             <a:avLst/>
           </a:prstGeom>
         </p:spPr>
         <p:txBody>
-          <a:bodyPr vert="horz" lIns="91440" tIns="45720" rIns="91440" bIns="45720" rtlCol="0"/>
+          <a:bodyPr vert="horz" lIns="93177" tIns="46589" rIns="93177" bIns="46589" rtlCol="0"/>
           <a:lstStyle>
             <a:lvl1pPr algn="l">
               <a:defRPr sz="1200"/>
@@ -310,15 +234,15 @@
         </p:nvSpPr>
         <p:spPr>
           <a:xfrm>
-            <a:off x="3884613" y="0"/>
-            <a:ext cx="2971800" cy="458788"/>
+            <a:off x="3970938" y="0"/>
+            <a:ext cx="3037840" cy="466434"/>
           </a:xfrm>
           <a:prstGeom prst="rect">
             <a:avLst/>
           </a:prstGeom>
         </p:spPr>
         <p:txBody>
-          <a:bodyPr vert="horz" lIns="91440" tIns="45720" rIns="91440" bIns="45720" rtlCol="0"/>
+          <a:bodyPr vert="horz" lIns="93177" tIns="46589" rIns="93177" bIns="46589" rtlCol="0"/>
           <a:lstStyle>
             <a:lvl1pPr algn="r">
               <a:defRPr sz="1200"/>
@@ -327,7 +251,7 @@
           <a:p>
             <a:fld id="{C66F6BA9-55DC-49C0-82A6-25CFDDA3CC79}" type="datetimeFigureOut">
               <a:rPr lang="en-US" smtClean="0"/>
-              <a:t>9/13/2018</a:t>
+              <a:t>9/18/2018</a:t>
             </a:fld>
             <a:endParaRPr lang="en-US"/>
           </a:p>
@@ -345,8 +269,8 @@
         </p:nvSpPr>
         <p:spPr>
           <a:xfrm>
-            <a:off x="1371600" y="1143000"/>
-            <a:ext cx="4114800" cy="3086100"/>
+            <a:off x="1414463" y="1162050"/>
+            <a:ext cx="4181475" cy="3136900"/>
           </a:xfrm>
           <a:prstGeom prst="rect">
             <a:avLst/>
@@ -359,7 +283,7 @@
           </a:ln>
         </p:spPr>
         <p:txBody>
-          <a:bodyPr vert="horz" lIns="91440" tIns="45720" rIns="91440" bIns="45720" rtlCol="0" anchor="ctr"/>
+          <a:bodyPr vert="horz" lIns="93177" tIns="46589" rIns="93177" bIns="46589" rtlCol="0" anchor="ctr"/>
           <a:lstStyle/>
           <a:p>
             <a:endParaRPr lang="en-US"/>
@@ -378,15 +302,15 @@
         </p:nvSpPr>
         <p:spPr>
           <a:xfrm>
-            <a:off x="685800" y="4400550"/>
-            <a:ext cx="5486400" cy="3600450"/>
+            <a:off x="701040" y="4473892"/>
+            <a:ext cx="5608320" cy="3660458"/>
           </a:xfrm>
           <a:prstGeom prst="rect">
             <a:avLst/>
           </a:prstGeom>
         </p:spPr>
         <p:txBody>
-          <a:bodyPr vert="horz" lIns="91440" tIns="45720" rIns="91440" bIns="45720" rtlCol="0"/>
+          <a:bodyPr vert="horz" lIns="93177" tIns="46589" rIns="93177" bIns="46589" rtlCol="0"/>
           <a:lstStyle/>
           <a:p>
             <a:pPr lvl="0"/>
@@ -437,15 +361,15 @@
         </p:nvSpPr>
         <p:spPr>
           <a:xfrm>
-            <a:off x="0" y="8685213"/>
-            <a:ext cx="2971800" cy="458787"/>
+            <a:off x="0" y="8829967"/>
+            <a:ext cx="3037840" cy="466433"/>
           </a:xfrm>
           <a:prstGeom prst="rect">
             <a:avLst/>
           </a:prstGeom>
         </p:spPr>
         <p:txBody>
-          <a:bodyPr vert="horz" lIns="91440" tIns="45720" rIns="91440" bIns="45720" rtlCol="0" anchor="b"/>
+          <a:bodyPr vert="horz" lIns="93177" tIns="46589" rIns="93177" bIns="46589" rtlCol="0" anchor="b"/>
           <a:lstStyle>
             <a:lvl1pPr algn="l">
               <a:defRPr sz="1200"/>
@@ -468,15 +392,15 @@
         </p:nvSpPr>
         <p:spPr>
           <a:xfrm>
-            <a:off x="3884613" y="8685213"/>
-            <a:ext cx="2971800" cy="458787"/>
+            <a:off x="3970938" y="8829967"/>
+            <a:ext cx="3037840" cy="466433"/>
           </a:xfrm>
           <a:prstGeom prst="rect">
             <a:avLst/>
           </a:prstGeom>
         </p:spPr>
         <p:txBody>
-          <a:bodyPr vert="horz" lIns="91440" tIns="45720" rIns="91440" bIns="45720" rtlCol="0" anchor="b"/>
+          <a:bodyPr vert="horz" lIns="93177" tIns="46589" rIns="93177" bIns="46589" rtlCol="0" anchor="b"/>
           <a:lstStyle>
             <a:lvl1pPr algn="r">
               <a:defRPr sz="1200"/>
@@ -638,7 +562,7 @@
           <a:bodyPr/>
           <a:lstStyle/>
           <a:p>
-            <a:endParaRPr lang="en-US" dirty="0"/>
+            <a:endParaRPr lang="en-US"/>
           </a:p>
         </p:txBody>
       </p:sp>
@@ -657,18 +581,18 @@
           <a:bodyPr/>
           <a:lstStyle/>
           <a:p>
-            <a:fld id="{D6306BD5-8451-49FF-9774-A9BDF4E8C368}" type="slidenum">
+            <a:fld id="{647C5229-FEB0-409B-9EE0-F1AEA480CBCF}" type="slidenum">
               <a:rPr lang="en-US" smtClean="0"/>
-              <a:t>6</a:t>
+              <a:t>1</a:t>
             </a:fld>
-            <a:endParaRPr lang="en-US" dirty="0"/>
+            <a:endParaRPr lang="en-US"/>
           </a:p>
         </p:txBody>
       </p:sp>
     </p:spTree>
     <p:extLst>
       <p:ext uri="{BB962C8B-B14F-4D97-AF65-F5344CB8AC3E}">
-        <p14:creationId xmlns:p14="http://schemas.microsoft.com/office/powerpoint/2010/main" val="810958191"/>
+        <p14:creationId xmlns:p14="http://schemas.microsoft.com/office/powerpoint/2010/main" val="1560017993"/>
       </p:ext>
     </p:extLst>
   </p:cSld>
@@ -722,7 +646,7 @@
           <a:bodyPr/>
           <a:lstStyle/>
           <a:p>
-            <a:endParaRPr lang="en-US" dirty="0"/>
+            <a:endParaRPr lang="en-US"/>
           </a:p>
         </p:txBody>
       </p:sp>
@@ -741,18 +665,18 @@
           <a:bodyPr/>
           <a:lstStyle/>
           <a:p>
-            <a:fld id="{CA04B8E0-A6B1-4F25-B436-B29FBA08F5CA}" type="slidenum">
+            <a:fld id="{647C5229-FEB0-409B-9EE0-F1AEA480CBCF}" type="slidenum">
               <a:rPr lang="en-US" smtClean="0"/>
-              <a:t>23</a:t>
+              <a:t>10</a:t>
             </a:fld>
-            <a:endParaRPr lang="en-US" dirty="0"/>
+            <a:endParaRPr lang="en-US"/>
           </a:p>
         </p:txBody>
       </p:sp>
     </p:spTree>
     <p:extLst>
       <p:ext uri="{BB962C8B-B14F-4D97-AF65-F5344CB8AC3E}">
-        <p14:creationId xmlns:p14="http://schemas.microsoft.com/office/powerpoint/2010/main" val="735967260"/>
+        <p14:creationId xmlns:p14="http://schemas.microsoft.com/office/powerpoint/2010/main" val="3572388477"/>
       </p:ext>
     </p:extLst>
   </p:cSld>
@@ -806,7 +730,7 @@
           <a:bodyPr/>
           <a:lstStyle/>
           <a:p>
-            <a:endParaRPr lang="en-US" dirty="0"/>
+            <a:endParaRPr lang="en-US"/>
           </a:p>
         </p:txBody>
       </p:sp>
@@ -825,18 +749,18 @@
           <a:bodyPr/>
           <a:lstStyle/>
           <a:p>
-            <a:fld id="{CA04B8E0-A6B1-4F25-B436-B29FBA08F5CA}" type="slidenum">
+            <a:fld id="{647C5229-FEB0-409B-9EE0-F1AEA480CBCF}" type="slidenum">
               <a:rPr lang="en-US" smtClean="0"/>
-              <a:t>24</a:t>
+              <a:t>11</a:t>
             </a:fld>
-            <a:endParaRPr lang="en-US" dirty="0"/>
+            <a:endParaRPr lang="en-US"/>
           </a:p>
         </p:txBody>
       </p:sp>
     </p:spTree>
     <p:extLst>
       <p:ext uri="{BB962C8B-B14F-4D97-AF65-F5344CB8AC3E}">
-        <p14:creationId xmlns:p14="http://schemas.microsoft.com/office/powerpoint/2010/main" val="317380857"/>
+        <p14:creationId xmlns:p14="http://schemas.microsoft.com/office/powerpoint/2010/main" val="3317801410"/>
       </p:ext>
     </p:extLst>
   </p:cSld>
@@ -890,93 +814,7 @@
           <a:bodyPr/>
           <a:lstStyle/>
           <a:p>
-            <a:pPr marL="232943" indent="-232943">
-              <a:buFont typeface="+mj-lt"/>
-              <a:buAutoNum type="arabicPeriod"/>
-            </a:pPr>
-            <a:r>
-              <a:rPr lang="en-US" dirty="0"/>
-              <a:t>Show where you go to generate negative controls in ATLAS</a:t>
-            </a:r>
-          </a:p>
-          <a:p>
-            <a:pPr marL="698830" lvl="1" indent="-232943">
-              <a:buFont typeface="+mj-lt"/>
-              <a:buAutoNum type="arabicPeriod"/>
-            </a:pPr>
-            <a:r>
-              <a:rPr lang="en-US" dirty="0"/>
-              <a:t>Concept Set</a:t>
-            </a:r>
-          </a:p>
-          <a:p>
-            <a:pPr marL="698830" lvl="1" indent="-232943">
-              <a:buFont typeface="+mj-lt"/>
-              <a:buAutoNum type="arabicPeriod"/>
-            </a:pPr>
-            <a:r>
-              <a:rPr lang="en-US" dirty="0"/>
-              <a:t>Generate</a:t>
-            </a:r>
-          </a:p>
-          <a:p>
-            <a:pPr marL="698830" lvl="1" indent="-232943">
-              <a:buFont typeface="+mj-lt"/>
-              <a:buAutoNum type="arabicPeriod"/>
-            </a:pPr>
-            <a:r>
-              <a:rPr lang="en-US" dirty="0"/>
-              <a:t>Link outs</a:t>
-            </a:r>
-          </a:p>
-          <a:p>
-            <a:pPr marL="698830" lvl="1" indent="-232943">
-              <a:buFont typeface="+mj-lt"/>
-              <a:buAutoNum type="arabicPeriod"/>
-            </a:pPr>
-            <a:r>
-              <a:rPr lang="en-US" dirty="0"/>
-              <a:t>Export</a:t>
-            </a:r>
-          </a:p>
-          <a:p>
-            <a:pPr marL="698830" lvl="1" indent="-232943">
-              <a:buFont typeface="+mj-lt"/>
-              <a:buAutoNum type="arabicPeriod"/>
-            </a:pPr>
-            <a:r>
-              <a:rPr lang="en-US" dirty="0"/>
-              <a:t>Drug Label Evidence</a:t>
-            </a:r>
-          </a:p>
-          <a:p>
-            <a:pPr marL="232943" indent="-232943">
-              <a:buFont typeface="+mj-lt"/>
-              <a:buAutoNum type="arabicPeriod"/>
-            </a:pPr>
-            <a:r>
-              <a:rPr lang="en-US" dirty="0"/>
-              <a:t>Show how to export the list for review (making it more concrete where our next examples come from)</a:t>
-            </a:r>
-          </a:p>
-          <a:p>
-            <a:pPr marL="232943" indent="-232943">
-              <a:buFont typeface="+mj-lt"/>
-              <a:buAutoNum type="arabicPeriod"/>
-            </a:pPr>
-            <a:r>
-              <a:rPr lang="en-US" dirty="0"/>
-              <a:t>Show how to view evidence</a:t>
-            </a:r>
-          </a:p>
-          <a:p>
-            <a:endParaRPr lang="en-US" dirty="0"/>
-          </a:p>
-          <a:p>
-            <a:r>
-              <a:rPr lang="en-US" dirty="0"/>
-              <a:t>Example = Omeprazole</a:t>
-            </a:r>
+            <a:endParaRPr lang="en-US"/>
           </a:p>
         </p:txBody>
       </p:sp>
@@ -995,18 +833,18 @@
           <a:bodyPr/>
           <a:lstStyle/>
           <a:p>
-            <a:fld id="{CA04B8E0-A6B1-4F25-B436-B29FBA08F5CA}" type="slidenum">
+            <a:fld id="{647C5229-FEB0-409B-9EE0-F1AEA480CBCF}" type="slidenum">
               <a:rPr lang="en-US" smtClean="0"/>
-              <a:t>25</a:t>
+              <a:t>12</a:t>
             </a:fld>
-            <a:endParaRPr lang="en-US" dirty="0"/>
+            <a:endParaRPr lang="en-US"/>
           </a:p>
         </p:txBody>
       </p:sp>
     </p:spTree>
     <p:extLst>
       <p:ext uri="{BB962C8B-B14F-4D97-AF65-F5344CB8AC3E}">
-        <p14:creationId xmlns:p14="http://schemas.microsoft.com/office/powerpoint/2010/main" val="3155117708"/>
+        <p14:creationId xmlns:p14="http://schemas.microsoft.com/office/powerpoint/2010/main" val="1975944456"/>
       </p:ext>
     </p:extLst>
   </p:cSld>
@@ -1060,45 +898,7 @@
           <a:bodyPr/>
           <a:lstStyle/>
           <a:p>
-            <a:pPr marL="174708" indent="-174708">
-              <a:buFont typeface="Arial" panose="020B0604020202020204" pitchFamily="34" charset="0"/>
-              <a:buChar char="•"/>
-            </a:pPr>
-            <a:r>
-              <a:rPr lang="en-US" dirty="0">
-                <a:sym typeface="Wingdings" panose="05000000000000000000" pitchFamily="2" charset="2"/>
-              </a:rPr>
-              <a:t>Where people can get confused:  A good negative control, they do not need to be the same magnitude of effect or same variables.</a:t>
-            </a:r>
-          </a:p>
-          <a:p>
-            <a:pPr marL="174708" indent="-174708">
-              <a:buFont typeface="Arial" panose="020B0604020202020204" pitchFamily="34" charset="0"/>
-              <a:buChar char="•"/>
-            </a:pPr>
-            <a:endParaRPr lang="en-US" dirty="0">
-              <a:sym typeface="Wingdings" panose="05000000000000000000" pitchFamily="2" charset="2"/>
-            </a:endParaRPr>
-          </a:p>
-          <a:p>
-            <a:pPr marL="174708" indent="-174708">
-              <a:buFont typeface="Arial" panose="020B0604020202020204" pitchFamily="34" charset="0"/>
-              <a:buChar char="•"/>
-            </a:pPr>
-            <a:r>
-              <a:rPr lang="en-US" dirty="0">
-                <a:sym typeface="Wingdings" panose="05000000000000000000" pitchFamily="2" charset="2"/>
-              </a:rPr>
-              <a:t>Exchangeability Assumption – if we are still finding things are = 1, then there is still some type of bias that we are not handling for</a:t>
-            </a:r>
-          </a:p>
-          <a:p>
-            <a:endParaRPr lang="en-US" dirty="0">
-              <a:sym typeface="Wingdings" panose="05000000000000000000" pitchFamily="2" charset="2"/>
-            </a:endParaRPr>
-          </a:p>
-          <a:p>
-            <a:endParaRPr lang="en-US" dirty="0"/>
+            <a:endParaRPr lang="en-US"/>
           </a:p>
         </p:txBody>
       </p:sp>
@@ -1117,18 +917,18 @@
           <a:bodyPr/>
           <a:lstStyle/>
           <a:p>
-            <a:fld id="{CA04B8E0-A6B1-4F25-B436-B29FBA08F5CA}" type="slidenum">
+            <a:fld id="{647C5229-FEB0-409B-9EE0-F1AEA480CBCF}" type="slidenum">
               <a:rPr lang="en-US" smtClean="0"/>
-              <a:t>28</a:t>
+              <a:t>13</a:t>
             </a:fld>
-            <a:endParaRPr lang="en-US" dirty="0"/>
+            <a:endParaRPr lang="en-US"/>
           </a:p>
         </p:txBody>
       </p:sp>
     </p:spTree>
     <p:extLst>
       <p:ext uri="{BB962C8B-B14F-4D97-AF65-F5344CB8AC3E}">
-        <p14:creationId xmlns:p14="http://schemas.microsoft.com/office/powerpoint/2010/main" val="2666387122"/>
+        <p14:creationId xmlns:p14="http://schemas.microsoft.com/office/powerpoint/2010/main" val="1820100319"/>
       </p:ext>
     </p:extLst>
   </p:cSld>
@@ -1203,7 +1003,7 @@
           <a:p>
             <a:fld id="{CA04B8E0-A6B1-4F25-B436-B29FBA08F5CA}" type="slidenum">
               <a:rPr lang="en-US" smtClean="0"/>
-              <a:t>29</a:t>
+              <a:t>14</a:t>
             </a:fld>
             <a:endParaRPr lang="en-US" dirty="0"/>
           </a:p>
@@ -1212,7 +1012,7 @@
     </p:spTree>
     <p:extLst>
       <p:ext uri="{BB962C8B-B14F-4D97-AF65-F5344CB8AC3E}">
-        <p14:creationId xmlns:p14="http://schemas.microsoft.com/office/powerpoint/2010/main" val="952059342"/>
+        <p14:creationId xmlns:p14="http://schemas.microsoft.com/office/powerpoint/2010/main" val="2325134307"/>
       </p:ext>
     </p:extLst>
   </p:cSld>
@@ -1266,30 +1066,7 @@
           <a:bodyPr/>
           <a:lstStyle/>
           <a:p>
-            <a:pPr marL="174708" indent="-174708" defTabSz="931774">
-              <a:buFont typeface="Arial" panose="020B0604020202020204" pitchFamily="34" charset="0"/>
-              <a:buChar char="•"/>
-              <a:defRPr/>
-            </a:pPr>
-            <a:r>
-              <a:rPr lang="en-US" dirty="0">
-                <a:sym typeface="Wingdings" panose="05000000000000000000" pitchFamily="2" charset="2"/>
-              </a:rPr>
-              <a:t>By using rosacea as negative control we should get a result of 1 (true effect), we know rosacea has at least 3 confounders, these are also confounders for death – if we get the wrong answer for rosacea then we are susceptible to getting the wrong answer for death.</a:t>
-            </a:r>
-          </a:p>
-          <a:p>
             <a:endParaRPr lang="en-US" dirty="0"/>
-          </a:p>
-          <a:p>
-            <a:pPr marL="171450" indent="-171450">
-              <a:buFont typeface="Arial" panose="020B0604020202020204" pitchFamily="34" charset="0"/>
-              <a:buChar char="•"/>
-            </a:pPr>
-            <a:r>
-              <a:rPr lang="en-US" dirty="0"/>
-              <a:t>you want your negative control to have some confounding, meaning there are some covariates that impact exposure and outcome.  If there is no confounding, then the negative control will be ‘an easy test’ for the method to produce an unbiased estimate.  It is not necessary to ascertain or quantify all confounder variables, nor is it necessary that the confounders be the same as expected for the question of interest.</a:t>
-            </a:r>
           </a:p>
         </p:txBody>
       </p:sp>
@@ -1308,9 +1085,9 @@
           <a:bodyPr/>
           <a:lstStyle/>
           <a:p>
-            <a:fld id="{CA04B8E0-A6B1-4F25-B436-B29FBA08F5CA}" type="slidenum">
+            <a:fld id="{D6306BD5-8451-49FF-9774-A9BDF4E8C368}" type="slidenum">
               <a:rPr lang="en-US" smtClean="0"/>
-              <a:t>31</a:t>
+              <a:t>15</a:t>
             </a:fld>
             <a:endParaRPr lang="en-US" dirty="0"/>
           </a:p>
@@ -1319,7 +1096,7 @@
     </p:spTree>
     <p:extLst>
       <p:ext uri="{BB962C8B-B14F-4D97-AF65-F5344CB8AC3E}">
-        <p14:creationId xmlns:p14="http://schemas.microsoft.com/office/powerpoint/2010/main" val="2586399982"/>
+        <p14:creationId xmlns:p14="http://schemas.microsoft.com/office/powerpoint/2010/main" val="1333864687"/>
       </p:ext>
     </p:extLst>
   </p:cSld>
@@ -1373,7 +1150,14 @@
           <a:bodyPr/>
           <a:lstStyle/>
           <a:p>
-            <a:endParaRPr lang="en-US" dirty="0"/>
+            <a:pPr marL="178027" indent="-178027">
+              <a:buFont typeface="Arial" panose="020B0604020202020204" pitchFamily="34" charset="0"/>
+              <a:buChar char="•"/>
+            </a:pPr>
+            <a:r>
+              <a:rPr lang="en-US" dirty="0"/>
+              <a:t>Negative controls should have the same/similar confounding structure but not cause the outcome.</a:t>
+            </a:r>
           </a:p>
         </p:txBody>
       </p:sp>
@@ -1394,7 +1178,7 @@
           <a:p>
             <a:fld id="{CA04B8E0-A6B1-4F25-B436-B29FBA08F5CA}" type="slidenum">
               <a:rPr lang="en-US" smtClean="0"/>
-              <a:t>32</a:t>
+              <a:t>16</a:t>
             </a:fld>
             <a:endParaRPr lang="en-US" dirty="0"/>
           </a:p>
@@ -1403,7 +1187,7 @@
     </p:spTree>
     <p:extLst>
       <p:ext uri="{BB962C8B-B14F-4D97-AF65-F5344CB8AC3E}">
-        <p14:creationId xmlns:p14="http://schemas.microsoft.com/office/powerpoint/2010/main" val="4224589599"/>
+        <p14:creationId xmlns:p14="http://schemas.microsoft.com/office/powerpoint/2010/main" val="2909704250"/>
       </p:ext>
     </p:extLst>
   </p:cSld>
@@ -1457,7 +1241,7 @@
           <a:bodyPr/>
           <a:lstStyle/>
           <a:p>
-            <a:endParaRPr lang="en-US" dirty="0"/>
+            <a:endParaRPr lang="en-US"/>
           </a:p>
         </p:txBody>
       </p:sp>
@@ -1476,18 +1260,18 @@
           <a:bodyPr/>
           <a:lstStyle/>
           <a:p>
-            <a:fld id="{CA04B8E0-A6B1-4F25-B436-B29FBA08F5CA}" type="slidenum">
+            <a:fld id="{647C5229-FEB0-409B-9EE0-F1AEA480CBCF}" type="slidenum">
               <a:rPr lang="en-US" smtClean="0"/>
-              <a:t>34</a:t>
+              <a:t>17</a:t>
             </a:fld>
-            <a:endParaRPr lang="en-US" dirty="0"/>
+            <a:endParaRPr lang="en-US"/>
           </a:p>
         </p:txBody>
       </p:sp>
     </p:spTree>
     <p:extLst>
       <p:ext uri="{BB962C8B-B14F-4D97-AF65-F5344CB8AC3E}">
-        <p14:creationId xmlns:p14="http://schemas.microsoft.com/office/powerpoint/2010/main" val="3533781306"/>
+        <p14:creationId xmlns:p14="http://schemas.microsoft.com/office/powerpoint/2010/main" val="2900214053"/>
       </p:ext>
     </p:extLst>
   </p:cSld>
@@ -1541,6 +1325,75 @@
           <a:bodyPr/>
           <a:lstStyle/>
           <a:p>
+            <a:r>
+              <a:rPr lang="en-US" dirty="0"/>
+              <a:t>Example:  </a:t>
+            </a:r>
+          </a:p>
+          <a:p>
+            <a:pPr marL="178027" indent="-178027">
+              <a:buFont typeface="Arial" panose="020B0604020202020204" pitchFamily="34" charset="0"/>
+              <a:buChar char="•"/>
+            </a:pPr>
+            <a:r>
+              <a:rPr lang="en-US" dirty="0"/>
+              <a:t>Negative Control Outcome – Studying the effects of different diabetic medication exposures (e.g. insulin) on the outcome of diabetic ketoacidosis.  Here we need negative control outcomes.</a:t>
+            </a:r>
+          </a:p>
+          <a:p>
+            <a:pPr marL="178027" indent="-178027">
+              <a:buFont typeface="Arial" panose="020B0604020202020204" pitchFamily="34" charset="0"/>
+              <a:buChar char="•"/>
+            </a:pPr>
+            <a:r>
+              <a:rPr lang="en-US" dirty="0"/>
+              <a:t>Negative Control Exposure – </a:t>
+            </a:r>
+          </a:p>
+          <a:p>
+            <a:pPr marL="178027" indent="-178027">
+              <a:buFont typeface="Arial" panose="020B0604020202020204" pitchFamily="34" charset="0"/>
+              <a:buChar char="•"/>
+            </a:pPr>
+            <a:endParaRPr lang="en-US" dirty="0"/>
+          </a:p>
+          <a:p>
+            <a:pPr marL="178027" indent="-178027">
+              <a:buFont typeface="Arial" panose="020B0604020202020204" pitchFamily="34" charset="0"/>
+              <a:buChar char="•"/>
+            </a:pPr>
+            <a:r>
+              <a:rPr lang="en-US" dirty="0"/>
+              <a:t>No, almost always (as in I’ve never seen it otherwise), the question of interest is about ascertaining a causal effect from an exposure on an outcome.  You can use negative control outcomes or negative control exposures to evaluate that purposed question of interest, but almost never (as in, I’ve never seen it) is the question of interest the effect of an outcome on an </a:t>
+            </a:r>
+            <a:r>
+              <a:rPr lang="en-US" dirty="0" err="1"/>
+              <a:t>exsposure</a:t>
+            </a:r>
+            <a:r>
+              <a:rPr lang="en-US" dirty="0"/>
+              <a:t> (and even if it were, you would reframe it as ‘exposure to the disease’ and the ‘outcome of being exposed’).</a:t>
+            </a:r>
+          </a:p>
+          <a:p>
+            <a:pPr marL="178027" indent="-178027">
+              <a:buFont typeface="Arial" panose="020B0604020202020204" pitchFamily="34" charset="0"/>
+              <a:buChar char="•"/>
+            </a:pPr>
+            <a:endParaRPr lang="en-US" dirty="0"/>
+          </a:p>
+          <a:p>
+            <a:pPr marL="178027" indent="-178027">
+              <a:buFont typeface="Arial" panose="020B0604020202020204" pitchFamily="34" charset="0"/>
+              <a:buChar char="•"/>
+            </a:pPr>
+            <a:endParaRPr lang="en-US" dirty="0"/>
+          </a:p>
+          <a:p>
+            <a:pPr marL="178027" indent="-178027">
+              <a:buFont typeface="Arial" panose="020B0604020202020204" pitchFamily="34" charset="0"/>
+              <a:buChar char="•"/>
+            </a:pPr>
             <a:endParaRPr lang="en-US" dirty="0"/>
           </a:p>
         </p:txBody>
@@ -1562,7 +1415,7 @@
           <a:p>
             <a:fld id="{CA04B8E0-A6B1-4F25-B436-B29FBA08F5CA}" type="slidenum">
               <a:rPr lang="en-US" smtClean="0"/>
-              <a:t>35</a:t>
+              <a:t>18</a:t>
             </a:fld>
             <a:endParaRPr lang="en-US" dirty="0"/>
           </a:p>
@@ -1571,7 +1424,7 @@
     </p:spTree>
     <p:extLst>
       <p:ext uri="{BB962C8B-B14F-4D97-AF65-F5344CB8AC3E}">
-        <p14:creationId xmlns:p14="http://schemas.microsoft.com/office/powerpoint/2010/main" val="2225048251"/>
+        <p14:creationId xmlns:p14="http://schemas.microsoft.com/office/powerpoint/2010/main" val="1319265643"/>
       </p:ext>
     </p:extLst>
   </p:cSld>
@@ -1646,7 +1499,7 @@
           <a:p>
             <a:fld id="{CA04B8E0-A6B1-4F25-B436-B29FBA08F5CA}" type="slidenum">
               <a:rPr lang="en-US" smtClean="0"/>
-              <a:t>36</a:t>
+              <a:t>19</a:t>
             </a:fld>
             <a:endParaRPr lang="en-US" dirty="0"/>
           </a:p>
@@ -1655,7 +1508,7 @@
     </p:spTree>
     <p:extLst>
       <p:ext uri="{BB962C8B-B14F-4D97-AF65-F5344CB8AC3E}">
-        <p14:creationId xmlns:p14="http://schemas.microsoft.com/office/powerpoint/2010/main" val="4115034134"/>
+        <p14:creationId xmlns:p14="http://schemas.microsoft.com/office/powerpoint/2010/main" val="2157834859"/>
       </p:ext>
     </p:extLst>
   </p:cSld>
@@ -1709,7 +1562,7 @@
           <a:bodyPr/>
           <a:lstStyle/>
           <a:p>
-            <a:endParaRPr lang="en-US" dirty="0"/>
+            <a:endParaRPr lang="en-US"/>
           </a:p>
         </p:txBody>
       </p:sp>
@@ -1728,18 +1581,18 @@
           <a:bodyPr/>
           <a:lstStyle/>
           <a:p>
-            <a:fld id="{D6306BD5-8451-49FF-9774-A9BDF4E8C368}" type="slidenum">
+            <a:fld id="{647C5229-FEB0-409B-9EE0-F1AEA480CBCF}" type="slidenum">
               <a:rPr lang="en-US" smtClean="0"/>
-              <a:t>7</a:t>
+              <a:t>2</a:t>
             </a:fld>
-            <a:endParaRPr lang="en-US" dirty="0"/>
+            <a:endParaRPr lang="en-US"/>
           </a:p>
         </p:txBody>
       </p:sp>
     </p:spTree>
     <p:extLst>
       <p:ext uri="{BB962C8B-B14F-4D97-AF65-F5344CB8AC3E}">
-        <p14:creationId xmlns:p14="http://schemas.microsoft.com/office/powerpoint/2010/main" val="3493917485"/>
+        <p14:creationId xmlns:p14="http://schemas.microsoft.com/office/powerpoint/2010/main" val="573489194"/>
       </p:ext>
     </p:extLst>
   </p:cSld>
@@ -1793,7 +1646,7 @@
           <a:bodyPr/>
           <a:lstStyle/>
           <a:p>
-            <a:endParaRPr lang="en-US" dirty="0"/>
+            <a:endParaRPr lang="en-US"/>
           </a:p>
         </p:txBody>
       </p:sp>
@@ -1812,18 +1665,18 @@
           <a:bodyPr/>
           <a:lstStyle/>
           <a:p>
-            <a:fld id="{CA04B8E0-A6B1-4F25-B436-B29FBA08F5CA}" type="slidenum">
+            <a:fld id="{647C5229-FEB0-409B-9EE0-F1AEA480CBCF}" type="slidenum">
               <a:rPr lang="en-US" smtClean="0"/>
-              <a:t>37</a:t>
+              <a:t>20</a:t>
             </a:fld>
-            <a:endParaRPr lang="en-US" dirty="0"/>
+            <a:endParaRPr lang="en-US"/>
           </a:p>
         </p:txBody>
       </p:sp>
     </p:spTree>
     <p:extLst>
       <p:ext uri="{BB962C8B-B14F-4D97-AF65-F5344CB8AC3E}">
-        <p14:creationId xmlns:p14="http://schemas.microsoft.com/office/powerpoint/2010/main" val="263919172"/>
+        <p14:creationId xmlns:p14="http://schemas.microsoft.com/office/powerpoint/2010/main" val="2186099080"/>
       </p:ext>
     </p:extLst>
   </p:cSld>
@@ -1898,7 +1751,7 @@
           <a:p>
             <a:fld id="{CA04B8E0-A6B1-4F25-B436-B29FBA08F5CA}" type="slidenum">
               <a:rPr lang="en-US" smtClean="0"/>
-              <a:t>38</a:t>
+              <a:t>21</a:t>
             </a:fld>
             <a:endParaRPr lang="en-US" dirty="0"/>
           </a:p>
@@ -1907,7 +1760,7 @@
     </p:spTree>
     <p:extLst>
       <p:ext uri="{BB962C8B-B14F-4D97-AF65-F5344CB8AC3E}">
-        <p14:creationId xmlns:p14="http://schemas.microsoft.com/office/powerpoint/2010/main" val="2764817895"/>
+        <p14:creationId xmlns:p14="http://schemas.microsoft.com/office/powerpoint/2010/main" val="317380857"/>
       </p:ext>
     </p:extLst>
   </p:cSld>
@@ -1961,7 +1814,93 @@
           <a:bodyPr/>
           <a:lstStyle/>
           <a:p>
+            <a:pPr marL="237369" indent="-237369">
+              <a:buFont typeface="+mj-lt"/>
+              <a:buAutoNum type="arabicPeriod"/>
+            </a:pPr>
+            <a:r>
+              <a:rPr lang="en-US" dirty="0"/>
+              <a:t>Show where you go to generate negative controls in ATLAS</a:t>
+            </a:r>
+          </a:p>
+          <a:p>
+            <a:pPr marL="712108" lvl="1" indent="-237369">
+              <a:buFont typeface="+mj-lt"/>
+              <a:buAutoNum type="arabicPeriod"/>
+            </a:pPr>
+            <a:r>
+              <a:rPr lang="en-US" dirty="0"/>
+              <a:t>Concept Set</a:t>
+            </a:r>
+          </a:p>
+          <a:p>
+            <a:pPr marL="712108" lvl="1" indent="-237369">
+              <a:buFont typeface="+mj-lt"/>
+              <a:buAutoNum type="arabicPeriod"/>
+            </a:pPr>
+            <a:r>
+              <a:rPr lang="en-US" dirty="0"/>
+              <a:t>Generate</a:t>
+            </a:r>
+          </a:p>
+          <a:p>
+            <a:pPr marL="712108" lvl="1" indent="-237369">
+              <a:buFont typeface="+mj-lt"/>
+              <a:buAutoNum type="arabicPeriod"/>
+            </a:pPr>
+            <a:r>
+              <a:rPr lang="en-US" dirty="0"/>
+              <a:t>Link outs</a:t>
+            </a:r>
+          </a:p>
+          <a:p>
+            <a:pPr marL="712108" lvl="1" indent="-237369">
+              <a:buFont typeface="+mj-lt"/>
+              <a:buAutoNum type="arabicPeriod"/>
+            </a:pPr>
+            <a:r>
+              <a:rPr lang="en-US" dirty="0"/>
+              <a:t>Export</a:t>
+            </a:r>
+          </a:p>
+          <a:p>
+            <a:pPr marL="712108" lvl="1" indent="-237369">
+              <a:buFont typeface="+mj-lt"/>
+              <a:buAutoNum type="arabicPeriod"/>
+            </a:pPr>
+            <a:r>
+              <a:rPr lang="en-US" dirty="0"/>
+              <a:t>Drug Label Evidence</a:t>
+            </a:r>
+          </a:p>
+          <a:p>
+            <a:pPr marL="237369" indent="-237369">
+              <a:buFont typeface="+mj-lt"/>
+              <a:buAutoNum type="arabicPeriod"/>
+            </a:pPr>
+            <a:r>
+              <a:rPr lang="en-US" dirty="0"/>
+              <a:t>Show how to export the list for review (making it more concrete where our next examples come from)</a:t>
+            </a:r>
+          </a:p>
+          <a:p>
+            <a:pPr marL="237369" indent="-237369">
+              <a:buFont typeface="+mj-lt"/>
+              <a:buAutoNum type="arabicPeriod"/>
+            </a:pPr>
+            <a:r>
+              <a:rPr lang="en-US" dirty="0"/>
+              <a:t>Show how to view evidence</a:t>
+            </a:r>
+          </a:p>
+          <a:p>
             <a:endParaRPr lang="en-US" dirty="0"/>
+          </a:p>
+          <a:p>
+            <a:r>
+              <a:rPr lang="en-US" dirty="0"/>
+              <a:t>Example = Omeprazole</a:t>
+            </a:r>
           </a:p>
         </p:txBody>
       </p:sp>
@@ -1982,7 +1921,7 @@
           <a:p>
             <a:fld id="{CA04B8E0-A6B1-4F25-B436-B29FBA08F5CA}" type="slidenum">
               <a:rPr lang="en-US" smtClean="0"/>
-              <a:t>39</a:t>
+              <a:t>22</a:t>
             </a:fld>
             <a:endParaRPr lang="en-US" dirty="0"/>
           </a:p>
@@ -1991,7 +1930,7 @@
     </p:spTree>
     <p:extLst>
       <p:ext uri="{BB962C8B-B14F-4D97-AF65-F5344CB8AC3E}">
-        <p14:creationId xmlns:p14="http://schemas.microsoft.com/office/powerpoint/2010/main" val="2350331818"/>
+        <p14:creationId xmlns:p14="http://schemas.microsoft.com/office/powerpoint/2010/main" val="3155117708"/>
       </p:ext>
     </p:extLst>
   </p:cSld>
@@ -2045,14 +1984,7 @@
           <a:bodyPr/>
           <a:lstStyle/>
           <a:p>
-            <a:pPr marL="174708" indent="-174708" defTabSz="931774">
-              <a:buFont typeface="Arial" panose="020B0604020202020204" pitchFamily="34" charset="0"/>
-              <a:buChar char="•"/>
-            </a:pPr>
-            <a:r>
-              <a:rPr lang="en-US" dirty="0"/>
-              <a:t>Indication vocabularies were developed for a different use case than our analytical purposes, and as such, tend to either have terms that are too specific  and don’t map to the place in SNOMED where we’d want, or too broad, meaning they are too high-level.  It isn’t that the current vocabulary mappings are completely useless, it’s just that they aren’t reliable enough for our use cases to be applied broadly without adjudication. </a:t>
-            </a:r>
+            <a:endParaRPr lang="en-US"/>
           </a:p>
         </p:txBody>
       </p:sp>
@@ -2071,18 +2003,563 @@
           <a:bodyPr/>
           <a:lstStyle/>
           <a:p>
-            <a:fld id="{CA04B8E0-A6B1-4F25-B436-B29FBA08F5CA}" type="slidenum">
+            <a:fld id="{647C5229-FEB0-409B-9EE0-F1AEA480CBCF}" type="slidenum">
               <a:rPr lang="en-US" smtClean="0"/>
-              <a:t>42</a:t>
+              <a:t>23</a:t>
             </a:fld>
-            <a:endParaRPr lang="en-US" dirty="0"/>
+            <a:endParaRPr lang="en-US"/>
           </a:p>
         </p:txBody>
       </p:sp>
     </p:spTree>
     <p:extLst>
       <p:ext uri="{BB962C8B-B14F-4D97-AF65-F5344CB8AC3E}">
-        <p14:creationId xmlns:p14="http://schemas.microsoft.com/office/powerpoint/2010/main" val="2270948950"/>
+        <p14:creationId xmlns:p14="http://schemas.microsoft.com/office/powerpoint/2010/main" val="3865604356"/>
+      </p:ext>
+    </p:extLst>
+  </p:cSld>
+  <p:clrMapOvr>
+    <a:masterClrMapping/>
+  </p:clrMapOvr>
+</p:notes>
+</file>
+
+<file path=ppt/notesSlides/notesSlide24.xml><?xml version="1.0" encoding="utf-8"?>
+<p:notes xmlns:a="http://schemas.openxmlformats.org/drawingml/2006/main" xmlns:r="http://schemas.openxmlformats.org/officeDocument/2006/relationships" xmlns:p="http://schemas.openxmlformats.org/presentationml/2006/main">
+  <p:cSld>
+    <p:spTree>
+      <p:nvGrpSpPr>
+        <p:cNvPr id="1" name=""/>
+        <p:cNvGrpSpPr/>
+        <p:nvPr/>
+      </p:nvGrpSpPr>
+      <p:grpSpPr>
+        <a:xfrm>
+          <a:off x="0" y="0"/>
+          <a:ext cx="0" cy="0"/>
+          <a:chOff x="0" y="0"/>
+          <a:chExt cx="0" cy="0"/>
+        </a:xfrm>
+      </p:grpSpPr>
+      <p:sp>
+        <p:nvSpPr>
+          <p:cNvPr id="2" name="Slide Image Placeholder 1"/>
+          <p:cNvSpPr>
+            <a:spLocks noGrp="1" noRot="1" noChangeAspect="1"/>
+          </p:cNvSpPr>
+          <p:nvPr>
+            <p:ph type="sldImg"/>
+          </p:nvPr>
+        </p:nvSpPr>
+        <p:spPr/>
+      </p:sp>
+      <p:sp>
+        <p:nvSpPr>
+          <p:cNvPr id="3" name="Notes Placeholder 2"/>
+          <p:cNvSpPr>
+            <a:spLocks noGrp="1"/>
+          </p:cNvSpPr>
+          <p:nvPr>
+            <p:ph type="body" idx="1"/>
+          </p:nvPr>
+        </p:nvSpPr>
+        <p:spPr/>
+        <p:txBody>
+          <a:bodyPr/>
+          <a:lstStyle/>
+          <a:p>
+            <a:endParaRPr lang="en-US"/>
+          </a:p>
+        </p:txBody>
+      </p:sp>
+      <p:sp>
+        <p:nvSpPr>
+          <p:cNvPr id="4" name="Slide Number Placeholder 3"/>
+          <p:cNvSpPr>
+            <a:spLocks noGrp="1"/>
+          </p:cNvSpPr>
+          <p:nvPr>
+            <p:ph type="sldNum" sz="quarter" idx="10"/>
+          </p:nvPr>
+        </p:nvSpPr>
+        <p:spPr/>
+        <p:txBody>
+          <a:bodyPr/>
+          <a:lstStyle/>
+          <a:p>
+            <a:fld id="{647C5229-FEB0-409B-9EE0-F1AEA480CBCF}" type="slidenum">
+              <a:rPr lang="en-US" smtClean="0"/>
+              <a:t>24</a:t>
+            </a:fld>
+            <a:endParaRPr lang="en-US"/>
+          </a:p>
+        </p:txBody>
+      </p:sp>
+    </p:spTree>
+    <p:extLst>
+      <p:ext uri="{BB962C8B-B14F-4D97-AF65-F5344CB8AC3E}">
+        <p14:creationId xmlns:p14="http://schemas.microsoft.com/office/powerpoint/2010/main" val="1112469917"/>
+      </p:ext>
+    </p:extLst>
+  </p:cSld>
+  <p:clrMapOvr>
+    <a:masterClrMapping/>
+  </p:clrMapOvr>
+</p:notes>
+</file>
+
+<file path=ppt/notesSlides/notesSlide25.xml><?xml version="1.0" encoding="utf-8"?>
+<p:notes xmlns:a="http://schemas.openxmlformats.org/drawingml/2006/main" xmlns:r="http://schemas.openxmlformats.org/officeDocument/2006/relationships" xmlns:p="http://schemas.openxmlformats.org/presentationml/2006/main">
+  <p:cSld>
+    <p:spTree>
+      <p:nvGrpSpPr>
+        <p:cNvPr id="1" name=""/>
+        <p:cNvGrpSpPr/>
+        <p:nvPr/>
+      </p:nvGrpSpPr>
+      <p:grpSpPr>
+        <a:xfrm>
+          <a:off x="0" y="0"/>
+          <a:ext cx="0" cy="0"/>
+          <a:chOff x="0" y="0"/>
+          <a:chExt cx="0" cy="0"/>
+        </a:xfrm>
+      </p:grpSpPr>
+      <p:sp>
+        <p:nvSpPr>
+          <p:cNvPr id="2" name="Slide Image Placeholder 1"/>
+          <p:cNvSpPr>
+            <a:spLocks noGrp="1" noRot="1" noChangeAspect="1"/>
+          </p:cNvSpPr>
+          <p:nvPr>
+            <p:ph type="sldImg"/>
+          </p:nvPr>
+        </p:nvSpPr>
+        <p:spPr/>
+      </p:sp>
+      <p:sp>
+        <p:nvSpPr>
+          <p:cNvPr id="3" name="Notes Placeholder 2"/>
+          <p:cNvSpPr>
+            <a:spLocks noGrp="1"/>
+          </p:cNvSpPr>
+          <p:nvPr>
+            <p:ph type="body" idx="1"/>
+          </p:nvPr>
+        </p:nvSpPr>
+        <p:spPr/>
+        <p:txBody>
+          <a:bodyPr/>
+          <a:lstStyle/>
+          <a:p>
+            <a:endParaRPr lang="en-US"/>
+          </a:p>
+        </p:txBody>
+      </p:sp>
+      <p:sp>
+        <p:nvSpPr>
+          <p:cNvPr id="4" name="Slide Number Placeholder 3"/>
+          <p:cNvSpPr>
+            <a:spLocks noGrp="1"/>
+          </p:cNvSpPr>
+          <p:nvPr>
+            <p:ph type="sldNum" sz="quarter" idx="10"/>
+          </p:nvPr>
+        </p:nvSpPr>
+        <p:spPr/>
+        <p:txBody>
+          <a:bodyPr/>
+          <a:lstStyle/>
+          <a:p>
+            <a:fld id="{647C5229-FEB0-409B-9EE0-F1AEA480CBCF}" type="slidenum">
+              <a:rPr lang="en-US" smtClean="0"/>
+              <a:t>25</a:t>
+            </a:fld>
+            <a:endParaRPr lang="en-US"/>
+          </a:p>
+        </p:txBody>
+      </p:sp>
+    </p:spTree>
+    <p:extLst>
+      <p:ext uri="{BB962C8B-B14F-4D97-AF65-F5344CB8AC3E}">
+        <p14:creationId xmlns:p14="http://schemas.microsoft.com/office/powerpoint/2010/main" val="1249189218"/>
+      </p:ext>
+    </p:extLst>
+  </p:cSld>
+  <p:clrMapOvr>
+    <a:masterClrMapping/>
+  </p:clrMapOvr>
+</p:notes>
+</file>
+
+<file path=ppt/notesSlides/notesSlide26.xml><?xml version="1.0" encoding="utf-8"?>
+<p:notes xmlns:a="http://schemas.openxmlformats.org/drawingml/2006/main" xmlns:r="http://schemas.openxmlformats.org/officeDocument/2006/relationships" xmlns:p="http://schemas.openxmlformats.org/presentationml/2006/main">
+  <p:cSld>
+    <p:spTree>
+      <p:nvGrpSpPr>
+        <p:cNvPr id="1" name=""/>
+        <p:cNvGrpSpPr/>
+        <p:nvPr/>
+      </p:nvGrpSpPr>
+      <p:grpSpPr>
+        <a:xfrm>
+          <a:off x="0" y="0"/>
+          <a:ext cx="0" cy="0"/>
+          <a:chOff x="0" y="0"/>
+          <a:chExt cx="0" cy="0"/>
+        </a:xfrm>
+      </p:grpSpPr>
+      <p:sp>
+        <p:nvSpPr>
+          <p:cNvPr id="2" name="Slide Image Placeholder 1"/>
+          <p:cNvSpPr>
+            <a:spLocks noGrp="1" noRot="1" noChangeAspect="1"/>
+          </p:cNvSpPr>
+          <p:nvPr>
+            <p:ph type="sldImg"/>
+          </p:nvPr>
+        </p:nvSpPr>
+        <p:spPr/>
+      </p:sp>
+      <p:sp>
+        <p:nvSpPr>
+          <p:cNvPr id="3" name="Notes Placeholder 2"/>
+          <p:cNvSpPr>
+            <a:spLocks noGrp="1"/>
+          </p:cNvSpPr>
+          <p:nvPr>
+            <p:ph type="body" idx="1"/>
+          </p:nvPr>
+        </p:nvSpPr>
+        <p:spPr/>
+        <p:txBody>
+          <a:bodyPr/>
+          <a:lstStyle/>
+          <a:p>
+            <a:endParaRPr lang="en-US"/>
+          </a:p>
+        </p:txBody>
+      </p:sp>
+      <p:sp>
+        <p:nvSpPr>
+          <p:cNvPr id="4" name="Slide Number Placeholder 3"/>
+          <p:cNvSpPr>
+            <a:spLocks noGrp="1"/>
+          </p:cNvSpPr>
+          <p:nvPr>
+            <p:ph type="sldNum" sz="quarter" idx="10"/>
+          </p:nvPr>
+        </p:nvSpPr>
+        <p:spPr/>
+        <p:txBody>
+          <a:bodyPr/>
+          <a:lstStyle/>
+          <a:p>
+            <a:fld id="{647C5229-FEB0-409B-9EE0-F1AEA480CBCF}" type="slidenum">
+              <a:rPr lang="en-US" smtClean="0"/>
+              <a:t>26</a:t>
+            </a:fld>
+            <a:endParaRPr lang="en-US"/>
+          </a:p>
+        </p:txBody>
+      </p:sp>
+    </p:spTree>
+    <p:extLst>
+      <p:ext uri="{BB962C8B-B14F-4D97-AF65-F5344CB8AC3E}">
+        <p14:creationId xmlns:p14="http://schemas.microsoft.com/office/powerpoint/2010/main" val="563375425"/>
+      </p:ext>
+    </p:extLst>
+  </p:cSld>
+  <p:clrMapOvr>
+    <a:masterClrMapping/>
+  </p:clrMapOvr>
+</p:notes>
+</file>
+
+<file path=ppt/notesSlides/notesSlide27.xml><?xml version="1.0" encoding="utf-8"?>
+<p:notes xmlns:a="http://schemas.openxmlformats.org/drawingml/2006/main" xmlns:r="http://schemas.openxmlformats.org/officeDocument/2006/relationships" xmlns:p="http://schemas.openxmlformats.org/presentationml/2006/main">
+  <p:cSld>
+    <p:spTree>
+      <p:nvGrpSpPr>
+        <p:cNvPr id="1" name=""/>
+        <p:cNvGrpSpPr/>
+        <p:nvPr/>
+      </p:nvGrpSpPr>
+      <p:grpSpPr>
+        <a:xfrm>
+          <a:off x="0" y="0"/>
+          <a:ext cx="0" cy="0"/>
+          <a:chOff x="0" y="0"/>
+          <a:chExt cx="0" cy="0"/>
+        </a:xfrm>
+      </p:grpSpPr>
+      <p:sp>
+        <p:nvSpPr>
+          <p:cNvPr id="2" name="Slide Image Placeholder 1"/>
+          <p:cNvSpPr>
+            <a:spLocks noGrp="1" noRot="1" noChangeAspect="1"/>
+          </p:cNvSpPr>
+          <p:nvPr>
+            <p:ph type="sldImg"/>
+          </p:nvPr>
+        </p:nvSpPr>
+        <p:spPr/>
+      </p:sp>
+      <p:sp>
+        <p:nvSpPr>
+          <p:cNvPr id="3" name="Notes Placeholder 2"/>
+          <p:cNvSpPr>
+            <a:spLocks noGrp="1"/>
+          </p:cNvSpPr>
+          <p:nvPr>
+            <p:ph type="body" idx="1"/>
+          </p:nvPr>
+        </p:nvSpPr>
+        <p:spPr/>
+        <p:txBody>
+          <a:bodyPr/>
+          <a:lstStyle/>
+          <a:p>
+            <a:r>
+              <a:rPr lang="en-US" dirty="0"/>
+              <a:t>Published 8/27/2017</a:t>
+            </a:r>
+          </a:p>
+        </p:txBody>
+      </p:sp>
+      <p:sp>
+        <p:nvSpPr>
+          <p:cNvPr id="4" name="Slide Number Placeholder 3"/>
+          <p:cNvSpPr>
+            <a:spLocks noGrp="1"/>
+          </p:cNvSpPr>
+          <p:nvPr>
+            <p:ph type="sldNum" sz="quarter" idx="10"/>
+          </p:nvPr>
+        </p:nvSpPr>
+        <p:spPr/>
+        <p:txBody>
+          <a:bodyPr/>
+          <a:lstStyle/>
+          <a:p>
+            <a:fld id="{CA04B8E0-A6B1-4F25-B436-B29FBA08F5CA}" type="slidenum">
+              <a:rPr lang="en-US" smtClean="0"/>
+              <a:t>27</a:t>
+            </a:fld>
+            <a:endParaRPr lang="en-US" dirty="0"/>
+          </a:p>
+        </p:txBody>
+      </p:sp>
+    </p:spTree>
+    <p:extLst>
+      <p:ext uri="{BB962C8B-B14F-4D97-AF65-F5344CB8AC3E}">
+        <p14:creationId xmlns:p14="http://schemas.microsoft.com/office/powerpoint/2010/main" val="3279003557"/>
+      </p:ext>
+    </p:extLst>
+  </p:cSld>
+  <p:clrMapOvr>
+    <a:masterClrMapping/>
+  </p:clrMapOvr>
+</p:notes>
+</file>
+
+<file path=ppt/notesSlides/notesSlide28.xml><?xml version="1.0" encoding="utf-8"?>
+<p:notes xmlns:a="http://schemas.openxmlformats.org/drawingml/2006/main" xmlns:r="http://schemas.openxmlformats.org/officeDocument/2006/relationships" xmlns:p="http://schemas.openxmlformats.org/presentationml/2006/main">
+  <p:cSld>
+    <p:spTree>
+      <p:nvGrpSpPr>
+        <p:cNvPr id="1" name=""/>
+        <p:cNvGrpSpPr/>
+        <p:nvPr/>
+      </p:nvGrpSpPr>
+      <p:grpSpPr>
+        <a:xfrm>
+          <a:off x="0" y="0"/>
+          <a:ext cx="0" cy="0"/>
+          <a:chOff x="0" y="0"/>
+          <a:chExt cx="0" cy="0"/>
+        </a:xfrm>
+      </p:grpSpPr>
+      <p:sp>
+        <p:nvSpPr>
+          <p:cNvPr id="2" name="Slide Image Placeholder 1"/>
+          <p:cNvSpPr>
+            <a:spLocks noGrp="1" noRot="1" noChangeAspect="1"/>
+          </p:cNvSpPr>
+          <p:nvPr>
+            <p:ph type="sldImg"/>
+          </p:nvPr>
+        </p:nvSpPr>
+        <p:spPr/>
+      </p:sp>
+      <p:sp>
+        <p:nvSpPr>
+          <p:cNvPr id="3" name="Notes Placeholder 2"/>
+          <p:cNvSpPr>
+            <a:spLocks noGrp="1"/>
+          </p:cNvSpPr>
+          <p:nvPr>
+            <p:ph type="body" idx="1"/>
+          </p:nvPr>
+        </p:nvSpPr>
+        <p:spPr/>
+        <p:txBody>
+          <a:bodyPr/>
+          <a:lstStyle/>
+          <a:p>
+            <a:endParaRPr lang="en-US" dirty="0"/>
+          </a:p>
+        </p:txBody>
+      </p:sp>
+      <p:sp>
+        <p:nvSpPr>
+          <p:cNvPr id="4" name="Slide Number Placeholder 3"/>
+          <p:cNvSpPr>
+            <a:spLocks noGrp="1"/>
+          </p:cNvSpPr>
+          <p:nvPr>
+            <p:ph type="sldNum" sz="quarter" idx="10"/>
+          </p:nvPr>
+        </p:nvSpPr>
+        <p:spPr/>
+        <p:txBody>
+          <a:bodyPr/>
+          <a:lstStyle/>
+          <a:p>
+            <a:fld id="{CA04B8E0-A6B1-4F25-B436-B29FBA08F5CA}" type="slidenum">
+              <a:rPr lang="en-US" smtClean="0"/>
+              <a:t>28</a:t>
+            </a:fld>
+            <a:endParaRPr lang="en-US" dirty="0"/>
+          </a:p>
+        </p:txBody>
+      </p:sp>
+    </p:spTree>
+    <p:extLst>
+      <p:ext uri="{BB962C8B-B14F-4D97-AF65-F5344CB8AC3E}">
+        <p14:creationId xmlns:p14="http://schemas.microsoft.com/office/powerpoint/2010/main" val="735967260"/>
+      </p:ext>
+    </p:extLst>
+  </p:cSld>
+  <p:clrMapOvr>
+    <a:masterClrMapping/>
+  </p:clrMapOvr>
+</p:notes>
+</file>
+
+<file path=ppt/notesSlides/notesSlide29.xml><?xml version="1.0" encoding="utf-8"?>
+<p:notes xmlns:a="http://schemas.openxmlformats.org/drawingml/2006/main" xmlns:r="http://schemas.openxmlformats.org/officeDocument/2006/relationships" xmlns:p="http://schemas.openxmlformats.org/presentationml/2006/main">
+  <p:cSld>
+    <p:spTree>
+      <p:nvGrpSpPr>
+        <p:cNvPr id="1" name=""/>
+        <p:cNvGrpSpPr/>
+        <p:nvPr/>
+      </p:nvGrpSpPr>
+      <p:grpSpPr>
+        <a:xfrm>
+          <a:off x="0" y="0"/>
+          <a:ext cx="0" cy="0"/>
+          <a:chOff x="0" y="0"/>
+          <a:chExt cx="0" cy="0"/>
+        </a:xfrm>
+      </p:grpSpPr>
+      <p:sp>
+        <p:nvSpPr>
+          <p:cNvPr id="2" name="Slide Image Placeholder 1"/>
+          <p:cNvSpPr>
+            <a:spLocks noGrp="1" noRot="1" noChangeAspect="1"/>
+          </p:cNvSpPr>
+          <p:nvPr>
+            <p:ph type="sldImg"/>
+          </p:nvPr>
+        </p:nvSpPr>
+        <p:spPr/>
+      </p:sp>
+      <p:sp>
+        <p:nvSpPr>
+          <p:cNvPr id="3" name="Notes Placeholder 2"/>
+          <p:cNvSpPr>
+            <a:spLocks noGrp="1"/>
+          </p:cNvSpPr>
+          <p:nvPr>
+            <p:ph type="body" idx="1"/>
+          </p:nvPr>
+        </p:nvSpPr>
+        <p:spPr/>
+        <p:txBody>
+          <a:bodyPr/>
+          <a:lstStyle/>
+          <a:p>
+            <a:pPr marL="178027" indent="-178027">
+              <a:buFont typeface="Arial" panose="020B0604020202020204" pitchFamily="34" charset="0"/>
+              <a:buChar char="•"/>
+            </a:pPr>
+            <a:r>
+              <a:rPr lang="en-US" dirty="0">
+                <a:sym typeface="Wingdings" panose="05000000000000000000" pitchFamily="2" charset="2"/>
+              </a:rPr>
+              <a:t>Where people can get confused:  A good negative control, they do not need to be the same magnitude of effect or same variables.</a:t>
+            </a:r>
+          </a:p>
+          <a:p>
+            <a:pPr marL="178027" indent="-178027">
+              <a:buFont typeface="Arial" panose="020B0604020202020204" pitchFamily="34" charset="0"/>
+              <a:buChar char="•"/>
+            </a:pPr>
+            <a:endParaRPr lang="en-US" dirty="0">
+              <a:sym typeface="Wingdings" panose="05000000000000000000" pitchFamily="2" charset="2"/>
+            </a:endParaRPr>
+          </a:p>
+          <a:p>
+            <a:pPr marL="178027" indent="-178027">
+              <a:buFont typeface="Arial" panose="020B0604020202020204" pitchFamily="34" charset="0"/>
+              <a:buChar char="•"/>
+            </a:pPr>
+            <a:r>
+              <a:rPr lang="en-US" dirty="0">
+                <a:sym typeface="Wingdings" panose="05000000000000000000" pitchFamily="2" charset="2"/>
+              </a:rPr>
+              <a:t>Exchangeability Assumption – if we are still finding things are = 1, then there is still some type of bias that we are not handling for</a:t>
+            </a:r>
+          </a:p>
+          <a:p>
+            <a:endParaRPr lang="en-US" dirty="0">
+              <a:sym typeface="Wingdings" panose="05000000000000000000" pitchFamily="2" charset="2"/>
+            </a:endParaRPr>
+          </a:p>
+          <a:p>
+            <a:endParaRPr lang="en-US" dirty="0"/>
+          </a:p>
+        </p:txBody>
+      </p:sp>
+      <p:sp>
+        <p:nvSpPr>
+          <p:cNvPr id="4" name="Slide Number Placeholder 3"/>
+          <p:cNvSpPr>
+            <a:spLocks noGrp="1"/>
+          </p:cNvSpPr>
+          <p:nvPr>
+            <p:ph type="sldNum" sz="quarter" idx="10"/>
+          </p:nvPr>
+        </p:nvSpPr>
+        <p:spPr/>
+        <p:txBody>
+          <a:bodyPr/>
+          <a:lstStyle/>
+          <a:p>
+            <a:fld id="{CA04B8E0-A6B1-4F25-B436-B29FBA08F5CA}" type="slidenum">
+              <a:rPr lang="en-US" smtClean="0"/>
+              <a:t>29</a:t>
+            </a:fld>
+            <a:endParaRPr lang="en-US" dirty="0"/>
+          </a:p>
+        </p:txBody>
+      </p:sp>
+    </p:spTree>
+    <p:extLst>
+      <p:ext uri="{BB962C8B-B14F-4D97-AF65-F5344CB8AC3E}">
+        <p14:creationId xmlns:p14="http://schemas.microsoft.com/office/powerpoint/2010/main" val="2666387122"/>
       </p:ext>
     </p:extLst>
   </p:cSld>
@@ -2136,7 +2613,7 @@
           <a:bodyPr/>
           <a:lstStyle/>
           <a:p>
-            <a:endParaRPr lang="en-US" dirty="0"/>
+            <a:endParaRPr lang="en-US"/>
           </a:p>
         </p:txBody>
       </p:sp>
@@ -2155,18 +2632,881 @@
           <a:bodyPr/>
           <a:lstStyle/>
           <a:p>
-            <a:fld id="{D6306BD5-8451-49FF-9774-A9BDF4E8C368}" type="slidenum">
+            <a:fld id="{647C5229-FEB0-409B-9EE0-F1AEA480CBCF}" type="slidenum">
               <a:rPr lang="en-US" smtClean="0"/>
-              <a:t>8</a:t>
+              <a:t>3</a:t>
             </a:fld>
-            <a:endParaRPr lang="en-US" dirty="0"/>
+            <a:endParaRPr lang="en-US"/>
           </a:p>
         </p:txBody>
       </p:sp>
     </p:spTree>
     <p:extLst>
       <p:ext uri="{BB962C8B-B14F-4D97-AF65-F5344CB8AC3E}">
-        <p14:creationId xmlns:p14="http://schemas.microsoft.com/office/powerpoint/2010/main" val="3389672070"/>
+        <p14:creationId xmlns:p14="http://schemas.microsoft.com/office/powerpoint/2010/main" val="3153645603"/>
+      </p:ext>
+    </p:extLst>
+  </p:cSld>
+  <p:clrMapOvr>
+    <a:masterClrMapping/>
+  </p:clrMapOvr>
+</p:notes>
+</file>
+
+<file path=ppt/notesSlides/notesSlide30.xml><?xml version="1.0" encoding="utf-8"?>
+<p:notes xmlns:a="http://schemas.openxmlformats.org/drawingml/2006/main" xmlns:r="http://schemas.openxmlformats.org/officeDocument/2006/relationships" xmlns:p="http://schemas.openxmlformats.org/presentationml/2006/main">
+  <p:cSld>
+    <p:spTree>
+      <p:nvGrpSpPr>
+        <p:cNvPr id="1" name=""/>
+        <p:cNvGrpSpPr/>
+        <p:nvPr/>
+      </p:nvGrpSpPr>
+      <p:grpSpPr>
+        <a:xfrm>
+          <a:off x="0" y="0"/>
+          <a:ext cx="0" cy="0"/>
+          <a:chOff x="0" y="0"/>
+          <a:chExt cx="0" cy="0"/>
+        </a:xfrm>
+      </p:grpSpPr>
+      <p:sp>
+        <p:nvSpPr>
+          <p:cNvPr id="2" name="Slide Image Placeholder 1"/>
+          <p:cNvSpPr>
+            <a:spLocks noGrp="1" noRot="1" noChangeAspect="1"/>
+          </p:cNvSpPr>
+          <p:nvPr>
+            <p:ph type="sldImg"/>
+          </p:nvPr>
+        </p:nvSpPr>
+        <p:spPr/>
+      </p:sp>
+      <p:sp>
+        <p:nvSpPr>
+          <p:cNvPr id="3" name="Notes Placeholder 2"/>
+          <p:cNvSpPr>
+            <a:spLocks noGrp="1"/>
+          </p:cNvSpPr>
+          <p:nvPr>
+            <p:ph type="body" idx="1"/>
+          </p:nvPr>
+        </p:nvSpPr>
+        <p:spPr/>
+        <p:txBody>
+          <a:bodyPr/>
+          <a:lstStyle/>
+          <a:p>
+            <a:endParaRPr lang="en-US" dirty="0"/>
+          </a:p>
+        </p:txBody>
+      </p:sp>
+      <p:sp>
+        <p:nvSpPr>
+          <p:cNvPr id="4" name="Slide Number Placeholder 3"/>
+          <p:cNvSpPr>
+            <a:spLocks noGrp="1"/>
+          </p:cNvSpPr>
+          <p:nvPr>
+            <p:ph type="sldNum" sz="quarter" idx="10"/>
+          </p:nvPr>
+        </p:nvSpPr>
+        <p:spPr/>
+        <p:txBody>
+          <a:bodyPr/>
+          <a:lstStyle/>
+          <a:p>
+            <a:fld id="{CA04B8E0-A6B1-4F25-B436-B29FBA08F5CA}" type="slidenum">
+              <a:rPr lang="en-US" smtClean="0"/>
+              <a:t>30</a:t>
+            </a:fld>
+            <a:endParaRPr lang="en-US" dirty="0"/>
+          </a:p>
+        </p:txBody>
+      </p:sp>
+    </p:spTree>
+    <p:extLst>
+      <p:ext uri="{BB962C8B-B14F-4D97-AF65-F5344CB8AC3E}">
+        <p14:creationId xmlns:p14="http://schemas.microsoft.com/office/powerpoint/2010/main" val="952059342"/>
+      </p:ext>
+    </p:extLst>
+  </p:cSld>
+  <p:clrMapOvr>
+    <a:masterClrMapping/>
+  </p:clrMapOvr>
+</p:notes>
+</file>
+
+<file path=ppt/notesSlides/notesSlide31.xml><?xml version="1.0" encoding="utf-8"?>
+<p:notes xmlns:a="http://schemas.openxmlformats.org/drawingml/2006/main" xmlns:r="http://schemas.openxmlformats.org/officeDocument/2006/relationships" xmlns:p="http://schemas.openxmlformats.org/presentationml/2006/main">
+  <p:cSld>
+    <p:spTree>
+      <p:nvGrpSpPr>
+        <p:cNvPr id="1" name=""/>
+        <p:cNvGrpSpPr/>
+        <p:nvPr/>
+      </p:nvGrpSpPr>
+      <p:grpSpPr>
+        <a:xfrm>
+          <a:off x="0" y="0"/>
+          <a:ext cx="0" cy="0"/>
+          <a:chOff x="0" y="0"/>
+          <a:chExt cx="0" cy="0"/>
+        </a:xfrm>
+      </p:grpSpPr>
+      <p:sp>
+        <p:nvSpPr>
+          <p:cNvPr id="2" name="Slide Image Placeholder 1"/>
+          <p:cNvSpPr>
+            <a:spLocks noGrp="1" noRot="1" noChangeAspect="1"/>
+          </p:cNvSpPr>
+          <p:nvPr>
+            <p:ph type="sldImg"/>
+          </p:nvPr>
+        </p:nvSpPr>
+        <p:spPr/>
+      </p:sp>
+      <p:sp>
+        <p:nvSpPr>
+          <p:cNvPr id="3" name="Notes Placeholder 2"/>
+          <p:cNvSpPr>
+            <a:spLocks noGrp="1"/>
+          </p:cNvSpPr>
+          <p:nvPr>
+            <p:ph type="body" idx="1"/>
+          </p:nvPr>
+        </p:nvSpPr>
+        <p:spPr/>
+        <p:txBody>
+          <a:bodyPr/>
+          <a:lstStyle/>
+          <a:p>
+            <a:endParaRPr lang="en-US"/>
+          </a:p>
+        </p:txBody>
+      </p:sp>
+      <p:sp>
+        <p:nvSpPr>
+          <p:cNvPr id="4" name="Slide Number Placeholder 3"/>
+          <p:cNvSpPr>
+            <a:spLocks noGrp="1"/>
+          </p:cNvSpPr>
+          <p:nvPr>
+            <p:ph type="sldNum" sz="quarter" idx="10"/>
+          </p:nvPr>
+        </p:nvSpPr>
+        <p:spPr/>
+        <p:txBody>
+          <a:bodyPr/>
+          <a:lstStyle/>
+          <a:p>
+            <a:fld id="{647C5229-FEB0-409B-9EE0-F1AEA480CBCF}" type="slidenum">
+              <a:rPr lang="en-US" smtClean="0"/>
+              <a:t>31</a:t>
+            </a:fld>
+            <a:endParaRPr lang="en-US"/>
+          </a:p>
+        </p:txBody>
+      </p:sp>
+    </p:spTree>
+    <p:extLst>
+      <p:ext uri="{BB962C8B-B14F-4D97-AF65-F5344CB8AC3E}">
+        <p14:creationId xmlns:p14="http://schemas.microsoft.com/office/powerpoint/2010/main" val="899122692"/>
+      </p:ext>
+    </p:extLst>
+  </p:cSld>
+  <p:clrMapOvr>
+    <a:masterClrMapping/>
+  </p:clrMapOvr>
+</p:notes>
+</file>
+
+<file path=ppt/notesSlides/notesSlide32.xml><?xml version="1.0" encoding="utf-8"?>
+<p:notes xmlns:a="http://schemas.openxmlformats.org/drawingml/2006/main" xmlns:r="http://schemas.openxmlformats.org/officeDocument/2006/relationships" xmlns:p="http://schemas.openxmlformats.org/presentationml/2006/main">
+  <p:cSld>
+    <p:spTree>
+      <p:nvGrpSpPr>
+        <p:cNvPr id="1" name=""/>
+        <p:cNvGrpSpPr/>
+        <p:nvPr/>
+      </p:nvGrpSpPr>
+      <p:grpSpPr>
+        <a:xfrm>
+          <a:off x="0" y="0"/>
+          <a:ext cx="0" cy="0"/>
+          <a:chOff x="0" y="0"/>
+          <a:chExt cx="0" cy="0"/>
+        </a:xfrm>
+      </p:grpSpPr>
+      <p:sp>
+        <p:nvSpPr>
+          <p:cNvPr id="2" name="Slide Image Placeholder 1"/>
+          <p:cNvSpPr>
+            <a:spLocks noGrp="1" noRot="1" noChangeAspect="1"/>
+          </p:cNvSpPr>
+          <p:nvPr>
+            <p:ph type="sldImg"/>
+          </p:nvPr>
+        </p:nvSpPr>
+        <p:spPr/>
+      </p:sp>
+      <p:sp>
+        <p:nvSpPr>
+          <p:cNvPr id="3" name="Notes Placeholder 2"/>
+          <p:cNvSpPr>
+            <a:spLocks noGrp="1"/>
+          </p:cNvSpPr>
+          <p:nvPr>
+            <p:ph type="body" idx="1"/>
+          </p:nvPr>
+        </p:nvSpPr>
+        <p:spPr/>
+        <p:txBody>
+          <a:bodyPr/>
+          <a:lstStyle/>
+          <a:p>
+            <a:pPr marL="178027" indent="-178027" defTabSz="949478">
+              <a:buFont typeface="Arial" panose="020B0604020202020204" pitchFamily="34" charset="0"/>
+              <a:buChar char="•"/>
+              <a:defRPr/>
+            </a:pPr>
+            <a:r>
+              <a:rPr lang="en-US" dirty="0">
+                <a:sym typeface="Wingdings" panose="05000000000000000000" pitchFamily="2" charset="2"/>
+              </a:rPr>
+              <a:t>By using rosacea as negative control we should get a result of 1 (true effect), we know rosacea has at least 3 confounders, these are also confounders for death – if we get the wrong answer for rosacea then we are susceptible to getting the wrong answer for death.</a:t>
+            </a:r>
+          </a:p>
+          <a:p>
+            <a:endParaRPr lang="en-US" dirty="0"/>
+          </a:p>
+          <a:p>
+            <a:pPr marL="174708" indent="-174708">
+              <a:buFont typeface="Arial" panose="020B0604020202020204" pitchFamily="34" charset="0"/>
+              <a:buChar char="•"/>
+            </a:pPr>
+            <a:r>
+              <a:rPr lang="en-US" dirty="0"/>
+              <a:t>you want your negative control to have some confounding, meaning there are some covariates that impact exposure and outcome.  If there is no confounding, then the negative control will be ‘an easy test’ for the method to produce an unbiased estimate.  It is not necessary to ascertain or quantify all confounder variables, nor is it necessary that the confounders be the same as expected for the question of interest.</a:t>
+            </a:r>
+          </a:p>
+        </p:txBody>
+      </p:sp>
+      <p:sp>
+        <p:nvSpPr>
+          <p:cNvPr id="4" name="Slide Number Placeholder 3"/>
+          <p:cNvSpPr>
+            <a:spLocks noGrp="1"/>
+          </p:cNvSpPr>
+          <p:nvPr>
+            <p:ph type="sldNum" sz="quarter" idx="10"/>
+          </p:nvPr>
+        </p:nvSpPr>
+        <p:spPr/>
+        <p:txBody>
+          <a:bodyPr/>
+          <a:lstStyle/>
+          <a:p>
+            <a:fld id="{CA04B8E0-A6B1-4F25-B436-B29FBA08F5CA}" type="slidenum">
+              <a:rPr lang="en-US" smtClean="0"/>
+              <a:t>32</a:t>
+            </a:fld>
+            <a:endParaRPr lang="en-US" dirty="0"/>
+          </a:p>
+        </p:txBody>
+      </p:sp>
+    </p:spTree>
+    <p:extLst>
+      <p:ext uri="{BB962C8B-B14F-4D97-AF65-F5344CB8AC3E}">
+        <p14:creationId xmlns:p14="http://schemas.microsoft.com/office/powerpoint/2010/main" val="2586399982"/>
+      </p:ext>
+    </p:extLst>
+  </p:cSld>
+  <p:clrMapOvr>
+    <a:masterClrMapping/>
+  </p:clrMapOvr>
+</p:notes>
+</file>
+
+<file path=ppt/notesSlides/notesSlide33.xml><?xml version="1.0" encoding="utf-8"?>
+<p:notes xmlns:a="http://schemas.openxmlformats.org/drawingml/2006/main" xmlns:r="http://schemas.openxmlformats.org/officeDocument/2006/relationships" xmlns:p="http://schemas.openxmlformats.org/presentationml/2006/main">
+  <p:cSld>
+    <p:spTree>
+      <p:nvGrpSpPr>
+        <p:cNvPr id="1" name=""/>
+        <p:cNvGrpSpPr/>
+        <p:nvPr/>
+      </p:nvGrpSpPr>
+      <p:grpSpPr>
+        <a:xfrm>
+          <a:off x="0" y="0"/>
+          <a:ext cx="0" cy="0"/>
+          <a:chOff x="0" y="0"/>
+          <a:chExt cx="0" cy="0"/>
+        </a:xfrm>
+      </p:grpSpPr>
+      <p:sp>
+        <p:nvSpPr>
+          <p:cNvPr id="2" name="Slide Image Placeholder 1"/>
+          <p:cNvSpPr>
+            <a:spLocks noGrp="1" noRot="1" noChangeAspect="1"/>
+          </p:cNvSpPr>
+          <p:nvPr>
+            <p:ph type="sldImg"/>
+          </p:nvPr>
+        </p:nvSpPr>
+        <p:spPr/>
+      </p:sp>
+      <p:sp>
+        <p:nvSpPr>
+          <p:cNvPr id="3" name="Notes Placeholder 2"/>
+          <p:cNvSpPr>
+            <a:spLocks noGrp="1"/>
+          </p:cNvSpPr>
+          <p:nvPr>
+            <p:ph type="body" idx="1"/>
+          </p:nvPr>
+        </p:nvSpPr>
+        <p:spPr/>
+        <p:txBody>
+          <a:bodyPr/>
+          <a:lstStyle/>
+          <a:p>
+            <a:endParaRPr lang="en-US" dirty="0"/>
+          </a:p>
+        </p:txBody>
+      </p:sp>
+      <p:sp>
+        <p:nvSpPr>
+          <p:cNvPr id="4" name="Slide Number Placeholder 3"/>
+          <p:cNvSpPr>
+            <a:spLocks noGrp="1"/>
+          </p:cNvSpPr>
+          <p:nvPr>
+            <p:ph type="sldNum" sz="quarter" idx="10"/>
+          </p:nvPr>
+        </p:nvSpPr>
+        <p:spPr/>
+        <p:txBody>
+          <a:bodyPr/>
+          <a:lstStyle/>
+          <a:p>
+            <a:fld id="{CA04B8E0-A6B1-4F25-B436-B29FBA08F5CA}" type="slidenum">
+              <a:rPr lang="en-US" smtClean="0"/>
+              <a:t>33</a:t>
+            </a:fld>
+            <a:endParaRPr lang="en-US" dirty="0"/>
+          </a:p>
+        </p:txBody>
+      </p:sp>
+    </p:spTree>
+    <p:extLst>
+      <p:ext uri="{BB962C8B-B14F-4D97-AF65-F5344CB8AC3E}">
+        <p14:creationId xmlns:p14="http://schemas.microsoft.com/office/powerpoint/2010/main" val="4224589599"/>
+      </p:ext>
+    </p:extLst>
+  </p:cSld>
+  <p:clrMapOvr>
+    <a:masterClrMapping/>
+  </p:clrMapOvr>
+</p:notes>
+</file>
+
+<file path=ppt/notesSlides/notesSlide34.xml><?xml version="1.0" encoding="utf-8"?>
+<p:notes xmlns:a="http://schemas.openxmlformats.org/drawingml/2006/main" xmlns:r="http://schemas.openxmlformats.org/officeDocument/2006/relationships" xmlns:p="http://schemas.openxmlformats.org/presentationml/2006/main">
+  <p:cSld>
+    <p:spTree>
+      <p:nvGrpSpPr>
+        <p:cNvPr id="1" name=""/>
+        <p:cNvGrpSpPr/>
+        <p:nvPr/>
+      </p:nvGrpSpPr>
+      <p:grpSpPr>
+        <a:xfrm>
+          <a:off x="0" y="0"/>
+          <a:ext cx="0" cy="0"/>
+          <a:chOff x="0" y="0"/>
+          <a:chExt cx="0" cy="0"/>
+        </a:xfrm>
+      </p:grpSpPr>
+      <p:sp>
+        <p:nvSpPr>
+          <p:cNvPr id="2" name="Slide Image Placeholder 1"/>
+          <p:cNvSpPr>
+            <a:spLocks noGrp="1" noRot="1" noChangeAspect="1"/>
+          </p:cNvSpPr>
+          <p:nvPr>
+            <p:ph type="sldImg"/>
+          </p:nvPr>
+        </p:nvSpPr>
+        <p:spPr/>
+      </p:sp>
+      <p:sp>
+        <p:nvSpPr>
+          <p:cNvPr id="3" name="Notes Placeholder 2"/>
+          <p:cNvSpPr>
+            <a:spLocks noGrp="1"/>
+          </p:cNvSpPr>
+          <p:nvPr>
+            <p:ph type="body" idx="1"/>
+          </p:nvPr>
+        </p:nvSpPr>
+        <p:spPr/>
+        <p:txBody>
+          <a:bodyPr/>
+          <a:lstStyle/>
+          <a:p>
+            <a:endParaRPr lang="en-US"/>
+          </a:p>
+        </p:txBody>
+      </p:sp>
+      <p:sp>
+        <p:nvSpPr>
+          <p:cNvPr id="4" name="Slide Number Placeholder 3"/>
+          <p:cNvSpPr>
+            <a:spLocks noGrp="1"/>
+          </p:cNvSpPr>
+          <p:nvPr>
+            <p:ph type="sldNum" sz="quarter" idx="10"/>
+          </p:nvPr>
+        </p:nvSpPr>
+        <p:spPr/>
+        <p:txBody>
+          <a:bodyPr/>
+          <a:lstStyle/>
+          <a:p>
+            <a:fld id="{647C5229-FEB0-409B-9EE0-F1AEA480CBCF}" type="slidenum">
+              <a:rPr lang="en-US" smtClean="0"/>
+              <a:t>34</a:t>
+            </a:fld>
+            <a:endParaRPr lang="en-US"/>
+          </a:p>
+        </p:txBody>
+      </p:sp>
+    </p:spTree>
+    <p:extLst>
+      <p:ext uri="{BB962C8B-B14F-4D97-AF65-F5344CB8AC3E}">
+        <p14:creationId xmlns:p14="http://schemas.microsoft.com/office/powerpoint/2010/main" val="30132294"/>
+      </p:ext>
+    </p:extLst>
+  </p:cSld>
+  <p:clrMapOvr>
+    <a:masterClrMapping/>
+  </p:clrMapOvr>
+</p:notes>
+</file>
+
+<file path=ppt/notesSlides/notesSlide35.xml><?xml version="1.0" encoding="utf-8"?>
+<p:notes xmlns:a="http://schemas.openxmlformats.org/drawingml/2006/main" xmlns:r="http://schemas.openxmlformats.org/officeDocument/2006/relationships" xmlns:p="http://schemas.openxmlformats.org/presentationml/2006/main">
+  <p:cSld>
+    <p:spTree>
+      <p:nvGrpSpPr>
+        <p:cNvPr id="1" name=""/>
+        <p:cNvGrpSpPr/>
+        <p:nvPr/>
+      </p:nvGrpSpPr>
+      <p:grpSpPr>
+        <a:xfrm>
+          <a:off x="0" y="0"/>
+          <a:ext cx="0" cy="0"/>
+          <a:chOff x="0" y="0"/>
+          <a:chExt cx="0" cy="0"/>
+        </a:xfrm>
+      </p:grpSpPr>
+      <p:sp>
+        <p:nvSpPr>
+          <p:cNvPr id="2" name="Slide Image Placeholder 1"/>
+          <p:cNvSpPr>
+            <a:spLocks noGrp="1" noRot="1" noChangeAspect="1"/>
+          </p:cNvSpPr>
+          <p:nvPr>
+            <p:ph type="sldImg"/>
+          </p:nvPr>
+        </p:nvSpPr>
+        <p:spPr/>
+      </p:sp>
+      <p:sp>
+        <p:nvSpPr>
+          <p:cNvPr id="3" name="Notes Placeholder 2"/>
+          <p:cNvSpPr>
+            <a:spLocks noGrp="1"/>
+          </p:cNvSpPr>
+          <p:nvPr>
+            <p:ph type="body" idx="1"/>
+          </p:nvPr>
+        </p:nvSpPr>
+        <p:spPr/>
+        <p:txBody>
+          <a:bodyPr/>
+          <a:lstStyle/>
+          <a:p>
+            <a:endParaRPr lang="en-US" dirty="0"/>
+          </a:p>
+        </p:txBody>
+      </p:sp>
+      <p:sp>
+        <p:nvSpPr>
+          <p:cNvPr id="4" name="Slide Number Placeholder 3"/>
+          <p:cNvSpPr>
+            <a:spLocks noGrp="1"/>
+          </p:cNvSpPr>
+          <p:nvPr>
+            <p:ph type="sldNum" sz="quarter" idx="10"/>
+          </p:nvPr>
+        </p:nvSpPr>
+        <p:spPr/>
+        <p:txBody>
+          <a:bodyPr/>
+          <a:lstStyle/>
+          <a:p>
+            <a:fld id="{CA04B8E0-A6B1-4F25-B436-B29FBA08F5CA}" type="slidenum">
+              <a:rPr lang="en-US" smtClean="0"/>
+              <a:t>35</a:t>
+            </a:fld>
+            <a:endParaRPr lang="en-US" dirty="0"/>
+          </a:p>
+        </p:txBody>
+      </p:sp>
+    </p:spTree>
+    <p:extLst>
+      <p:ext uri="{BB962C8B-B14F-4D97-AF65-F5344CB8AC3E}">
+        <p14:creationId xmlns:p14="http://schemas.microsoft.com/office/powerpoint/2010/main" val="3533781306"/>
+      </p:ext>
+    </p:extLst>
+  </p:cSld>
+  <p:clrMapOvr>
+    <a:masterClrMapping/>
+  </p:clrMapOvr>
+</p:notes>
+</file>
+
+<file path=ppt/notesSlides/notesSlide36.xml><?xml version="1.0" encoding="utf-8"?>
+<p:notes xmlns:a="http://schemas.openxmlformats.org/drawingml/2006/main" xmlns:r="http://schemas.openxmlformats.org/officeDocument/2006/relationships" xmlns:p="http://schemas.openxmlformats.org/presentationml/2006/main">
+  <p:cSld>
+    <p:spTree>
+      <p:nvGrpSpPr>
+        <p:cNvPr id="1" name=""/>
+        <p:cNvGrpSpPr/>
+        <p:nvPr/>
+      </p:nvGrpSpPr>
+      <p:grpSpPr>
+        <a:xfrm>
+          <a:off x="0" y="0"/>
+          <a:ext cx="0" cy="0"/>
+          <a:chOff x="0" y="0"/>
+          <a:chExt cx="0" cy="0"/>
+        </a:xfrm>
+      </p:grpSpPr>
+      <p:sp>
+        <p:nvSpPr>
+          <p:cNvPr id="2" name="Slide Image Placeholder 1"/>
+          <p:cNvSpPr>
+            <a:spLocks noGrp="1" noRot="1" noChangeAspect="1"/>
+          </p:cNvSpPr>
+          <p:nvPr>
+            <p:ph type="sldImg"/>
+          </p:nvPr>
+        </p:nvSpPr>
+        <p:spPr/>
+      </p:sp>
+      <p:sp>
+        <p:nvSpPr>
+          <p:cNvPr id="3" name="Notes Placeholder 2"/>
+          <p:cNvSpPr>
+            <a:spLocks noGrp="1"/>
+          </p:cNvSpPr>
+          <p:nvPr>
+            <p:ph type="body" idx="1"/>
+          </p:nvPr>
+        </p:nvSpPr>
+        <p:spPr/>
+        <p:txBody>
+          <a:bodyPr/>
+          <a:lstStyle/>
+          <a:p>
+            <a:endParaRPr lang="en-US" dirty="0"/>
+          </a:p>
+        </p:txBody>
+      </p:sp>
+      <p:sp>
+        <p:nvSpPr>
+          <p:cNvPr id="4" name="Slide Number Placeholder 3"/>
+          <p:cNvSpPr>
+            <a:spLocks noGrp="1"/>
+          </p:cNvSpPr>
+          <p:nvPr>
+            <p:ph type="sldNum" sz="quarter" idx="10"/>
+          </p:nvPr>
+        </p:nvSpPr>
+        <p:spPr/>
+        <p:txBody>
+          <a:bodyPr/>
+          <a:lstStyle/>
+          <a:p>
+            <a:fld id="{CA04B8E0-A6B1-4F25-B436-B29FBA08F5CA}" type="slidenum">
+              <a:rPr lang="en-US" smtClean="0"/>
+              <a:t>36</a:t>
+            </a:fld>
+            <a:endParaRPr lang="en-US" dirty="0"/>
+          </a:p>
+        </p:txBody>
+      </p:sp>
+    </p:spTree>
+    <p:extLst>
+      <p:ext uri="{BB962C8B-B14F-4D97-AF65-F5344CB8AC3E}">
+        <p14:creationId xmlns:p14="http://schemas.microsoft.com/office/powerpoint/2010/main" val="2225048251"/>
+      </p:ext>
+    </p:extLst>
+  </p:cSld>
+  <p:clrMapOvr>
+    <a:masterClrMapping/>
+  </p:clrMapOvr>
+</p:notes>
+</file>
+
+<file path=ppt/notesSlides/notesSlide37.xml><?xml version="1.0" encoding="utf-8"?>
+<p:notes xmlns:a="http://schemas.openxmlformats.org/drawingml/2006/main" xmlns:r="http://schemas.openxmlformats.org/officeDocument/2006/relationships" xmlns:p="http://schemas.openxmlformats.org/presentationml/2006/main">
+  <p:cSld>
+    <p:spTree>
+      <p:nvGrpSpPr>
+        <p:cNvPr id="1" name=""/>
+        <p:cNvGrpSpPr/>
+        <p:nvPr/>
+      </p:nvGrpSpPr>
+      <p:grpSpPr>
+        <a:xfrm>
+          <a:off x="0" y="0"/>
+          <a:ext cx="0" cy="0"/>
+          <a:chOff x="0" y="0"/>
+          <a:chExt cx="0" cy="0"/>
+        </a:xfrm>
+      </p:grpSpPr>
+      <p:sp>
+        <p:nvSpPr>
+          <p:cNvPr id="2" name="Slide Image Placeholder 1"/>
+          <p:cNvSpPr>
+            <a:spLocks noGrp="1" noRot="1" noChangeAspect="1"/>
+          </p:cNvSpPr>
+          <p:nvPr>
+            <p:ph type="sldImg"/>
+          </p:nvPr>
+        </p:nvSpPr>
+        <p:spPr/>
+      </p:sp>
+      <p:sp>
+        <p:nvSpPr>
+          <p:cNvPr id="3" name="Notes Placeholder 2"/>
+          <p:cNvSpPr>
+            <a:spLocks noGrp="1"/>
+          </p:cNvSpPr>
+          <p:nvPr>
+            <p:ph type="body" idx="1"/>
+          </p:nvPr>
+        </p:nvSpPr>
+        <p:spPr/>
+        <p:txBody>
+          <a:bodyPr/>
+          <a:lstStyle/>
+          <a:p>
+            <a:endParaRPr lang="en-US" dirty="0"/>
+          </a:p>
+        </p:txBody>
+      </p:sp>
+      <p:sp>
+        <p:nvSpPr>
+          <p:cNvPr id="4" name="Slide Number Placeholder 3"/>
+          <p:cNvSpPr>
+            <a:spLocks noGrp="1"/>
+          </p:cNvSpPr>
+          <p:nvPr>
+            <p:ph type="sldNum" sz="quarter" idx="10"/>
+          </p:nvPr>
+        </p:nvSpPr>
+        <p:spPr/>
+        <p:txBody>
+          <a:bodyPr/>
+          <a:lstStyle/>
+          <a:p>
+            <a:fld id="{CA04B8E0-A6B1-4F25-B436-B29FBA08F5CA}" type="slidenum">
+              <a:rPr lang="en-US" smtClean="0"/>
+              <a:t>37</a:t>
+            </a:fld>
+            <a:endParaRPr lang="en-US" dirty="0"/>
+          </a:p>
+        </p:txBody>
+      </p:sp>
+    </p:spTree>
+    <p:extLst>
+      <p:ext uri="{BB962C8B-B14F-4D97-AF65-F5344CB8AC3E}">
+        <p14:creationId xmlns:p14="http://schemas.microsoft.com/office/powerpoint/2010/main" val="4115034134"/>
+      </p:ext>
+    </p:extLst>
+  </p:cSld>
+  <p:clrMapOvr>
+    <a:masterClrMapping/>
+  </p:clrMapOvr>
+</p:notes>
+</file>
+
+<file path=ppt/notesSlides/notesSlide38.xml><?xml version="1.0" encoding="utf-8"?>
+<p:notes xmlns:a="http://schemas.openxmlformats.org/drawingml/2006/main" xmlns:r="http://schemas.openxmlformats.org/officeDocument/2006/relationships" xmlns:p="http://schemas.openxmlformats.org/presentationml/2006/main">
+  <p:cSld>
+    <p:spTree>
+      <p:nvGrpSpPr>
+        <p:cNvPr id="1" name=""/>
+        <p:cNvGrpSpPr/>
+        <p:nvPr/>
+      </p:nvGrpSpPr>
+      <p:grpSpPr>
+        <a:xfrm>
+          <a:off x="0" y="0"/>
+          <a:ext cx="0" cy="0"/>
+          <a:chOff x="0" y="0"/>
+          <a:chExt cx="0" cy="0"/>
+        </a:xfrm>
+      </p:grpSpPr>
+      <p:sp>
+        <p:nvSpPr>
+          <p:cNvPr id="2" name="Slide Image Placeholder 1"/>
+          <p:cNvSpPr>
+            <a:spLocks noGrp="1" noRot="1" noChangeAspect="1"/>
+          </p:cNvSpPr>
+          <p:nvPr>
+            <p:ph type="sldImg"/>
+          </p:nvPr>
+        </p:nvSpPr>
+        <p:spPr/>
+      </p:sp>
+      <p:sp>
+        <p:nvSpPr>
+          <p:cNvPr id="3" name="Notes Placeholder 2"/>
+          <p:cNvSpPr>
+            <a:spLocks noGrp="1"/>
+          </p:cNvSpPr>
+          <p:nvPr>
+            <p:ph type="body" idx="1"/>
+          </p:nvPr>
+        </p:nvSpPr>
+        <p:spPr/>
+        <p:txBody>
+          <a:bodyPr/>
+          <a:lstStyle/>
+          <a:p>
+            <a:endParaRPr lang="en-US" dirty="0"/>
+          </a:p>
+        </p:txBody>
+      </p:sp>
+      <p:sp>
+        <p:nvSpPr>
+          <p:cNvPr id="4" name="Slide Number Placeholder 3"/>
+          <p:cNvSpPr>
+            <a:spLocks noGrp="1"/>
+          </p:cNvSpPr>
+          <p:nvPr>
+            <p:ph type="sldNum" sz="quarter" idx="10"/>
+          </p:nvPr>
+        </p:nvSpPr>
+        <p:spPr/>
+        <p:txBody>
+          <a:bodyPr/>
+          <a:lstStyle/>
+          <a:p>
+            <a:fld id="{CA04B8E0-A6B1-4F25-B436-B29FBA08F5CA}" type="slidenum">
+              <a:rPr lang="en-US" smtClean="0"/>
+              <a:t>38</a:t>
+            </a:fld>
+            <a:endParaRPr lang="en-US" dirty="0"/>
+          </a:p>
+        </p:txBody>
+      </p:sp>
+    </p:spTree>
+    <p:extLst>
+      <p:ext uri="{BB962C8B-B14F-4D97-AF65-F5344CB8AC3E}">
+        <p14:creationId xmlns:p14="http://schemas.microsoft.com/office/powerpoint/2010/main" val="263919172"/>
+      </p:ext>
+    </p:extLst>
+  </p:cSld>
+  <p:clrMapOvr>
+    <a:masterClrMapping/>
+  </p:clrMapOvr>
+</p:notes>
+</file>
+
+<file path=ppt/notesSlides/notesSlide39.xml><?xml version="1.0" encoding="utf-8"?>
+<p:notes xmlns:a="http://schemas.openxmlformats.org/drawingml/2006/main" xmlns:r="http://schemas.openxmlformats.org/officeDocument/2006/relationships" xmlns:p="http://schemas.openxmlformats.org/presentationml/2006/main">
+  <p:cSld>
+    <p:spTree>
+      <p:nvGrpSpPr>
+        <p:cNvPr id="1" name=""/>
+        <p:cNvGrpSpPr/>
+        <p:nvPr/>
+      </p:nvGrpSpPr>
+      <p:grpSpPr>
+        <a:xfrm>
+          <a:off x="0" y="0"/>
+          <a:ext cx="0" cy="0"/>
+          <a:chOff x="0" y="0"/>
+          <a:chExt cx="0" cy="0"/>
+        </a:xfrm>
+      </p:grpSpPr>
+      <p:sp>
+        <p:nvSpPr>
+          <p:cNvPr id="2" name="Slide Image Placeholder 1"/>
+          <p:cNvSpPr>
+            <a:spLocks noGrp="1" noRot="1" noChangeAspect="1"/>
+          </p:cNvSpPr>
+          <p:nvPr>
+            <p:ph type="sldImg"/>
+          </p:nvPr>
+        </p:nvSpPr>
+        <p:spPr/>
+      </p:sp>
+      <p:sp>
+        <p:nvSpPr>
+          <p:cNvPr id="3" name="Notes Placeholder 2"/>
+          <p:cNvSpPr>
+            <a:spLocks noGrp="1"/>
+          </p:cNvSpPr>
+          <p:nvPr>
+            <p:ph type="body" idx="1"/>
+          </p:nvPr>
+        </p:nvSpPr>
+        <p:spPr/>
+        <p:txBody>
+          <a:bodyPr/>
+          <a:lstStyle/>
+          <a:p>
+            <a:endParaRPr lang="en-US" dirty="0"/>
+          </a:p>
+        </p:txBody>
+      </p:sp>
+      <p:sp>
+        <p:nvSpPr>
+          <p:cNvPr id="4" name="Slide Number Placeholder 3"/>
+          <p:cNvSpPr>
+            <a:spLocks noGrp="1"/>
+          </p:cNvSpPr>
+          <p:nvPr>
+            <p:ph type="sldNum" sz="quarter" idx="10"/>
+          </p:nvPr>
+        </p:nvSpPr>
+        <p:spPr/>
+        <p:txBody>
+          <a:bodyPr/>
+          <a:lstStyle/>
+          <a:p>
+            <a:fld id="{CA04B8E0-A6B1-4F25-B436-B29FBA08F5CA}" type="slidenum">
+              <a:rPr lang="en-US" smtClean="0"/>
+              <a:t>39</a:t>
+            </a:fld>
+            <a:endParaRPr lang="en-US" dirty="0"/>
+          </a:p>
+        </p:txBody>
+      </p:sp>
+    </p:spTree>
+    <p:extLst>
+      <p:ext uri="{BB962C8B-B14F-4D97-AF65-F5344CB8AC3E}">
+        <p14:creationId xmlns:p14="http://schemas.microsoft.com/office/powerpoint/2010/main" val="2764817895"/>
       </p:ext>
     </p:extLst>
   </p:cSld>
@@ -2220,7 +3560,7 @@
           <a:bodyPr/>
           <a:lstStyle/>
           <a:p>
-            <a:endParaRPr lang="en-US" dirty="0"/>
+            <a:endParaRPr lang="en-US"/>
           </a:p>
         </p:txBody>
       </p:sp>
@@ -2239,18 +3579,361 @@
           <a:bodyPr/>
           <a:lstStyle/>
           <a:p>
-            <a:fld id="{CA04B8E0-A6B1-4F25-B436-B29FBA08F5CA}" type="slidenum">
+            <a:fld id="{647C5229-FEB0-409B-9EE0-F1AEA480CBCF}" type="slidenum">
               <a:rPr lang="en-US" smtClean="0"/>
-              <a:t>14</a:t>
+              <a:t>4</a:t>
             </a:fld>
-            <a:endParaRPr lang="en-US" dirty="0"/>
+            <a:endParaRPr lang="en-US"/>
           </a:p>
         </p:txBody>
       </p:sp>
     </p:spTree>
     <p:extLst>
       <p:ext uri="{BB962C8B-B14F-4D97-AF65-F5344CB8AC3E}">
-        <p14:creationId xmlns:p14="http://schemas.microsoft.com/office/powerpoint/2010/main" val="2325134307"/>
+        <p14:creationId xmlns:p14="http://schemas.microsoft.com/office/powerpoint/2010/main" val="2669128653"/>
+      </p:ext>
+    </p:extLst>
+  </p:cSld>
+  <p:clrMapOvr>
+    <a:masterClrMapping/>
+  </p:clrMapOvr>
+</p:notes>
+</file>
+
+<file path=ppt/notesSlides/notesSlide40.xml><?xml version="1.0" encoding="utf-8"?>
+<p:notes xmlns:a="http://schemas.openxmlformats.org/drawingml/2006/main" xmlns:r="http://schemas.openxmlformats.org/officeDocument/2006/relationships" xmlns:p="http://schemas.openxmlformats.org/presentationml/2006/main">
+  <p:cSld>
+    <p:spTree>
+      <p:nvGrpSpPr>
+        <p:cNvPr id="1" name=""/>
+        <p:cNvGrpSpPr/>
+        <p:nvPr/>
+      </p:nvGrpSpPr>
+      <p:grpSpPr>
+        <a:xfrm>
+          <a:off x="0" y="0"/>
+          <a:ext cx="0" cy="0"/>
+          <a:chOff x="0" y="0"/>
+          <a:chExt cx="0" cy="0"/>
+        </a:xfrm>
+      </p:grpSpPr>
+      <p:sp>
+        <p:nvSpPr>
+          <p:cNvPr id="2" name="Slide Image Placeholder 1"/>
+          <p:cNvSpPr>
+            <a:spLocks noGrp="1" noRot="1" noChangeAspect="1"/>
+          </p:cNvSpPr>
+          <p:nvPr>
+            <p:ph type="sldImg"/>
+          </p:nvPr>
+        </p:nvSpPr>
+        <p:spPr/>
+      </p:sp>
+      <p:sp>
+        <p:nvSpPr>
+          <p:cNvPr id="3" name="Notes Placeholder 2"/>
+          <p:cNvSpPr>
+            <a:spLocks noGrp="1"/>
+          </p:cNvSpPr>
+          <p:nvPr>
+            <p:ph type="body" idx="1"/>
+          </p:nvPr>
+        </p:nvSpPr>
+        <p:spPr/>
+        <p:txBody>
+          <a:bodyPr/>
+          <a:lstStyle/>
+          <a:p>
+            <a:endParaRPr lang="en-US" dirty="0"/>
+          </a:p>
+        </p:txBody>
+      </p:sp>
+      <p:sp>
+        <p:nvSpPr>
+          <p:cNvPr id="4" name="Slide Number Placeholder 3"/>
+          <p:cNvSpPr>
+            <a:spLocks noGrp="1"/>
+          </p:cNvSpPr>
+          <p:nvPr>
+            <p:ph type="sldNum" sz="quarter" idx="10"/>
+          </p:nvPr>
+        </p:nvSpPr>
+        <p:spPr/>
+        <p:txBody>
+          <a:bodyPr/>
+          <a:lstStyle/>
+          <a:p>
+            <a:fld id="{CA04B8E0-A6B1-4F25-B436-B29FBA08F5CA}" type="slidenum">
+              <a:rPr lang="en-US" smtClean="0"/>
+              <a:t>40</a:t>
+            </a:fld>
+            <a:endParaRPr lang="en-US" dirty="0"/>
+          </a:p>
+        </p:txBody>
+      </p:sp>
+    </p:spTree>
+    <p:extLst>
+      <p:ext uri="{BB962C8B-B14F-4D97-AF65-F5344CB8AC3E}">
+        <p14:creationId xmlns:p14="http://schemas.microsoft.com/office/powerpoint/2010/main" val="2350331818"/>
+      </p:ext>
+    </p:extLst>
+  </p:cSld>
+  <p:clrMapOvr>
+    <a:masterClrMapping/>
+  </p:clrMapOvr>
+</p:notes>
+</file>
+
+<file path=ppt/notesSlides/notesSlide41.xml><?xml version="1.0" encoding="utf-8"?>
+<p:notes xmlns:a="http://schemas.openxmlformats.org/drawingml/2006/main" xmlns:r="http://schemas.openxmlformats.org/officeDocument/2006/relationships" xmlns:p="http://schemas.openxmlformats.org/presentationml/2006/main">
+  <p:cSld>
+    <p:spTree>
+      <p:nvGrpSpPr>
+        <p:cNvPr id="1" name=""/>
+        <p:cNvGrpSpPr/>
+        <p:nvPr/>
+      </p:nvGrpSpPr>
+      <p:grpSpPr>
+        <a:xfrm>
+          <a:off x="0" y="0"/>
+          <a:ext cx="0" cy="0"/>
+          <a:chOff x="0" y="0"/>
+          <a:chExt cx="0" cy="0"/>
+        </a:xfrm>
+      </p:grpSpPr>
+      <p:sp>
+        <p:nvSpPr>
+          <p:cNvPr id="2" name="Slide Image Placeholder 1"/>
+          <p:cNvSpPr>
+            <a:spLocks noGrp="1" noRot="1" noChangeAspect="1"/>
+          </p:cNvSpPr>
+          <p:nvPr>
+            <p:ph type="sldImg"/>
+          </p:nvPr>
+        </p:nvSpPr>
+        <p:spPr/>
+      </p:sp>
+      <p:sp>
+        <p:nvSpPr>
+          <p:cNvPr id="3" name="Notes Placeholder 2"/>
+          <p:cNvSpPr>
+            <a:spLocks noGrp="1"/>
+          </p:cNvSpPr>
+          <p:nvPr>
+            <p:ph type="body" idx="1"/>
+          </p:nvPr>
+        </p:nvSpPr>
+        <p:spPr/>
+        <p:txBody>
+          <a:bodyPr/>
+          <a:lstStyle/>
+          <a:p>
+            <a:endParaRPr lang="en-US"/>
+          </a:p>
+        </p:txBody>
+      </p:sp>
+      <p:sp>
+        <p:nvSpPr>
+          <p:cNvPr id="4" name="Slide Number Placeholder 3"/>
+          <p:cNvSpPr>
+            <a:spLocks noGrp="1"/>
+          </p:cNvSpPr>
+          <p:nvPr>
+            <p:ph type="sldNum" sz="quarter" idx="10"/>
+          </p:nvPr>
+        </p:nvSpPr>
+        <p:spPr/>
+        <p:txBody>
+          <a:bodyPr/>
+          <a:lstStyle/>
+          <a:p>
+            <a:fld id="{647C5229-FEB0-409B-9EE0-F1AEA480CBCF}" type="slidenum">
+              <a:rPr lang="en-US" smtClean="0"/>
+              <a:t>41</a:t>
+            </a:fld>
+            <a:endParaRPr lang="en-US"/>
+          </a:p>
+        </p:txBody>
+      </p:sp>
+    </p:spTree>
+    <p:extLst>
+      <p:ext uri="{BB962C8B-B14F-4D97-AF65-F5344CB8AC3E}">
+        <p14:creationId xmlns:p14="http://schemas.microsoft.com/office/powerpoint/2010/main" val="2673084519"/>
+      </p:ext>
+    </p:extLst>
+  </p:cSld>
+  <p:clrMapOvr>
+    <a:masterClrMapping/>
+  </p:clrMapOvr>
+</p:notes>
+</file>
+
+<file path=ppt/notesSlides/notesSlide42.xml><?xml version="1.0" encoding="utf-8"?>
+<p:notes xmlns:a="http://schemas.openxmlformats.org/drawingml/2006/main" xmlns:r="http://schemas.openxmlformats.org/officeDocument/2006/relationships" xmlns:p="http://schemas.openxmlformats.org/presentationml/2006/main">
+  <p:cSld>
+    <p:spTree>
+      <p:nvGrpSpPr>
+        <p:cNvPr id="1" name=""/>
+        <p:cNvGrpSpPr/>
+        <p:nvPr/>
+      </p:nvGrpSpPr>
+      <p:grpSpPr>
+        <a:xfrm>
+          <a:off x="0" y="0"/>
+          <a:ext cx="0" cy="0"/>
+          <a:chOff x="0" y="0"/>
+          <a:chExt cx="0" cy="0"/>
+        </a:xfrm>
+      </p:grpSpPr>
+      <p:sp>
+        <p:nvSpPr>
+          <p:cNvPr id="2" name="Slide Image Placeholder 1"/>
+          <p:cNvSpPr>
+            <a:spLocks noGrp="1" noRot="1" noChangeAspect="1"/>
+          </p:cNvSpPr>
+          <p:nvPr>
+            <p:ph type="sldImg"/>
+          </p:nvPr>
+        </p:nvSpPr>
+        <p:spPr/>
+      </p:sp>
+      <p:sp>
+        <p:nvSpPr>
+          <p:cNvPr id="3" name="Notes Placeholder 2"/>
+          <p:cNvSpPr>
+            <a:spLocks noGrp="1"/>
+          </p:cNvSpPr>
+          <p:nvPr>
+            <p:ph type="body" idx="1"/>
+          </p:nvPr>
+        </p:nvSpPr>
+        <p:spPr/>
+        <p:txBody>
+          <a:bodyPr/>
+          <a:lstStyle/>
+          <a:p>
+            <a:endParaRPr lang="en-US"/>
+          </a:p>
+        </p:txBody>
+      </p:sp>
+      <p:sp>
+        <p:nvSpPr>
+          <p:cNvPr id="4" name="Slide Number Placeholder 3"/>
+          <p:cNvSpPr>
+            <a:spLocks noGrp="1"/>
+          </p:cNvSpPr>
+          <p:nvPr>
+            <p:ph type="sldNum" sz="quarter" idx="10"/>
+          </p:nvPr>
+        </p:nvSpPr>
+        <p:spPr/>
+        <p:txBody>
+          <a:bodyPr/>
+          <a:lstStyle/>
+          <a:p>
+            <a:fld id="{647C5229-FEB0-409B-9EE0-F1AEA480CBCF}" type="slidenum">
+              <a:rPr lang="en-US" smtClean="0"/>
+              <a:t>42</a:t>
+            </a:fld>
+            <a:endParaRPr lang="en-US"/>
+          </a:p>
+        </p:txBody>
+      </p:sp>
+    </p:spTree>
+    <p:extLst>
+      <p:ext uri="{BB962C8B-B14F-4D97-AF65-F5344CB8AC3E}">
+        <p14:creationId xmlns:p14="http://schemas.microsoft.com/office/powerpoint/2010/main" val="425084046"/>
+      </p:ext>
+    </p:extLst>
+  </p:cSld>
+  <p:clrMapOvr>
+    <a:masterClrMapping/>
+  </p:clrMapOvr>
+</p:notes>
+</file>
+
+<file path=ppt/notesSlides/notesSlide43.xml><?xml version="1.0" encoding="utf-8"?>
+<p:notes xmlns:a="http://schemas.openxmlformats.org/drawingml/2006/main" xmlns:r="http://schemas.openxmlformats.org/officeDocument/2006/relationships" xmlns:p="http://schemas.openxmlformats.org/presentationml/2006/main">
+  <p:cSld>
+    <p:spTree>
+      <p:nvGrpSpPr>
+        <p:cNvPr id="1" name=""/>
+        <p:cNvGrpSpPr/>
+        <p:nvPr/>
+      </p:nvGrpSpPr>
+      <p:grpSpPr>
+        <a:xfrm>
+          <a:off x="0" y="0"/>
+          <a:ext cx="0" cy="0"/>
+          <a:chOff x="0" y="0"/>
+          <a:chExt cx="0" cy="0"/>
+        </a:xfrm>
+      </p:grpSpPr>
+      <p:sp>
+        <p:nvSpPr>
+          <p:cNvPr id="2" name="Slide Image Placeholder 1"/>
+          <p:cNvSpPr>
+            <a:spLocks noGrp="1" noRot="1" noChangeAspect="1"/>
+          </p:cNvSpPr>
+          <p:nvPr>
+            <p:ph type="sldImg"/>
+          </p:nvPr>
+        </p:nvSpPr>
+        <p:spPr/>
+      </p:sp>
+      <p:sp>
+        <p:nvSpPr>
+          <p:cNvPr id="3" name="Notes Placeholder 2"/>
+          <p:cNvSpPr>
+            <a:spLocks noGrp="1"/>
+          </p:cNvSpPr>
+          <p:nvPr>
+            <p:ph type="body" idx="1"/>
+          </p:nvPr>
+        </p:nvSpPr>
+        <p:spPr/>
+        <p:txBody>
+          <a:bodyPr/>
+          <a:lstStyle/>
+          <a:p>
+            <a:pPr marL="178027" indent="-178027" defTabSz="949478">
+              <a:buFont typeface="Arial" panose="020B0604020202020204" pitchFamily="34" charset="0"/>
+              <a:buChar char="•"/>
+            </a:pPr>
+            <a:r>
+              <a:rPr lang="en-US" dirty="0"/>
+              <a:t>Indication vocabularies were developed for a different use case than our analytical purposes, and as such, tend to either have terms that are too specific  and don’t map to the place in SNOMED where we’d want, or too broad, meaning they are too high-level.  It isn’t that the current vocabulary mappings are completely useless, it’s just that they aren’t reliable enough for our use cases to be applied broadly without adjudication. </a:t>
+            </a:r>
+          </a:p>
+        </p:txBody>
+      </p:sp>
+      <p:sp>
+        <p:nvSpPr>
+          <p:cNvPr id="4" name="Slide Number Placeholder 3"/>
+          <p:cNvSpPr>
+            <a:spLocks noGrp="1"/>
+          </p:cNvSpPr>
+          <p:nvPr>
+            <p:ph type="sldNum" sz="quarter" idx="10"/>
+          </p:nvPr>
+        </p:nvSpPr>
+        <p:spPr/>
+        <p:txBody>
+          <a:bodyPr/>
+          <a:lstStyle/>
+          <a:p>
+            <a:fld id="{CA04B8E0-A6B1-4F25-B436-B29FBA08F5CA}" type="slidenum">
+              <a:rPr lang="en-US" smtClean="0"/>
+              <a:t>43</a:t>
+            </a:fld>
+            <a:endParaRPr lang="en-US" dirty="0"/>
+          </a:p>
+        </p:txBody>
+      </p:sp>
+    </p:spTree>
+    <p:extLst>
+      <p:ext uri="{BB962C8B-B14F-4D97-AF65-F5344CB8AC3E}">
+        <p14:creationId xmlns:p14="http://schemas.microsoft.com/office/powerpoint/2010/main" val="2270948950"/>
       </p:ext>
     </p:extLst>
   </p:cSld>
@@ -2304,7 +3987,7 @@
           <a:bodyPr/>
           <a:lstStyle/>
           <a:p>
-            <a:endParaRPr lang="en-US" dirty="0"/>
+            <a:endParaRPr lang="en-US"/>
           </a:p>
         </p:txBody>
       </p:sp>
@@ -2323,18 +4006,18 @@
           <a:bodyPr/>
           <a:lstStyle/>
           <a:p>
-            <a:fld id="{D6306BD5-8451-49FF-9774-A9BDF4E8C368}" type="slidenum">
+            <a:fld id="{647C5229-FEB0-409B-9EE0-F1AEA480CBCF}" type="slidenum">
               <a:rPr lang="en-US" smtClean="0"/>
-              <a:t>15</a:t>
+              <a:t>5</a:t>
             </a:fld>
-            <a:endParaRPr lang="en-US" dirty="0"/>
+            <a:endParaRPr lang="en-US"/>
           </a:p>
         </p:txBody>
       </p:sp>
     </p:spTree>
     <p:extLst>
       <p:ext uri="{BB962C8B-B14F-4D97-AF65-F5344CB8AC3E}">
-        <p14:creationId xmlns:p14="http://schemas.microsoft.com/office/powerpoint/2010/main" val="1333864687"/>
+        <p14:creationId xmlns:p14="http://schemas.microsoft.com/office/powerpoint/2010/main" val="1174651584"/>
       </p:ext>
     </p:extLst>
   </p:cSld>
@@ -2388,14 +4071,7 @@
           <a:bodyPr/>
           <a:lstStyle/>
           <a:p>
-            <a:pPr marL="174708" indent="-174708">
-              <a:buFont typeface="Arial" panose="020B0604020202020204" pitchFamily="34" charset="0"/>
-              <a:buChar char="•"/>
-            </a:pPr>
-            <a:r>
-              <a:rPr lang="en-US" dirty="0"/>
-              <a:t>Negative controls should have the same/similar confounding structure but not cause the outcome.</a:t>
-            </a:r>
+            <a:endParaRPr lang="en-US" dirty="0"/>
           </a:p>
         </p:txBody>
       </p:sp>
@@ -2414,9 +4090,9 @@
           <a:bodyPr/>
           <a:lstStyle/>
           <a:p>
-            <a:fld id="{CA04B8E0-A6B1-4F25-B436-B29FBA08F5CA}" type="slidenum">
+            <a:fld id="{D6306BD5-8451-49FF-9774-A9BDF4E8C368}" type="slidenum">
               <a:rPr lang="en-US" smtClean="0"/>
-              <a:t>16</a:t>
+              <a:t>6</a:t>
             </a:fld>
             <a:endParaRPr lang="en-US" dirty="0"/>
           </a:p>
@@ -2425,7 +4101,7 @@
     </p:spTree>
     <p:extLst>
       <p:ext uri="{BB962C8B-B14F-4D97-AF65-F5344CB8AC3E}">
-        <p14:creationId xmlns:p14="http://schemas.microsoft.com/office/powerpoint/2010/main" val="2909704250"/>
+        <p14:creationId xmlns:p14="http://schemas.microsoft.com/office/powerpoint/2010/main" val="810958191"/>
       </p:ext>
     </p:extLst>
   </p:cSld>
@@ -2479,75 +4155,6 @@
           <a:bodyPr/>
           <a:lstStyle/>
           <a:p>
-            <a:r>
-              <a:rPr lang="en-US" dirty="0"/>
-              <a:t>Example:  </a:t>
-            </a:r>
-          </a:p>
-          <a:p>
-            <a:pPr marL="174708" indent="-174708">
-              <a:buFont typeface="Arial" panose="020B0604020202020204" pitchFamily="34" charset="0"/>
-              <a:buChar char="•"/>
-            </a:pPr>
-            <a:r>
-              <a:rPr lang="en-US" dirty="0"/>
-              <a:t>Negative Control Outcome – Studying the effects of different diabetic medication exposures (e.g. insulin) on the outcome of diabetic ketoacidosis.  Here we need negative control outcomes.</a:t>
-            </a:r>
-          </a:p>
-          <a:p>
-            <a:pPr marL="174708" indent="-174708">
-              <a:buFont typeface="Arial" panose="020B0604020202020204" pitchFamily="34" charset="0"/>
-              <a:buChar char="•"/>
-            </a:pPr>
-            <a:r>
-              <a:rPr lang="en-US" dirty="0"/>
-              <a:t>Negative Control Exposure – </a:t>
-            </a:r>
-          </a:p>
-          <a:p>
-            <a:pPr marL="174708" indent="-174708">
-              <a:buFont typeface="Arial" panose="020B0604020202020204" pitchFamily="34" charset="0"/>
-              <a:buChar char="•"/>
-            </a:pPr>
-            <a:endParaRPr lang="en-US" dirty="0"/>
-          </a:p>
-          <a:p>
-            <a:pPr marL="174708" indent="-174708">
-              <a:buFont typeface="Arial" panose="020B0604020202020204" pitchFamily="34" charset="0"/>
-              <a:buChar char="•"/>
-            </a:pPr>
-            <a:r>
-              <a:rPr lang="en-US" dirty="0"/>
-              <a:t>No, almost always (as in I’ve never seen it otherwise), the question of interest is about ascertaining a causal effect from an exposure on an outcome.  You can use negative control outcomes or negative control exposures to evaluate that purposed question of interest, but almost never (as in, I’ve never seen it) is the question of interest the effect of an outcome on an </a:t>
-            </a:r>
-            <a:r>
-              <a:rPr lang="en-US" dirty="0" err="1"/>
-              <a:t>exsposure</a:t>
-            </a:r>
-            <a:r>
-              <a:rPr lang="en-US" dirty="0"/>
-              <a:t> (and even if it were, you would reframe it as ‘exposure to the disease’ and the ‘outcome of being exposed’).</a:t>
-            </a:r>
-          </a:p>
-          <a:p>
-            <a:pPr marL="174708" indent="-174708">
-              <a:buFont typeface="Arial" panose="020B0604020202020204" pitchFamily="34" charset="0"/>
-              <a:buChar char="•"/>
-            </a:pPr>
-            <a:endParaRPr lang="en-US" dirty="0"/>
-          </a:p>
-          <a:p>
-            <a:pPr marL="174708" indent="-174708">
-              <a:buFont typeface="Arial" panose="020B0604020202020204" pitchFamily="34" charset="0"/>
-              <a:buChar char="•"/>
-            </a:pPr>
-            <a:endParaRPr lang="en-US" dirty="0"/>
-          </a:p>
-          <a:p>
-            <a:pPr marL="174708" indent="-174708">
-              <a:buFont typeface="Arial" panose="020B0604020202020204" pitchFamily="34" charset="0"/>
-              <a:buChar char="•"/>
-            </a:pPr>
             <a:endParaRPr lang="en-US" dirty="0"/>
           </a:p>
         </p:txBody>
@@ -2567,9 +4174,9 @@
           <a:bodyPr/>
           <a:lstStyle/>
           <a:p>
-            <a:fld id="{CA04B8E0-A6B1-4F25-B436-B29FBA08F5CA}" type="slidenum">
+            <a:fld id="{D6306BD5-8451-49FF-9774-A9BDF4E8C368}" type="slidenum">
               <a:rPr lang="en-US" smtClean="0"/>
-              <a:t>19</a:t>
+              <a:t>7</a:t>
             </a:fld>
             <a:endParaRPr lang="en-US" dirty="0"/>
           </a:p>
@@ -2578,7 +4185,7 @@
     </p:spTree>
     <p:extLst>
       <p:ext uri="{BB962C8B-B14F-4D97-AF65-F5344CB8AC3E}">
-        <p14:creationId xmlns:p14="http://schemas.microsoft.com/office/powerpoint/2010/main" val="1319265643"/>
+        <p14:creationId xmlns:p14="http://schemas.microsoft.com/office/powerpoint/2010/main" val="3493917485"/>
       </p:ext>
     </p:extLst>
   </p:cSld>
@@ -2651,9 +4258,9 @@
           <a:bodyPr/>
           <a:lstStyle/>
           <a:p>
-            <a:fld id="{CA04B8E0-A6B1-4F25-B436-B29FBA08F5CA}" type="slidenum">
+            <a:fld id="{D6306BD5-8451-49FF-9774-A9BDF4E8C368}" type="slidenum">
               <a:rPr lang="en-US" smtClean="0"/>
-              <a:t>20</a:t>
+              <a:t>8</a:t>
             </a:fld>
             <a:endParaRPr lang="en-US" dirty="0"/>
           </a:p>
@@ -2662,7 +4269,7 @@
     </p:spTree>
     <p:extLst>
       <p:ext uri="{BB962C8B-B14F-4D97-AF65-F5344CB8AC3E}">
-        <p14:creationId xmlns:p14="http://schemas.microsoft.com/office/powerpoint/2010/main" val="2157834859"/>
+        <p14:creationId xmlns:p14="http://schemas.microsoft.com/office/powerpoint/2010/main" val="3389672070"/>
       </p:ext>
     </p:extLst>
   </p:cSld>
@@ -2716,10 +4323,7 @@
           <a:bodyPr/>
           <a:lstStyle/>
           <a:p>
-            <a:r>
-              <a:rPr lang="en-US" dirty="0"/>
-              <a:t>Published 8/27/2017</a:t>
-            </a:r>
+            <a:endParaRPr lang="en-US"/>
           </a:p>
         </p:txBody>
       </p:sp>
@@ -2738,18 +4342,18 @@
           <a:bodyPr/>
           <a:lstStyle/>
           <a:p>
-            <a:fld id="{CA04B8E0-A6B1-4F25-B436-B29FBA08F5CA}" type="slidenum">
+            <a:fld id="{647C5229-FEB0-409B-9EE0-F1AEA480CBCF}" type="slidenum">
               <a:rPr lang="en-US" smtClean="0"/>
-              <a:t>22</a:t>
+              <a:t>9</a:t>
             </a:fld>
-            <a:endParaRPr lang="en-US" dirty="0"/>
+            <a:endParaRPr lang="en-US"/>
           </a:p>
         </p:txBody>
       </p:sp>
     </p:spTree>
     <p:extLst>
       <p:ext uri="{BB962C8B-B14F-4D97-AF65-F5344CB8AC3E}">
-        <p14:creationId xmlns:p14="http://schemas.microsoft.com/office/powerpoint/2010/main" val="3279003557"/>
+        <p14:creationId xmlns:p14="http://schemas.microsoft.com/office/powerpoint/2010/main" val="932582436"/>
       </p:ext>
     </p:extLst>
   </p:cSld>
@@ -4985,159 +6589,6 @@
 </file>
 
 <file path=ppt/slides/slide10.xml><?xml version="1.0" encoding="utf-8"?>
-<p:sld xmlns:a="http://schemas.openxmlformats.org/drawingml/2006/main" xmlns:r="http://schemas.openxmlformats.org/officeDocument/2006/relationships" xmlns:p="http://schemas.openxmlformats.org/presentationml/2006/main">
-  <p:cSld>
-    <p:spTree>
-      <p:nvGrpSpPr>
-        <p:cNvPr id="1" name=""/>
-        <p:cNvGrpSpPr/>
-        <p:nvPr/>
-      </p:nvGrpSpPr>
-      <p:grpSpPr>
-        <a:xfrm>
-          <a:off x="0" y="0"/>
-          <a:ext cx="0" cy="0"/>
-          <a:chOff x="0" y="0"/>
-          <a:chExt cx="0" cy="0"/>
-        </a:xfrm>
-      </p:grpSpPr>
-      <p:sp>
-        <p:nvSpPr>
-          <p:cNvPr id="2" name="Title 1">
-            <a:extLst>
-              <a:ext uri="{FF2B5EF4-FFF2-40B4-BE49-F238E27FC236}">
-                <a16:creationId xmlns:a16="http://schemas.microsoft.com/office/drawing/2014/main" id="{9FDD1DA2-566C-4511-9BFF-97F90D077533}"/>
-              </a:ext>
-            </a:extLst>
-          </p:cNvPr>
-          <p:cNvSpPr>
-            <a:spLocks noGrp="1"/>
-          </p:cNvSpPr>
-          <p:nvPr>
-            <p:ph type="title"/>
-          </p:nvPr>
-        </p:nvSpPr>
-        <p:spPr/>
-        <p:txBody>
-          <a:bodyPr/>
-          <a:lstStyle/>
-          <a:p>
-            <a:r>
-              <a:rPr lang="en-US" dirty="0"/>
-              <a:t>Can I Use CEM?</a:t>
-            </a:r>
-          </a:p>
-        </p:txBody>
-      </p:sp>
-      <p:sp>
-        <p:nvSpPr>
-          <p:cNvPr id="3" name="Content Placeholder 2">
-            <a:extLst>
-              <a:ext uri="{FF2B5EF4-FFF2-40B4-BE49-F238E27FC236}">
-                <a16:creationId xmlns:a16="http://schemas.microsoft.com/office/drawing/2014/main" id="{D32B6042-8E0D-4CB4-A2CC-01A897A888B8}"/>
-              </a:ext>
-            </a:extLst>
-          </p:cNvPr>
-          <p:cNvSpPr>
-            <a:spLocks noGrp="1"/>
-          </p:cNvSpPr>
-          <p:nvPr>
-            <p:ph idx="1"/>
-          </p:nvPr>
-        </p:nvSpPr>
-        <p:spPr/>
-        <p:txBody>
-          <a:bodyPr/>
-          <a:lstStyle/>
-          <a:p>
-            <a:r>
-              <a:rPr lang="en-US" dirty="0"/>
-              <a:t>CEM is consumed similarly to the Vocabulary, nothing some to run yourself, just consume:</a:t>
-            </a:r>
-          </a:p>
-          <a:p>
-            <a:pPr lvl="1"/>
-            <a:r>
-              <a:rPr lang="en-US" dirty="0"/>
-              <a:t>Export of summary table CEM_UNIFIED</a:t>
-            </a:r>
-          </a:p>
-          <a:p>
-            <a:pPr lvl="1"/>
-            <a:r>
-              <a:rPr lang="en-US" dirty="0" err="1"/>
-              <a:t>WebAPI</a:t>
-            </a:r>
-            <a:r>
-              <a:rPr lang="en-US" dirty="0"/>
-              <a:t> Calls</a:t>
-            </a:r>
-          </a:p>
-          <a:p>
-            <a:pPr lvl="1"/>
-            <a:endParaRPr lang="en-US" dirty="0"/>
-          </a:p>
-          <a:p>
-            <a:r>
-              <a:rPr lang="en-US" dirty="0"/>
-              <a:t>All code is shared:</a:t>
-            </a:r>
-            <a:br>
-              <a:rPr lang="en-US" dirty="0"/>
-            </a:br>
-            <a:r>
-              <a:rPr lang="en-US" dirty="0">
-                <a:hlinkClick r:id="rId2"/>
-              </a:rPr>
-              <a:t>https://github.com/OHDSI/CommonEvidenceModel</a:t>
-            </a:r>
-            <a:endParaRPr lang="en-US" dirty="0"/>
-          </a:p>
-          <a:p>
-            <a:endParaRPr lang="en-US" dirty="0"/>
-          </a:p>
-          <a:p>
-            <a:r>
-              <a:rPr lang="en-US" dirty="0"/>
-              <a:t>Working Group:  </a:t>
-            </a:r>
-            <a:br>
-              <a:rPr lang="en-US" dirty="0"/>
-            </a:br>
-            <a:r>
-              <a:rPr lang="en-US" dirty="0"/>
-              <a:t>Pharmacovigilance Evidence Investigation Workgroup</a:t>
-            </a:r>
-            <a:br>
-              <a:rPr lang="en-US" dirty="0"/>
-            </a:br>
-            <a:r>
-              <a:rPr lang="en-US" dirty="0">
-                <a:hlinkClick r:id="rId3"/>
-              </a:rPr>
-              <a:t>http://www.ohdsi.org/web/wiki/doku.php?id=projects:workgroups:kb-wg</a:t>
-            </a:r>
-            <a:endParaRPr lang="en-US" dirty="0"/>
-          </a:p>
-          <a:p>
-            <a:endParaRPr lang="en-US" dirty="0"/>
-          </a:p>
-        </p:txBody>
-      </p:sp>
-    </p:spTree>
-    <p:extLst>
-      <p:ext uri="{BB962C8B-B14F-4D97-AF65-F5344CB8AC3E}">
-        <p14:creationId xmlns:p14="http://schemas.microsoft.com/office/powerpoint/2010/main" val="1537984432"/>
-      </p:ext>
-    </p:extLst>
-  </p:cSld>
-  <p:clrMapOvr>
-    <a:masterClrMapping/>
-  </p:clrMapOvr>
-</p:sld>
-</file>
-
-<file path=ppt/slides/slide11.xml><?xml version="1.0" encoding="utf-8"?>
 <p:sld xmlns:a="http://schemas.openxmlformats.org/drawingml/2006/main" xmlns:r="http://schemas.openxmlformats.org/officeDocument/2006/relationships" xmlns:p="http://schemas.openxmlformats.org/presentationml/2006/main">
   <p:cSld>
     <p:spTree>
@@ -5850,7 +7301,7 @@
 </p:sld>
 </file>
 
-<file path=ppt/slides/slide12.xml><?xml version="1.0" encoding="utf-8"?>
+<file path=ppt/slides/slide11.xml><?xml version="1.0" encoding="utf-8"?>
 <p:sld xmlns:a="http://schemas.openxmlformats.org/drawingml/2006/main" xmlns:r="http://schemas.openxmlformats.org/officeDocument/2006/relationships" xmlns:p="http://schemas.openxmlformats.org/presentationml/2006/main">
   <p:cSld>
     <p:spTree>
@@ -6024,7 +7475,7 @@
           <p:nvPr/>
         </p:nvPicPr>
         <p:blipFill>
-          <a:blip r:embed="rId2"/>
+          <a:blip r:embed="rId3"/>
           <a:stretch>
             <a:fillRect/>
           </a:stretch>
@@ -6066,6 +7517,167 @@
 </p:sld>
 </file>
 
+<file path=ppt/slides/slide12.xml><?xml version="1.0" encoding="utf-8"?>
+<p:sld xmlns:a="http://schemas.openxmlformats.org/drawingml/2006/main" xmlns:r="http://schemas.openxmlformats.org/officeDocument/2006/relationships" xmlns:p="http://schemas.openxmlformats.org/presentationml/2006/main">
+  <p:cSld>
+    <p:spTree>
+      <p:nvGrpSpPr>
+        <p:cNvPr id="1" name=""/>
+        <p:cNvGrpSpPr/>
+        <p:nvPr/>
+      </p:nvGrpSpPr>
+      <p:grpSpPr>
+        <a:xfrm>
+          <a:off x="0" y="0"/>
+          <a:ext cx="0" cy="0"/>
+          <a:chOff x="0" y="0"/>
+          <a:chExt cx="0" cy="0"/>
+        </a:xfrm>
+      </p:grpSpPr>
+      <p:sp>
+        <p:nvSpPr>
+          <p:cNvPr id="2" name="Title 1">
+            <a:extLst>
+              <a:ext uri="{FF2B5EF4-FFF2-40B4-BE49-F238E27FC236}">
+                <a16:creationId xmlns:a16="http://schemas.microsoft.com/office/drawing/2014/main" id="{9FDD1DA2-566C-4511-9BFF-97F90D077533}"/>
+              </a:ext>
+            </a:extLst>
+          </p:cNvPr>
+          <p:cNvSpPr>
+            <a:spLocks noGrp="1"/>
+          </p:cNvSpPr>
+          <p:nvPr>
+            <p:ph type="title"/>
+          </p:nvPr>
+        </p:nvSpPr>
+        <p:spPr/>
+        <p:txBody>
+          <a:bodyPr/>
+          <a:lstStyle/>
+          <a:p>
+            <a:r>
+              <a:rPr lang="en-US" dirty="0"/>
+              <a:t>Can I Use CEM?</a:t>
+            </a:r>
+          </a:p>
+        </p:txBody>
+      </p:sp>
+      <p:sp>
+        <p:nvSpPr>
+          <p:cNvPr id="3" name="Content Placeholder 2">
+            <a:extLst>
+              <a:ext uri="{FF2B5EF4-FFF2-40B4-BE49-F238E27FC236}">
+                <a16:creationId xmlns:a16="http://schemas.microsoft.com/office/drawing/2014/main" id="{D32B6042-8E0D-4CB4-A2CC-01A897A888B8}"/>
+              </a:ext>
+            </a:extLst>
+          </p:cNvPr>
+          <p:cNvSpPr>
+            <a:spLocks noGrp="1"/>
+          </p:cNvSpPr>
+          <p:nvPr>
+            <p:ph idx="1"/>
+          </p:nvPr>
+        </p:nvSpPr>
+        <p:spPr/>
+        <p:txBody>
+          <a:bodyPr/>
+          <a:lstStyle/>
+          <a:p>
+            <a:r>
+              <a:rPr lang="en-US" dirty="0"/>
+              <a:t>CEM is consumed similarly to the Vocabulary, </a:t>
+            </a:r>
+            <a:r>
+              <a:rPr lang="en-US"/>
+              <a:t>nothing to </a:t>
+            </a:r>
+            <a:r>
+              <a:rPr lang="en-US" dirty="0"/>
+              <a:t>run yourself, just consume:</a:t>
+            </a:r>
+          </a:p>
+          <a:p>
+            <a:pPr lvl="1"/>
+            <a:r>
+              <a:rPr lang="en-US" dirty="0"/>
+              <a:t>Export of summary table CEM_UNIFIED</a:t>
+            </a:r>
+          </a:p>
+          <a:p>
+            <a:pPr lvl="1"/>
+            <a:r>
+              <a:rPr lang="en-US" dirty="0" err="1"/>
+              <a:t>WebAPI</a:t>
+            </a:r>
+            <a:r>
+              <a:rPr lang="en-US" dirty="0"/>
+              <a:t> Calls</a:t>
+            </a:r>
+          </a:p>
+          <a:p>
+            <a:pPr lvl="1"/>
+            <a:endParaRPr lang="en-US" dirty="0"/>
+          </a:p>
+          <a:p>
+            <a:r>
+              <a:rPr lang="en-US" dirty="0"/>
+              <a:t>All code is shared:</a:t>
+            </a:r>
+            <a:br>
+              <a:rPr lang="en-US" dirty="0"/>
+            </a:br>
+            <a:r>
+              <a:rPr lang="en-US" dirty="0">
+                <a:hlinkClick r:id="rId3"/>
+              </a:rPr>
+              <a:t>https://github.com/OHDSI/CommonEvidenceModel</a:t>
+            </a:r>
+            <a:endParaRPr lang="en-US" dirty="0"/>
+          </a:p>
+          <a:p>
+            <a:endParaRPr lang="en-US" dirty="0"/>
+          </a:p>
+          <a:p>
+            <a:r>
+              <a:rPr lang="en-US" dirty="0"/>
+              <a:t>Working Group:  </a:t>
+            </a:r>
+            <a:br>
+              <a:rPr lang="en-US" dirty="0"/>
+            </a:br>
+            <a:r>
+              <a:rPr lang="en-US" dirty="0"/>
+              <a:t>Pharmacovigilance Evidence Investigation Workgroup</a:t>
+            </a:r>
+            <a:br>
+              <a:rPr lang="en-US" dirty="0"/>
+            </a:br>
+            <a:r>
+              <a:rPr lang="en-US" dirty="0">
+                <a:hlinkClick r:id="rId4"/>
+              </a:rPr>
+              <a:t>http://www.ohdsi.org/web/wiki/doku.php?id=projects:workgroups:kb-wg</a:t>
+            </a:r>
+            <a:endParaRPr lang="en-US" dirty="0"/>
+          </a:p>
+          <a:p>
+            <a:endParaRPr lang="en-US" dirty="0"/>
+          </a:p>
+        </p:txBody>
+      </p:sp>
+    </p:spTree>
+    <p:extLst>
+      <p:ext uri="{BB962C8B-B14F-4D97-AF65-F5344CB8AC3E}">
+        <p14:creationId xmlns:p14="http://schemas.microsoft.com/office/powerpoint/2010/main" val="1537984432"/>
+      </p:ext>
+    </p:extLst>
+  </p:cSld>
+  <p:clrMapOvr>
+    <a:masterClrMapping/>
+  </p:clrMapOvr>
+</p:sld>
+</file>
+
 <file path=ppt/slides/slide13.xml><?xml version="1.0" encoding="utf-8"?>
 <p:sld xmlns:a="http://schemas.openxmlformats.org/drawingml/2006/main" xmlns:r="http://schemas.openxmlformats.org/officeDocument/2006/relationships" xmlns:p="http://schemas.openxmlformats.org/presentationml/2006/main">
   <p:cSld>
@@ -6105,15 +7717,87 @@
           <a:lstStyle/>
           <a:p>
             <a:r>
-              <a:rPr lang="en-US" dirty="0"/>
+              <a:rPr lang="en-US" b="1" dirty="0"/>
               <a:t>Initial Use Case: </a:t>
+            </a:r>
+            <a:br>
+              <a:rPr lang="en-US" b="1" dirty="0"/>
+            </a:br>
+            <a:r>
+              <a:rPr lang="en-US" b="1" dirty="0"/>
+              <a:t>Finding Negative Controls</a:t>
+            </a:r>
+          </a:p>
+        </p:txBody>
+      </p:sp>
+      <p:sp>
+        <p:nvSpPr>
+          <p:cNvPr id="2" name="Scroll: Horizontal 1">
+            <a:extLst>
+              <a:ext uri="{FF2B5EF4-FFF2-40B4-BE49-F238E27FC236}">
+                <a16:creationId xmlns:a16="http://schemas.microsoft.com/office/drawing/2014/main" id="{5B14A527-D724-4818-993B-30D9D22FC58A}"/>
+              </a:ext>
+            </a:extLst>
+          </p:cNvPr>
+          <p:cNvSpPr/>
+          <p:nvPr/>
+        </p:nvSpPr>
+        <p:spPr>
+          <a:xfrm>
+            <a:off x="3197772" y="3552497"/>
+            <a:ext cx="4424855" cy="1839310"/>
+          </a:xfrm>
+          <a:prstGeom prst="horizontalScroll">
+            <a:avLst/>
+          </a:prstGeom>
+        </p:spPr>
+        <p:style>
+          <a:lnRef idx="2">
+            <a:schemeClr val="accent2">
+              <a:shade val="50000"/>
+            </a:schemeClr>
+          </a:lnRef>
+          <a:fillRef idx="1">
+            <a:schemeClr val="accent2"/>
+          </a:fillRef>
+          <a:effectRef idx="0">
+            <a:schemeClr val="accent2"/>
+          </a:effectRef>
+          <a:fontRef idx="minor">
+            <a:schemeClr val="lt1"/>
+          </a:fontRef>
+        </p:style>
+        <p:txBody>
+          <a:bodyPr rtlCol="0" anchor="ctr"/>
+          <a:lstStyle/>
+          <a:p>
+            <a:pPr algn="ctr"/>
+            <a:r>
+              <a:rPr lang="en-US" sz="2800" b="1" dirty="0">
+                <a:effectLst>
+                  <a:outerShdw blurRad="38100" dist="38100" dir="2700000" algn="tl">
+                    <a:srgbClr val="000000">
+                      <a:alpha val="43137"/>
+                    </a:srgbClr>
+                  </a:outerShdw>
+                </a:effectLst>
+              </a:rPr>
+              <a:t>Spoiler</a:t>
             </a:r>
             <a:br>
               <a:rPr lang="en-US" dirty="0"/>
             </a:br>
             <a:r>
-              <a:rPr lang="en-US" dirty="0"/>
-              <a:t>Finding Negative Controls</a:t>
+              <a:rPr lang="en-US" dirty="0">
+                <a:effectLst>
+                  <a:outerShdw blurRad="38100" dist="38100" dir="2700000" algn="tl">
+                    <a:srgbClr val="000000">
+                      <a:alpha val="43137"/>
+                    </a:srgbClr>
+                  </a:outerShdw>
+                </a:effectLst>
+              </a:rPr>
+              <a:t>CEM is a huge improvement over manually finding negative controls, but process still requires thoughtful review!</a:t>
             </a:r>
           </a:p>
         </p:txBody>
@@ -6128,6 +7812,84 @@
   <p:clrMapOvr>
     <a:masterClrMapping/>
   </p:clrMapOvr>
+  <p:timing>
+    <p:tnLst>
+      <p:par>
+        <p:cTn id="1" dur="indefinite" restart="never" nodeType="tmRoot">
+          <p:childTnLst>
+            <p:seq concurrent="1" nextAc="seek">
+              <p:cTn id="2" dur="indefinite" nodeType="mainSeq">
+                <p:childTnLst>
+                  <p:par>
+                    <p:cTn id="3" fill="hold">
+                      <p:stCondLst>
+                        <p:cond delay="indefinite"/>
+                      </p:stCondLst>
+                      <p:childTnLst>
+                        <p:par>
+                          <p:cTn id="4" fill="hold">
+                            <p:stCondLst>
+                              <p:cond delay="0"/>
+                            </p:stCondLst>
+                            <p:childTnLst>
+                              <p:par>
+                                <p:cTn id="5" presetID="1" presetClass="entr" presetSubtype="0" fill="hold" grpId="0" nodeType="clickEffect">
+                                  <p:stCondLst>
+                                    <p:cond delay="0"/>
+                                  </p:stCondLst>
+                                  <p:childTnLst>
+                                    <p:set>
+                                      <p:cBhvr>
+                                        <p:cTn id="6" dur="1" fill="hold">
+                                          <p:stCondLst>
+                                            <p:cond delay="0"/>
+                                          </p:stCondLst>
+                                        </p:cTn>
+                                        <p:tgtEl>
+                                          <p:spTgt spid="2"/>
+                                        </p:tgtEl>
+                                        <p:attrNameLst>
+                                          <p:attrName>style.visibility</p:attrName>
+                                        </p:attrNameLst>
+                                      </p:cBhvr>
+                                      <p:to>
+                                        <p:strVal val="visible"/>
+                                      </p:to>
+                                    </p:set>
+                                  </p:childTnLst>
+                                </p:cTn>
+                              </p:par>
+                            </p:childTnLst>
+                          </p:cTn>
+                        </p:par>
+                      </p:childTnLst>
+                    </p:cTn>
+                  </p:par>
+                </p:childTnLst>
+              </p:cTn>
+              <p:prevCondLst>
+                <p:cond evt="onPrev" delay="0">
+                  <p:tgtEl>
+                    <p:sldTgt/>
+                  </p:tgtEl>
+                </p:cond>
+              </p:prevCondLst>
+              <p:nextCondLst>
+                <p:cond evt="onNext" delay="0">
+                  <p:tgtEl>
+                    <p:sldTgt/>
+                  </p:tgtEl>
+                </p:cond>
+              </p:nextCondLst>
+            </p:seq>
+          </p:childTnLst>
+        </p:cTn>
+      </p:par>
+    </p:tnLst>
+    <p:bldLst>
+      <p:bldP spid="2" grpId="0" animBg="1"/>
+    </p:bldLst>
+  </p:timing>
 </p:sld>
 </file>
 
@@ -6931,169 +8693,6 @@
 </file>
 
 <file path=ppt/slides/slide17.xml><?xml version="1.0" encoding="utf-8"?>
-<p:sld xmlns:a="http://schemas.openxmlformats.org/drawingml/2006/main" xmlns:r="http://schemas.openxmlformats.org/officeDocument/2006/relationships" xmlns:p="http://schemas.openxmlformats.org/presentationml/2006/main">
-  <p:cSld>
-    <p:spTree>
-      <p:nvGrpSpPr>
-        <p:cNvPr id="1" name=""/>
-        <p:cNvGrpSpPr/>
-        <p:nvPr/>
-      </p:nvGrpSpPr>
-      <p:grpSpPr>
-        <a:xfrm>
-          <a:off x="0" y="0"/>
-          <a:ext cx="0" cy="0"/>
-          <a:chOff x="0" y="0"/>
-          <a:chExt cx="0" cy="0"/>
-        </a:xfrm>
-      </p:grpSpPr>
-      <p:sp>
-        <p:nvSpPr>
-          <p:cNvPr id="2" name="Title 1">
-            <a:extLst>
-              <a:ext uri="{FF2B5EF4-FFF2-40B4-BE49-F238E27FC236}">
-                <a16:creationId xmlns:a16="http://schemas.microsoft.com/office/drawing/2014/main" id="{F6F346F6-E936-48A8-AB7E-8C32E292A467}"/>
-              </a:ext>
-            </a:extLst>
-          </p:cNvPr>
-          <p:cNvSpPr>
-            <a:spLocks noGrp="1"/>
-          </p:cNvSpPr>
-          <p:nvPr>
-            <p:ph type="title"/>
-          </p:nvPr>
-        </p:nvSpPr>
-        <p:spPr/>
-        <p:txBody>
-          <a:bodyPr/>
-          <a:lstStyle/>
-          <a:p>
-            <a:r>
-              <a:rPr lang="en-US" dirty="0"/>
-              <a:t>Negative Controls in Calibration</a:t>
-            </a:r>
-          </a:p>
-        </p:txBody>
-      </p:sp>
-      <p:sp>
-        <p:nvSpPr>
-          <p:cNvPr id="3" name="Content Placeholder 2">
-            <a:extLst>
-              <a:ext uri="{FF2B5EF4-FFF2-40B4-BE49-F238E27FC236}">
-                <a16:creationId xmlns:a16="http://schemas.microsoft.com/office/drawing/2014/main" id="{31422642-A3E9-427B-B0E1-753122361009}"/>
-              </a:ext>
-            </a:extLst>
-          </p:cNvPr>
-          <p:cNvSpPr>
-            <a:spLocks noGrp="1"/>
-          </p:cNvSpPr>
-          <p:nvPr>
-            <p:ph idx="1"/>
-          </p:nvPr>
-        </p:nvSpPr>
-        <p:spPr/>
-        <p:txBody>
-          <a:bodyPr>
-            <a:normAutofit/>
-          </a:bodyPr>
-          <a:lstStyle/>
-          <a:p>
-            <a:r>
-              <a:rPr lang="en-US" dirty="0"/>
-              <a:t>“Our proposed approach instead derives an </a:t>
-            </a:r>
-            <a:r>
-              <a:rPr lang="en-US" b="1" dirty="0"/>
-              <a:t>empirical null distribution from the actual effect estimates for the negative controls</a:t>
-            </a:r>
-            <a:r>
-              <a:rPr lang="en-US" dirty="0"/>
-              <a:t>. These negative control estimates give us an indication of what can be expected when the null hypothesis is true, and we use them to estimate an empirical null distribution.”</a:t>
-            </a:r>
-          </a:p>
-        </p:txBody>
-      </p:sp>
-      <p:sp>
-        <p:nvSpPr>
-          <p:cNvPr id="4" name="Rectangle 3">
-            <a:extLst>
-              <a:ext uri="{FF2B5EF4-FFF2-40B4-BE49-F238E27FC236}">
-                <a16:creationId xmlns:a16="http://schemas.microsoft.com/office/drawing/2014/main" id="{9E21D975-7071-4714-8F47-7667BA6DA511}"/>
-              </a:ext>
-            </a:extLst>
-          </p:cNvPr>
-          <p:cNvSpPr/>
-          <p:nvPr/>
-        </p:nvSpPr>
-        <p:spPr>
-          <a:xfrm>
-            <a:off x="457200" y="6505545"/>
-            <a:ext cx="8216617" cy="400110"/>
-          </a:xfrm>
-          <a:prstGeom prst="rect">
-            <a:avLst/>
-          </a:prstGeom>
-        </p:spPr>
-        <p:txBody>
-          <a:bodyPr wrap="square">
-            <a:spAutoFit/>
-          </a:bodyPr>
-          <a:lstStyle/>
-          <a:p>
-            <a:r>
-              <a:rPr lang="en-US" sz="1000" dirty="0">
-                <a:solidFill>
-                  <a:srgbClr val="20425A"/>
-                </a:solidFill>
-              </a:rPr>
-              <a:t>Schuemie, M. J., Ryan, P. B., DuMouchel, W., Suchard, M. A., &amp; Madigan, D. (2014). Interpreting observational studies: why empirical calibration is needed to correct p-values. Statistics in Medicine, 33(2), 209–218. http://doi.org/10.1002/sim.5925</a:t>
-            </a:r>
-          </a:p>
-        </p:txBody>
-      </p:sp>
-      <p:sp>
-        <p:nvSpPr>
-          <p:cNvPr id="6" name="Slide Number Placeholder 5">
-            <a:extLst>
-              <a:ext uri="{FF2B5EF4-FFF2-40B4-BE49-F238E27FC236}">
-                <a16:creationId xmlns:a16="http://schemas.microsoft.com/office/drawing/2014/main" id="{5125D5A5-783D-4411-A1B1-6DE6BF87DC5D}"/>
-              </a:ext>
-            </a:extLst>
-          </p:cNvPr>
-          <p:cNvSpPr>
-            <a:spLocks noGrp="1"/>
-          </p:cNvSpPr>
-          <p:nvPr>
-            <p:ph type="sldNum" sz="quarter" idx="4"/>
-          </p:nvPr>
-        </p:nvSpPr>
-        <p:spPr/>
-        <p:txBody>
-          <a:bodyPr/>
-          <a:lstStyle/>
-          <a:p>
-            <a:fld id="{8DB2982B-5D0B-479C-A63D-D9D06A6F81FB}" type="slidenum">
-              <a:rPr lang="en-US" smtClean="0"/>
-              <a:t>17</a:t>
-            </a:fld>
-            <a:endParaRPr lang="en-US" dirty="0"/>
-          </a:p>
-        </p:txBody>
-      </p:sp>
-    </p:spTree>
-    <p:extLst>
-      <p:ext uri="{BB962C8B-B14F-4D97-AF65-F5344CB8AC3E}">
-        <p14:creationId xmlns:p14="http://schemas.microsoft.com/office/powerpoint/2010/main" val="877795271"/>
-      </p:ext>
-    </p:extLst>
-  </p:cSld>
-  <p:clrMapOvr>
-    <a:masterClrMapping/>
-  </p:clrMapOvr>
-</p:sld>
-</file>
-
-<file path=ppt/slides/slide18.xml><?xml version="1.0" encoding="utf-8"?>
 <p:sld xmlns:a="http://schemas.openxmlformats.org/drawingml/2006/main" xmlns:r="http://schemas.openxmlformats.org/officeDocument/2006/relationships" xmlns:p="http://schemas.openxmlformats.org/presentationml/2006/main">
   <p:cSld>
     <p:spTree>
@@ -7436,7 +9035,7 @@
           <a:p>
             <a:fld id="{6C7F68B8-17AD-4146-95CB-9237D810DA91}" type="slidenum">
               <a:rPr lang="en-US" smtClean="0"/>
-              <a:t>18</a:t>
+              <a:t>17</a:t>
             </a:fld>
             <a:endParaRPr lang="en-US" dirty="0"/>
           </a:p>
@@ -7455,7 +9054,7 @@
 </p:sld>
 </file>
 
-<file path=ppt/slides/slide19.xml><?xml version="1.0" encoding="utf-8"?>
+<file path=ppt/slides/slide18.xml><?xml version="1.0" encoding="utf-8"?>
 <p:sld xmlns:a="http://schemas.openxmlformats.org/drawingml/2006/main" xmlns:r="http://schemas.openxmlformats.org/officeDocument/2006/relationships" xmlns:p="http://schemas.openxmlformats.org/presentationml/2006/main">
   <p:cSld>
     <p:spTree>
@@ -8639,7 +10238,7 @@
           <a:p>
             <a:fld id="{6C7F68B8-17AD-4146-95CB-9237D810DA91}" type="slidenum">
               <a:rPr lang="en-US" smtClean="0"/>
-              <a:t>19</a:t>
+              <a:t>18</a:t>
             </a:fld>
             <a:endParaRPr lang="en-US" dirty="0"/>
           </a:p>
@@ -8741,33 +10340,15 @@
                                   </p:childTnLst>
                                 </p:cTn>
                               </p:par>
-                            </p:childTnLst>
-                          </p:cTn>
-                        </p:par>
-                      </p:childTnLst>
-                    </p:cTn>
-                  </p:par>
-                  <p:par>
-                    <p:cTn id="7" fill="hold">
-                      <p:stCondLst>
-                        <p:cond delay="indefinite"/>
-                      </p:stCondLst>
-                      <p:childTnLst>
-                        <p:par>
-                          <p:cTn id="8" fill="hold">
-                            <p:stCondLst>
-                              <p:cond delay="0"/>
-                            </p:stCondLst>
-                            <p:childTnLst>
                               <p:par>
-                                <p:cTn id="9" presetID="1" presetClass="entr" presetSubtype="0" fill="hold" nodeType="clickEffect">
+                                <p:cTn id="7" presetID="1" presetClass="entr" presetSubtype="0" fill="hold" nodeType="withEffect">
                                   <p:stCondLst>
                                     <p:cond delay="0"/>
                                   </p:stCondLst>
                                   <p:childTnLst>
                                     <p:set>
                                       <p:cBhvr>
-                                        <p:cTn id="10" dur="1" fill="hold">
+                                        <p:cTn id="8" dur="1" fill="hold">
                                           <p:stCondLst>
                                             <p:cond delay="0"/>
                                           </p:stCondLst>
@@ -8817,105 +10398,7 @@
 </p:sld>
 </file>
 
-<file path=ppt/slides/slide2.xml><?xml version="1.0" encoding="utf-8"?>
-<p:sld xmlns:a="http://schemas.openxmlformats.org/drawingml/2006/main" xmlns:r="http://schemas.openxmlformats.org/officeDocument/2006/relationships" xmlns:p="http://schemas.openxmlformats.org/presentationml/2006/main">
-  <p:cSld>
-    <p:spTree>
-      <p:nvGrpSpPr>
-        <p:cNvPr id="1" name=""/>
-        <p:cNvGrpSpPr/>
-        <p:nvPr/>
-      </p:nvGrpSpPr>
-      <p:grpSpPr>
-        <a:xfrm>
-          <a:off x="0" y="0"/>
-          <a:ext cx="0" cy="0"/>
-          <a:chOff x="0" y="0"/>
-          <a:chExt cx="0" cy="0"/>
-        </a:xfrm>
-      </p:grpSpPr>
-      <p:sp>
-        <p:nvSpPr>
-          <p:cNvPr id="2" name="Title 1">
-            <a:extLst>
-              <a:ext uri="{FF2B5EF4-FFF2-40B4-BE49-F238E27FC236}">
-                <a16:creationId xmlns:a16="http://schemas.microsoft.com/office/drawing/2014/main" id="{0B2AAF29-A389-4F4C-8DF6-5882477E3D75}"/>
-              </a:ext>
-            </a:extLst>
-          </p:cNvPr>
-          <p:cNvSpPr>
-            <a:spLocks noGrp="1"/>
-          </p:cNvSpPr>
-          <p:nvPr>
-            <p:ph type="title"/>
-          </p:nvPr>
-        </p:nvSpPr>
-        <p:spPr/>
-        <p:txBody>
-          <a:bodyPr/>
-          <a:lstStyle/>
-          <a:p>
-            <a:r>
-              <a:rPr lang="en-US" dirty="0"/>
-              <a:t>Topics</a:t>
-            </a:r>
-          </a:p>
-        </p:txBody>
-      </p:sp>
-      <p:sp>
-        <p:nvSpPr>
-          <p:cNvPr id="3" name="Content Placeholder 2">
-            <a:extLst>
-              <a:ext uri="{FF2B5EF4-FFF2-40B4-BE49-F238E27FC236}">
-                <a16:creationId xmlns:a16="http://schemas.microsoft.com/office/drawing/2014/main" id="{5E6CE0CD-2BAD-4BEF-A2DF-1852450030D5}"/>
-              </a:ext>
-            </a:extLst>
-          </p:cNvPr>
-          <p:cNvSpPr>
-            <a:spLocks noGrp="1"/>
-          </p:cNvSpPr>
-          <p:nvPr>
-            <p:ph idx="1"/>
-          </p:nvPr>
-        </p:nvSpPr>
-        <p:spPr/>
-        <p:txBody>
-          <a:bodyPr/>
-          <a:lstStyle/>
-          <a:p>
-            <a:r>
-              <a:rPr lang="en-US" dirty="0"/>
-              <a:t>What is the Common Evidence Model?</a:t>
-            </a:r>
-          </a:p>
-          <a:p>
-            <a:endParaRPr lang="en-US" dirty="0"/>
-          </a:p>
-          <a:p>
-            <a:r>
-              <a:rPr lang="en-US" dirty="0"/>
-              <a:t>Initial Use Case: Finding Negative Controls</a:t>
-            </a:r>
-          </a:p>
-          <a:p>
-            <a:endParaRPr lang="en-US" dirty="0"/>
-          </a:p>
-        </p:txBody>
-      </p:sp>
-    </p:spTree>
-    <p:extLst>
-      <p:ext uri="{BB962C8B-B14F-4D97-AF65-F5344CB8AC3E}">
-        <p14:creationId xmlns:p14="http://schemas.microsoft.com/office/powerpoint/2010/main" val="2214190220"/>
-      </p:ext>
-    </p:extLst>
-  </p:cSld>
-  <p:clrMapOvr>
-    <a:masterClrMapping/>
-  </p:clrMapOvr>
-</p:sld>
-</file>
-
-<file path=ppt/slides/slide20.xml><?xml version="1.0" encoding="utf-8"?>
+<file path=ppt/slides/slide19.xml><?xml version="1.0" encoding="utf-8"?>
 <p:sld xmlns:a="http://schemas.openxmlformats.org/drawingml/2006/main" xmlns:r="http://schemas.openxmlformats.org/officeDocument/2006/relationships" xmlns:p="http://schemas.openxmlformats.org/presentationml/2006/main">
   <p:cSld>
     <p:spTree>
@@ -9501,7 +10984,7 @@
           <a:p>
             <a:fld id="{6C7F68B8-17AD-4146-95CB-9237D810DA91}" type="slidenum">
               <a:rPr lang="en-US" smtClean="0"/>
-              <a:t>20</a:t>
+              <a:t>19</a:t>
             </a:fld>
             <a:endParaRPr lang="en-US" dirty="0"/>
           </a:p>
@@ -9623,7 +11106,7 @@
                   </a:outerShdw>
                 </a:effectLst>
               </a:rPr>
-              <a:t>Today’s examples will focus on Negative Control Outcomes</a:t>
+              <a:t>Let’s focus on Negative Control Outcomes</a:t>
             </a:r>
           </a:p>
         </p:txBody>
@@ -9953,7 +11436,105 @@
 </p:sld>
 </file>
 
-<file path=ppt/slides/slide21.xml><?xml version="1.0" encoding="utf-8"?>
+<file path=ppt/slides/slide2.xml><?xml version="1.0" encoding="utf-8"?>
+<p:sld xmlns:a="http://schemas.openxmlformats.org/drawingml/2006/main" xmlns:r="http://schemas.openxmlformats.org/officeDocument/2006/relationships" xmlns:p="http://schemas.openxmlformats.org/presentationml/2006/main">
+  <p:cSld>
+    <p:spTree>
+      <p:nvGrpSpPr>
+        <p:cNvPr id="1" name=""/>
+        <p:cNvGrpSpPr/>
+        <p:nvPr/>
+      </p:nvGrpSpPr>
+      <p:grpSpPr>
+        <a:xfrm>
+          <a:off x="0" y="0"/>
+          <a:ext cx="0" cy="0"/>
+          <a:chOff x="0" y="0"/>
+          <a:chExt cx="0" cy="0"/>
+        </a:xfrm>
+      </p:grpSpPr>
+      <p:sp>
+        <p:nvSpPr>
+          <p:cNvPr id="2" name="Title 1">
+            <a:extLst>
+              <a:ext uri="{FF2B5EF4-FFF2-40B4-BE49-F238E27FC236}">
+                <a16:creationId xmlns:a16="http://schemas.microsoft.com/office/drawing/2014/main" id="{0B2AAF29-A389-4F4C-8DF6-5882477E3D75}"/>
+              </a:ext>
+            </a:extLst>
+          </p:cNvPr>
+          <p:cNvSpPr>
+            <a:spLocks noGrp="1"/>
+          </p:cNvSpPr>
+          <p:nvPr>
+            <p:ph type="title"/>
+          </p:nvPr>
+        </p:nvSpPr>
+        <p:spPr/>
+        <p:txBody>
+          <a:bodyPr/>
+          <a:lstStyle/>
+          <a:p>
+            <a:r>
+              <a:rPr lang="en-US" dirty="0"/>
+              <a:t>Topics</a:t>
+            </a:r>
+          </a:p>
+        </p:txBody>
+      </p:sp>
+      <p:sp>
+        <p:nvSpPr>
+          <p:cNvPr id="3" name="Content Placeholder 2">
+            <a:extLst>
+              <a:ext uri="{FF2B5EF4-FFF2-40B4-BE49-F238E27FC236}">
+                <a16:creationId xmlns:a16="http://schemas.microsoft.com/office/drawing/2014/main" id="{5E6CE0CD-2BAD-4BEF-A2DF-1852450030D5}"/>
+              </a:ext>
+            </a:extLst>
+          </p:cNvPr>
+          <p:cNvSpPr>
+            <a:spLocks noGrp="1"/>
+          </p:cNvSpPr>
+          <p:nvPr>
+            <p:ph idx="1"/>
+          </p:nvPr>
+        </p:nvSpPr>
+        <p:spPr/>
+        <p:txBody>
+          <a:bodyPr/>
+          <a:lstStyle/>
+          <a:p>
+            <a:r>
+              <a:rPr lang="en-US" dirty="0"/>
+              <a:t>What is the Common Evidence Model?</a:t>
+            </a:r>
+          </a:p>
+          <a:p>
+            <a:endParaRPr lang="en-US" dirty="0"/>
+          </a:p>
+          <a:p>
+            <a:r>
+              <a:rPr lang="en-US" dirty="0"/>
+              <a:t>Initial Use Case: Finding Negative Controls</a:t>
+            </a:r>
+          </a:p>
+          <a:p>
+            <a:endParaRPr lang="en-US" dirty="0"/>
+          </a:p>
+        </p:txBody>
+      </p:sp>
+    </p:spTree>
+    <p:extLst>
+      <p:ext uri="{BB962C8B-B14F-4D97-AF65-F5344CB8AC3E}">
+        <p14:creationId xmlns:p14="http://schemas.microsoft.com/office/powerpoint/2010/main" val="2214190220"/>
+      </p:ext>
+    </p:extLst>
+  </p:cSld>
+  <p:clrMapOvr>
+    <a:masterClrMapping/>
+  </p:clrMapOvr>
+</p:sld>
+</file>
+
+<file path=ppt/slides/slide20.xml><?xml version="1.0" encoding="utf-8"?>
 <p:sld xmlns:a="http://schemas.openxmlformats.org/drawingml/2006/main" xmlns:r="http://schemas.openxmlformats.org/officeDocument/2006/relationships" xmlns:p="http://schemas.openxmlformats.org/presentationml/2006/main">
   <p:cSld>
     <p:spTree>
@@ -11819,7 +13400,7 @@
           <a:p>
             <a:fld id="{6C7F68B8-17AD-4146-95CB-9237D810DA91}" type="slidenum">
               <a:rPr lang="en-US" smtClean="0"/>
-              <a:t>21</a:t>
+              <a:t>20</a:t>
             </a:fld>
             <a:endParaRPr lang="en-US" dirty="0"/>
           </a:p>
@@ -12224,7 +13805,951 @@
 </p:sld>
 </file>
 
+<file path=ppt/slides/slide21.xml><?xml version="1.0" encoding="utf-8"?>
+<p:sld xmlns:a="http://schemas.openxmlformats.org/drawingml/2006/main" xmlns:r="http://schemas.openxmlformats.org/officeDocument/2006/relationships" xmlns:p="http://schemas.openxmlformats.org/presentationml/2006/main">
+  <p:cSld>
+    <p:spTree>
+      <p:nvGrpSpPr>
+        <p:cNvPr id="1" name=""/>
+        <p:cNvGrpSpPr/>
+        <p:nvPr/>
+      </p:nvGrpSpPr>
+      <p:grpSpPr>
+        <a:xfrm>
+          <a:off x="0" y="0"/>
+          <a:ext cx="0" cy="0"/>
+          <a:chOff x="0" y="0"/>
+          <a:chExt cx="0" cy="0"/>
+        </a:xfrm>
+      </p:grpSpPr>
+      <p:sp>
+        <p:nvSpPr>
+          <p:cNvPr id="2" name="Title 1">
+            <a:extLst>
+              <a:ext uri="{FF2B5EF4-FFF2-40B4-BE49-F238E27FC236}">
+                <a16:creationId xmlns:a16="http://schemas.microsoft.com/office/drawing/2014/main" id="{4DD468FF-EC03-46CD-A6A1-8533CC099590}"/>
+              </a:ext>
+            </a:extLst>
+          </p:cNvPr>
+          <p:cNvSpPr>
+            <a:spLocks noGrp="1"/>
+          </p:cNvSpPr>
+          <p:nvPr>
+            <p:ph type="title"/>
+          </p:nvPr>
+        </p:nvSpPr>
+        <p:spPr/>
+        <p:txBody>
+          <a:bodyPr/>
+          <a:lstStyle/>
+          <a:p>
+            <a:r>
+              <a:rPr lang="en-US" dirty="0"/>
+              <a:t>How to Find Negative Controls?</a:t>
+            </a:r>
+          </a:p>
+        </p:txBody>
+      </p:sp>
+      <p:sp>
+        <p:nvSpPr>
+          <p:cNvPr id="3" name="Content Placeholder 2">
+            <a:extLst>
+              <a:ext uri="{FF2B5EF4-FFF2-40B4-BE49-F238E27FC236}">
+                <a16:creationId xmlns:a16="http://schemas.microsoft.com/office/drawing/2014/main" id="{48B29089-9EC4-4AF4-8549-F35941E81B6F}"/>
+              </a:ext>
+            </a:extLst>
+          </p:cNvPr>
+          <p:cNvSpPr>
+            <a:spLocks noGrp="1"/>
+          </p:cNvSpPr>
+          <p:nvPr>
+            <p:ph idx="1"/>
+          </p:nvPr>
+        </p:nvSpPr>
+        <p:spPr>
+          <a:xfrm>
+            <a:off x="457200" y="1219202"/>
+            <a:ext cx="8229600" cy="5486398"/>
+          </a:xfrm>
+        </p:spPr>
+        <p:txBody>
+          <a:bodyPr>
+            <a:normAutofit/>
+          </a:bodyPr>
+          <a:lstStyle/>
+          <a:p>
+            <a:r>
+              <a:rPr lang="en-US" dirty="0"/>
+              <a:t>Finding negative controls manually:</a:t>
+            </a:r>
+          </a:p>
+          <a:p>
+            <a:endParaRPr lang="en-US" dirty="0"/>
+          </a:p>
+          <a:p>
+            <a:pPr lvl="1"/>
+            <a:r>
+              <a:rPr lang="en-US" b="1" dirty="0"/>
+              <a:t>FDA product labels </a:t>
+            </a:r>
+            <a:r>
+              <a:rPr lang="en-US" dirty="0"/>
+              <a:t>does not associate the drug and outcome</a:t>
+            </a:r>
+          </a:p>
+          <a:p>
+            <a:pPr lvl="1"/>
+            <a:endParaRPr lang="en-US" dirty="0"/>
+          </a:p>
+          <a:p>
+            <a:pPr lvl="1"/>
+            <a:r>
+              <a:rPr lang="en-US" dirty="0"/>
+              <a:t>There are now spontaneous reports signals in the </a:t>
+            </a:r>
+            <a:r>
+              <a:rPr lang="en-US" b="1" dirty="0"/>
+              <a:t>U.S. FDA's Adverse Event Reporting System (FAERS)</a:t>
+            </a:r>
+          </a:p>
+          <a:p>
+            <a:pPr lvl="1"/>
+            <a:endParaRPr lang="en-US" dirty="0"/>
+          </a:p>
+          <a:p>
+            <a:pPr lvl="1"/>
+            <a:r>
+              <a:rPr lang="en-US" dirty="0"/>
+              <a:t>Manual review in PubMed that there is </a:t>
+            </a:r>
+            <a:r>
+              <a:rPr lang="en-US" b="1" dirty="0"/>
+              <a:t>no studies </a:t>
+            </a:r>
+            <a:r>
+              <a:rPr lang="en-US" dirty="0"/>
+              <a:t>showing the drug causes the condition</a:t>
+            </a:r>
+          </a:p>
+          <a:p>
+            <a:endParaRPr lang="en-US" dirty="0"/>
+          </a:p>
+          <a:p>
+            <a:r>
+              <a:rPr lang="en-US" dirty="0"/>
+              <a:t>However OHDSI has developed tools in ATLAS to make this easier . . . </a:t>
+            </a:r>
+          </a:p>
+          <a:p>
+            <a:pPr lvl="1"/>
+            <a:endParaRPr lang="en-US" dirty="0"/>
+          </a:p>
+        </p:txBody>
+      </p:sp>
+      <p:sp>
+        <p:nvSpPr>
+          <p:cNvPr id="5" name="Slide Number Placeholder 4">
+            <a:extLst>
+              <a:ext uri="{FF2B5EF4-FFF2-40B4-BE49-F238E27FC236}">
+                <a16:creationId xmlns:a16="http://schemas.microsoft.com/office/drawing/2014/main" id="{4EA8F46F-2A1E-45FE-88B5-94908E583694}"/>
+              </a:ext>
+            </a:extLst>
+          </p:cNvPr>
+          <p:cNvSpPr>
+            <a:spLocks noGrp="1"/>
+          </p:cNvSpPr>
+          <p:nvPr>
+            <p:ph type="sldNum" sz="quarter" idx="4"/>
+          </p:nvPr>
+        </p:nvSpPr>
+        <p:spPr/>
+        <p:txBody>
+          <a:bodyPr/>
+          <a:lstStyle/>
+          <a:p>
+            <a:fld id="{6C7F68B8-17AD-4146-95CB-9237D810DA91}" type="slidenum">
+              <a:rPr lang="en-US" smtClean="0"/>
+              <a:t>21</a:t>
+            </a:fld>
+            <a:endParaRPr lang="en-US" dirty="0"/>
+          </a:p>
+        </p:txBody>
+      </p:sp>
+    </p:spTree>
+    <p:extLst>
+      <p:ext uri="{BB962C8B-B14F-4D97-AF65-F5344CB8AC3E}">
+        <p14:creationId xmlns:p14="http://schemas.microsoft.com/office/powerpoint/2010/main" val="3344282077"/>
+      </p:ext>
+    </p:extLst>
+  </p:cSld>
+  <p:clrMapOvr>
+    <a:masterClrMapping/>
+  </p:clrMapOvr>
+</p:sld>
+</file>
+
 <file path=ppt/slides/slide22.xml><?xml version="1.0" encoding="utf-8"?>
+<p:sld xmlns:a="http://schemas.openxmlformats.org/drawingml/2006/main" xmlns:r="http://schemas.openxmlformats.org/officeDocument/2006/relationships" xmlns:p="http://schemas.openxmlformats.org/presentationml/2006/main">
+  <p:cSld>
+    <p:spTree>
+      <p:nvGrpSpPr>
+        <p:cNvPr id="1" name=""/>
+        <p:cNvGrpSpPr/>
+        <p:nvPr/>
+      </p:nvGrpSpPr>
+      <p:grpSpPr>
+        <a:xfrm>
+          <a:off x="0" y="0"/>
+          <a:ext cx="0" cy="0"/>
+          <a:chOff x="0" y="0"/>
+          <a:chExt cx="0" cy="0"/>
+        </a:xfrm>
+      </p:grpSpPr>
+      <p:sp>
+        <p:nvSpPr>
+          <p:cNvPr id="2" name="Title 1">
+            <a:extLst>
+              <a:ext uri="{FF2B5EF4-FFF2-40B4-BE49-F238E27FC236}">
+                <a16:creationId xmlns:a16="http://schemas.microsoft.com/office/drawing/2014/main" id="{71E04B82-15F5-4AD3-BC7E-FBF1234DB7C2}"/>
+              </a:ext>
+            </a:extLst>
+          </p:cNvPr>
+          <p:cNvSpPr>
+            <a:spLocks noGrp="1"/>
+          </p:cNvSpPr>
+          <p:nvPr>
+            <p:ph type="title"/>
+          </p:nvPr>
+        </p:nvSpPr>
+        <p:spPr/>
+        <p:txBody>
+          <a:bodyPr>
+            <a:normAutofit fontScale="90000"/>
+          </a:bodyPr>
+          <a:lstStyle/>
+          <a:p>
+            <a:r>
+              <a:rPr lang="en-US" dirty="0"/>
+              <a:t>Use ATLAS to Build </a:t>
+            </a:r>
+            <a:br>
+              <a:rPr lang="en-US" dirty="0"/>
+            </a:br>
+            <a:r>
+              <a:rPr lang="en-US" dirty="0"/>
+              <a:t>Negative Control Outcomes</a:t>
+            </a:r>
+          </a:p>
+        </p:txBody>
+      </p:sp>
+      <p:pic>
+        <p:nvPicPr>
+          <p:cNvPr id="4" name="Content Placeholder 3">
+            <a:extLst>
+              <a:ext uri="{FF2B5EF4-FFF2-40B4-BE49-F238E27FC236}">
+                <a16:creationId xmlns:a16="http://schemas.microsoft.com/office/drawing/2014/main" id="{7464A92B-81D9-4845-809C-B56024DCD351}"/>
+              </a:ext>
+            </a:extLst>
+          </p:cNvPr>
+          <p:cNvPicPr>
+            <a:picLocks noGrp="1" noChangeAspect="1"/>
+          </p:cNvPicPr>
+          <p:nvPr>
+            <p:ph idx="1"/>
+          </p:nvPr>
+        </p:nvPicPr>
+        <p:blipFill>
+          <a:blip r:embed="rId3"/>
+          <a:stretch>
+            <a:fillRect/>
+          </a:stretch>
+        </p:blipFill>
+        <p:spPr>
+          <a:xfrm>
+            <a:off x="457200" y="1875785"/>
+            <a:ext cx="8229600" cy="3593792"/>
+          </a:xfrm>
+          <a:prstGeom prst="rect">
+            <a:avLst/>
+          </a:prstGeom>
+          <a:ln w="38100" cap="sq">
+            <a:solidFill>
+              <a:srgbClr val="000000"/>
+            </a:solidFill>
+            <a:prstDash val="solid"/>
+            <a:miter lim="800000"/>
+          </a:ln>
+          <a:effectLst>
+            <a:outerShdw blurRad="50800" dist="38100" dir="2700000" algn="tl" rotWithShape="0">
+              <a:srgbClr val="000000">
+                <a:alpha val="43000"/>
+              </a:srgbClr>
+            </a:outerShdw>
+          </a:effectLst>
+        </p:spPr>
+      </p:pic>
+      <p:sp>
+        <p:nvSpPr>
+          <p:cNvPr id="3" name="Slide Number Placeholder 2">
+            <a:extLst>
+              <a:ext uri="{FF2B5EF4-FFF2-40B4-BE49-F238E27FC236}">
+                <a16:creationId xmlns:a16="http://schemas.microsoft.com/office/drawing/2014/main" id="{09A82A40-0776-4572-ACDD-47CF85A9A827}"/>
+              </a:ext>
+            </a:extLst>
+          </p:cNvPr>
+          <p:cNvSpPr>
+            <a:spLocks noGrp="1"/>
+          </p:cNvSpPr>
+          <p:nvPr>
+            <p:ph type="sldNum" sz="quarter" idx="4"/>
+          </p:nvPr>
+        </p:nvSpPr>
+        <p:spPr/>
+        <p:txBody>
+          <a:bodyPr/>
+          <a:lstStyle/>
+          <a:p>
+            <a:fld id="{6C7F68B8-17AD-4146-95CB-9237D810DA91}" type="slidenum">
+              <a:rPr lang="en-US" smtClean="0"/>
+              <a:t>22</a:t>
+            </a:fld>
+            <a:endParaRPr lang="en-US" dirty="0"/>
+          </a:p>
+        </p:txBody>
+      </p:sp>
+    </p:spTree>
+    <p:extLst>
+      <p:ext uri="{BB962C8B-B14F-4D97-AF65-F5344CB8AC3E}">
+        <p14:creationId xmlns:p14="http://schemas.microsoft.com/office/powerpoint/2010/main" val="3650446902"/>
+      </p:ext>
+    </p:extLst>
+  </p:cSld>
+  <p:clrMapOvr>
+    <a:masterClrMapping/>
+  </p:clrMapOvr>
+</p:sld>
+</file>
+
+<file path=ppt/slides/slide23.xml><?xml version="1.0" encoding="utf-8"?>
+<p:sld xmlns:a="http://schemas.openxmlformats.org/drawingml/2006/main" xmlns:r="http://schemas.openxmlformats.org/officeDocument/2006/relationships" xmlns:p="http://schemas.openxmlformats.org/presentationml/2006/main">
+  <p:cSld>
+    <p:spTree>
+      <p:nvGrpSpPr>
+        <p:cNvPr id="1" name=""/>
+        <p:cNvGrpSpPr/>
+        <p:nvPr/>
+      </p:nvGrpSpPr>
+      <p:grpSpPr>
+        <a:xfrm>
+          <a:off x="0" y="0"/>
+          <a:ext cx="0" cy="0"/>
+          <a:chOff x="0" y="0"/>
+          <a:chExt cx="0" cy="0"/>
+        </a:xfrm>
+      </p:grpSpPr>
+      <p:sp>
+        <p:nvSpPr>
+          <p:cNvPr id="2" name="Title 1">
+            <a:extLst>
+              <a:ext uri="{FF2B5EF4-FFF2-40B4-BE49-F238E27FC236}">
+                <a16:creationId xmlns:a16="http://schemas.microsoft.com/office/drawing/2014/main" id="{815D4873-131E-4BE2-AFC2-EA5C1AF45CDA}"/>
+              </a:ext>
+            </a:extLst>
+          </p:cNvPr>
+          <p:cNvSpPr>
+            <a:spLocks noGrp="1"/>
+          </p:cNvSpPr>
+          <p:nvPr>
+            <p:ph type="title"/>
+          </p:nvPr>
+        </p:nvSpPr>
+        <p:spPr/>
+        <p:txBody>
+          <a:bodyPr>
+            <a:normAutofit/>
+          </a:bodyPr>
+          <a:lstStyle/>
+          <a:p>
+            <a:r>
+              <a:rPr lang="en-US" dirty="0"/>
+              <a:t>Generating Negative Controls in ATLAS</a:t>
+            </a:r>
+          </a:p>
+        </p:txBody>
+      </p:sp>
+      <p:sp>
+        <p:nvSpPr>
+          <p:cNvPr id="3" name="Content Placeholder 2">
+            <a:extLst>
+              <a:ext uri="{FF2B5EF4-FFF2-40B4-BE49-F238E27FC236}">
+                <a16:creationId xmlns:a16="http://schemas.microsoft.com/office/drawing/2014/main" id="{BA0113EA-CA1D-4D0D-BF8A-BFAE9708AE75}"/>
+              </a:ext>
+            </a:extLst>
+          </p:cNvPr>
+          <p:cNvSpPr>
+            <a:spLocks noGrp="1"/>
+          </p:cNvSpPr>
+          <p:nvPr>
+            <p:ph idx="1"/>
+          </p:nvPr>
+        </p:nvSpPr>
+        <p:spPr/>
+        <p:txBody>
+          <a:bodyPr>
+            <a:normAutofit fontScale="70000" lnSpcReduction="20000"/>
+          </a:bodyPr>
+          <a:lstStyle/>
+          <a:p>
+            <a:r>
+              <a:rPr lang="en-US" dirty="0"/>
+              <a:t>ATLAS can be used to generate and suggest negative controls for a study.</a:t>
+            </a:r>
+          </a:p>
+          <a:p>
+            <a:endParaRPr lang="en-US" dirty="0"/>
+          </a:p>
+          <a:p>
+            <a:r>
+              <a:rPr lang="en-US" dirty="0"/>
+              <a:t>Suggested negative controls:</a:t>
+            </a:r>
+          </a:p>
+          <a:p>
+            <a:pPr lvl="1"/>
+            <a:r>
+              <a:rPr lang="en-US" dirty="0"/>
+              <a:t>have no published literature adverse event association </a:t>
+            </a:r>
+          </a:p>
+          <a:p>
+            <a:pPr lvl="1"/>
+            <a:r>
+              <a:rPr lang="en-US" dirty="0"/>
+              <a:t>not existing on the product label</a:t>
+            </a:r>
+          </a:p>
+          <a:p>
+            <a:pPr lvl="1"/>
+            <a:r>
+              <a:rPr lang="en-US" dirty="0"/>
+              <a:t>not considered a FAERS signal</a:t>
+            </a:r>
+          </a:p>
+          <a:p>
+            <a:pPr lvl="1"/>
+            <a:r>
+              <a:rPr lang="en-US" dirty="0"/>
+              <a:t>have no indication or contraindication listed in the OMOP Vocabulary for the pair</a:t>
+            </a:r>
+          </a:p>
+          <a:p>
+            <a:pPr lvl="1"/>
+            <a:r>
+              <a:rPr lang="en-US" dirty="0"/>
+              <a:t>are not considered a broad concepts</a:t>
+            </a:r>
+          </a:p>
+          <a:p>
+            <a:pPr lvl="1"/>
+            <a:r>
+              <a:rPr lang="en-US" dirty="0"/>
+              <a:t>are not considered a drug induced concept</a:t>
+            </a:r>
+          </a:p>
+          <a:p>
+            <a:pPr lvl="1"/>
+            <a:r>
+              <a:rPr lang="en-US" dirty="0"/>
+              <a:t>not considered a pregnancy related concept</a:t>
+            </a:r>
+          </a:p>
+          <a:p>
+            <a:pPr lvl="1"/>
+            <a:r>
+              <a:rPr lang="en-US" dirty="0"/>
+              <a:t>was not suggested to be excluded by the user</a:t>
+            </a:r>
+          </a:p>
+          <a:p>
+            <a:pPr lvl="1"/>
+            <a:r>
+              <a:rPr lang="en-US" dirty="0"/>
+              <a:t>was not optimized out, meaning another parent concept existed that was also considered a good negative, so the lower level concept was excluded</a:t>
+            </a:r>
+          </a:p>
+          <a:p>
+            <a:pPr marL="0" indent="0">
+              <a:buNone/>
+            </a:pPr>
+            <a:endParaRPr lang="en-US" dirty="0"/>
+          </a:p>
+          <a:p>
+            <a:r>
+              <a:rPr lang="en-US" dirty="0"/>
+              <a:t>All information known about the drug-condition pair is provided so if the user wishes to loosen this criteria they can (i.e. ignore evidence from ancestor restrictions).</a:t>
+            </a:r>
+          </a:p>
+          <a:p>
+            <a:pPr marL="0" indent="0">
+              <a:buNone/>
+            </a:pPr>
+            <a:endParaRPr lang="en-US" dirty="0"/>
+          </a:p>
+          <a:p>
+            <a:r>
+              <a:rPr lang="en-US" dirty="0">
+                <a:hlinkClick r:id="rId3"/>
+              </a:rPr>
+              <a:t>https://github.com/OHDSI/CommonEvidenceModel/wiki/Negative-Controls-In-ATLAS</a:t>
+            </a:r>
+            <a:endParaRPr lang="en-US" dirty="0"/>
+          </a:p>
+          <a:p>
+            <a:pPr marL="0" indent="0">
+              <a:buNone/>
+            </a:pPr>
+            <a:endParaRPr lang="en-US" dirty="0"/>
+          </a:p>
+        </p:txBody>
+      </p:sp>
+      <p:sp>
+        <p:nvSpPr>
+          <p:cNvPr id="4" name="Slide Number Placeholder 3">
+            <a:extLst>
+              <a:ext uri="{FF2B5EF4-FFF2-40B4-BE49-F238E27FC236}">
+                <a16:creationId xmlns:a16="http://schemas.microsoft.com/office/drawing/2014/main" id="{292F6580-7E2E-4316-AA48-73754D5F59E2}"/>
+              </a:ext>
+            </a:extLst>
+          </p:cNvPr>
+          <p:cNvSpPr>
+            <a:spLocks noGrp="1"/>
+          </p:cNvSpPr>
+          <p:nvPr>
+            <p:ph type="sldNum" sz="quarter" idx="4"/>
+          </p:nvPr>
+        </p:nvSpPr>
+        <p:spPr/>
+        <p:txBody>
+          <a:bodyPr/>
+          <a:lstStyle/>
+          <a:p>
+            <a:fld id="{8DB2982B-5D0B-479C-A63D-D9D06A6F81FB}" type="slidenum">
+              <a:rPr lang="en-US" smtClean="0"/>
+              <a:t>23</a:t>
+            </a:fld>
+            <a:endParaRPr lang="en-US" dirty="0"/>
+          </a:p>
+        </p:txBody>
+      </p:sp>
+    </p:spTree>
+    <p:extLst>
+      <p:ext uri="{BB962C8B-B14F-4D97-AF65-F5344CB8AC3E}">
+        <p14:creationId xmlns:p14="http://schemas.microsoft.com/office/powerpoint/2010/main" val="4102052873"/>
+      </p:ext>
+    </p:extLst>
+  </p:cSld>
+  <p:clrMapOvr>
+    <a:masterClrMapping/>
+  </p:clrMapOvr>
+</p:sld>
+</file>
+
+<file path=ppt/slides/slide24.xml><?xml version="1.0" encoding="utf-8"?>
+<p:sld xmlns:a="http://schemas.openxmlformats.org/drawingml/2006/main" xmlns:r="http://schemas.openxmlformats.org/officeDocument/2006/relationships" xmlns:p="http://schemas.openxmlformats.org/presentationml/2006/main">
+  <p:cSld>
+    <p:spTree>
+      <p:nvGrpSpPr>
+        <p:cNvPr id="1" name=""/>
+        <p:cNvGrpSpPr/>
+        <p:nvPr/>
+      </p:nvGrpSpPr>
+      <p:grpSpPr>
+        <a:xfrm>
+          <a:off x="0" y="0"/>
+          <a:ext cx="0" cy="0"/>
+          <a:chOff x="0" y="0"/>
+          <a:chExt cx="0" cy="0"/>
+        </a:xfrm>
+      </p:grpSpPr>
+      <p:sp>
+        <p:nvSpPr>
+          <p:cNvPr id="2" name="Title 1">
+            <a:extLst>
+              <a:ext uri="{FF2B5EF4-FFF2-40B4-BE49-F238E27FC236}">
+                <a16:creationId xmlns:a16="http://schemas.microsoft.com/office/drawing/2014/main" id="{E3E311FE-454E-4A7A-AD24-FAAD7E7B630E}"/>
+              </a:ext>
+            </a:extLst>
+          </p:cNvPr>
+          <p:cNvSpPr>
+            <a:spLocks noGrp="1"/>
+          </p:cNvSpPr>
+          <p:nvPr>
+            <p:ph type="title"/>
+          </p:nvPr>
+        </p:nvSpPr>
+        <p:spPr/>
+        <p:txBody>
+          <a:bodyPr/>
+          <a:lstStyle/>
+          <a:p>
+            <a:r>
+              <a:rPr lang="en-US" dirty="0"/>
+              <a:t>CEM Next Steps</a:t>
+            </a:r>
+          </a:p>
+        </p:txBody>
+      </p:sp>
+      <p:sp>
+        <p:nvSpPr>
+          <p:cNvPr id="3" name="Content Placeholder 2">
+            <a:extLst>
+              <a:ext uri="{FF2B5EF4-FFF2-40B4-BE49-F238E27FC236}">
+                <a16:creationId xmlns:a16="http://schemas.microsoft.com/office/drawing/2014/main" id="{E9D49534-5431-4481-895E-40C818767A50}"/>
+              </a:ext>
+            </a:extLst>
+          </p:cNvPr>
+          <p:cNvSpPr>
+            <a:spLocks noGrp="1"/>
+          </p:cNvSpPr>
+          <p:nvPr>
+            <p:ph idx="1"/>
+          </p:nvPr>
+        </p:nvSpPr>
+        <p:spPr>
+          <a:xfrm>
+            <a:off x="457200" y="1219202"/>
+            <a:ext cx="8229600" cy="5362220"/>
+          </a:xfrm>
+        </p:spPr>
+        <p:txBody>
+          <a:bodyPr>
+            <a:normAutofit/>
+          </a:bodyPr>
+          <a:lstStyle/>
+          <a:p>
+            <a:r>
+              <a:rPr lang="en-US" dirty="0"/>
+              <a:t>CEM is under development to help improve its use:</a:t>
+            </a:r>
+          </a:p>
+          <a:p>
+            <a:endParaRPr lang="en-US" dirty="0"/>
+          </a:p>
+          <a:p>
+            <a:pPr lvl="1"/>
+            <a:r>
+              <a:rPr lang="en-US" dirty="0"/>
+              <a:t>Working on a publication to describe what </a:t>
+            </a:r>
+            <a:r>
+              <a:rPr lang="en-US" b="1" dirty="0"/>
+              <a:t>is a good negative control</a:t>
+            </a:r>
+            <a:r>
+              <a:rPr lang="en-US" dirty="0"/>
+              <a:t> and comparing different negative control selection methods</a:t>
+            </a:r>
+          </a:p>
+          <a:p>
+            <a:pPr lvl="1"/>
+            <a:endParaRPr lang="en-US" dirty="0"/>
+          </a:p>
+          <a:p>
+            <a:pPr lvl="1"/>
+            <a:r>
+              <a:rPr lang="en-US" dirty="0"/>
+              <a:t>Martijn, Rave Harpaz (Oracle), and I are working on another method for </a:t>
+            </a:r>
+            <a:r>
+              <a:rPr lang="en-US" b="1" dirty="0"/>
+              <a:t>parsing of US Product Labels</a:t>
+            </a:r>
+          </a:p>
+          <a:p>
+            <a:pPr lvl="1"/>
+            <a:endParaRPr lang="en-US" b="1" dirty="0"/>
+          </a:p>
+          <a:p>
+            <a:pPr lvl="1"/>
+            <a:r>
+              <a:rPr lang="en-US" dirty="0"/>
+              <a:t>Martijn, Anthony Sena, and I are working on an app for non-OHDSI members to go from </a:t>
+            </a:r>
+            <a:r>
+              <a:rPr lang="en-US" b="1" dirty="0"/>
+              <a:t>source codes to source codes </a:t>
+            </a:r>
+            <a:r>
+              <a:rPr lang="en-US" dirty="0"/>
+              <a:t>(e.g. given a set of NDC (drug source codes) receive a set of ICD10s (outcome source codes) to be used as negative controls)</a:t>
+            </a:r>
+          </a:p>
+          <a:p>
+            <a:pPr lvl="1"/>
+            <a:endParaRPr lang="en-US" dirty="0"/>
+          </a:p>
+        </p:txBody>
+      </p:sp>
+      <p:sp>
+        <p:nvSpPr>
+          <p:cNvPr id="4" name="Slide Number Placeholder 3">
+            <a:extLst>
+              <a:ext uri="{FF2B5EF4-FFF2-40B4-BE49-F238E27FC236}">
+                <a16:creationId xmlns:a16="http://schemas.microsoft.com/office/drawing/2014/main" id="{154017CF-AE37-4046-A879-AA5302E20D63}"/>
+              </a:ext>
+            </a:extLst>
+          </p:cNvPr>
+          <p:cNvSpPr>
+            <a:spLocks noGrp="1"/>
+          </p:cNvSpPr>
+          <p:nvPr>
+            <p:ph type="sldNum" sz="quarter" idx="4"/>
+          </p:nvPr>
+        </p:nvSpPr>
+        <p:spPr/>
+        <p:txBody>
+          <a:bodyPr/>
+          <a:lstStyle/>
+          <a:p>
+            <a:fld id="{6C7F68B8-17AD-4146-95CB-9237D810DA91}" type="slidenum">
+              <a:rPr lang="en-US" smtClean="0"/>
+              <a:t>24</a:t>
+            </a:fld>
+            <a:endParaRPr lang="en-US" dirty="0"/>
+          </a:p>
+        </p:txBody>
+      </p:sp>
+    </p:spTree>
+    <p:extLst>
+      <p:ext uri="{BB962C8B-B14F-4D97-AF65-F5344CB8AC3E}">
+        <p14:creationId xmlns:p14="http://schemas.microsoft.com/office/powerpoint/2010/main" val="164862767"/>
+      </p:ext>
+    </p:extLst>
+  </p:cSld>
+  <p:clrMapOvr>
+    <a:masterClrMapping/>
+  </p:clrMapOvr>
+</p:sld>
+</file>
+
+<file path=ppt/slides/slide25.xml><?xml version="1.0" encoding="utf-8"?>
+<p:sld xmlns:a="http://schemas.openxmlformats.org/drawingml/2006/main" xmlns:r="http://schemas.openxmlformats.org/officeDocument/2006/relationships" xmlns:p="http://schemas.openxmlformats.org/presentationml/2006/main">
+  <p:cSld>
+    <p:spTree>
+      <p:nvGrpSpPr>
+        <p:cNvPr id="1" name=""/>
+        <p:cNvGrpSpPr/>
+        <p:nvPr/>
+      </p:nvGrpSpPr>
+      <p:grpSpPr>
+        <a:xfrm>
+          <a:off x="0" y="0"/>
+          <a:ext cx="0" cy="0"/>
+          <a:chOff x="0" y="0"/>
+          <a:chExt cx="0" cy="0"/>
+        </a:xfrm>
+      </p:grpSpPr>
+      <p:sp>
+        <p:nvSpPr>
+          <p:cNvPr id="5" name="Title 4">
+            <a:extLst>
+              <a:ext uri="{FF2B5EF4-FFF2-40B4-BE49-F238E27FC236}">
+                <a16:creationId xmlns:a16="http://schemas.microsoft.com/office/drawing/2014/main" id="{56B4C228-233A-491B-B1DE-6C5155A55BD0}"/>
+              </a:ext>
+            </a:extLst>
+          </p:cNvPr>
+          <p:cNvSpPr>
+            <a:spLocks noGrp="1"/>
+          </p:cNvSpPr>
+          <p:nvPr>
+            <p:ph type="ctrTitle"/>
+          </p:nvPr>
+        </p:nvSpPr>
+        <p:spPr/>
+        <p:txBody>
+          <a:bodyPr/>
+          <a:lstStyle/>
+          <a:p>
+            <a:r>
+              <a:rPr lang="en-US" dirty="0"/>
+              <a:t>BACKUP SLIDES</a:t>
+            </a:r>
+          </a:p>
+        </p:txBody>
+      </p:sp>
+      <p:sp>
+        <p:nvSpPr>
+          <p:cNvPr id="4" name="Slide Number Placeholder 3">
+            <a:extLst>
+              <a:ext uri="{FF2B5EF4-FFF2-40B4-BE49-F238E27FC236}">
+                <a16:creationId xmlns:a16="http://schemas.microsoft.com/office/drawing/2014/main" id="{BA92113B-4C8B-4248-97D2-587C36128307}"/>
+              </a:ext>
+            </a:extLst>
+          </p:cNvPr>
+          <p:cNvSpPr>
+            <a:spLocks noGrp="1"/>
+          </p:cNvSpPr>
+          <p:nvPr>
+            <p:ph type="sldNum" sz="quarter" idx="4294967295"/>
+          </p:nvPr>
+        </p:nvSpPr>
+        <p:spPr>
+          <a:xfrm>
+            <a:off x="7010400" y="6492875"/>
+            <a:ext cx="2133600" cy="365125"/>
+          </a:xfrm>
+          <a:prstGeom prst="rect">
+            <a:avLst/>
+          </a:prstGeom>
+        </p:spPr>
+        <p:txBody>
+          <a:bodyPr anchor="ctr"/>
+          <a:lstStyle/>
+          <a:p>
+            <a:pPr algn="r"/>
+            <a:fld id="{6C7F68B8-17AD-4146-95CB-9237D810DA91}" type="slidenum">
+              <a:rPr lang="en-US" sz="1200" smtClean="0">
+                <a:solidFill>
+                  <a:srgbClr val="20425A"/>
+                </a:solidFill>
+              </a:rPr>
+              <a:pPr algn="r"/>
+              <a:t>25</a:t>
+            </a:fld>
+            <a:endParaRPr lang="en-US" sz="1200" dirty="0">
+              <a:solidFill>
+                <a:srgbClr val="20425A"/>
+              </a:solidFill>
+            </a:endParaRPr>
+          </a:p>
+        </p:txBody>
+      </p:sp>
+    </p:spTree>
+    <p:extLst>
+      <p:ext uri="{BB962C8B-B14F-4D97-AF65-F5344CB8AC3E}">
+        <p14:creationId xmlns:p14="http://schemas.microsoft.com/office/powerpoint/2010/main" val="620716550"/>
+      </p:ext>
+    </p:extLst>
+  </p:cSld>
+  <p:clrMapOvr>
+    <a:masterClrMapping/>
+  </p:clrMapOvr>
+</p:sld>
+</file>
+
+<file path=ppt/slides/slide26.xml><?xml version="1.0" encoding="utf-8"?>
+<p:sld xmlns:a="http://schemas.openxmlformats.org/drawingml/2006/main" xmlns:r="http://schemas.openxmlformats.org/officeDocument/2006/relationships" xmlns:p="http://schemas.openxmlformats.org/presentationml/2006/main">
+  <p:cSld>
+    <p:spTree>
+      <p:nvGrpSpPr>
+        <p:cNvPr id="1" name=""/>
+        <p:cNvGrpSpPr/>
+        <p:nvPr/>
+      </p:nvGrpSpPr>
+      <p:grpSpPr>
+        <a:xfrm>
+          <a:off x="0" y="0"/>
+          <a:ext cx="0" cy="0"/>
+          <a:chOff x="0" y="0"/>
+          <a:chExt cx="0" cy="0"/>
+        </a:xfrm>
+      </p:grpSpPr>
+      <p:sp>
+        <p:nvSpPr>
+          <p:cNvPr id="5" name="Title 4">
+            <a:extLst>
+              <a:ext uri="{FF2B5EF4-FFF2-40B4-BE49-F238E27FC236}">
+                <a16:creationId xmlns:a16="http://schemas.microsoft.com/office/drawing/2014/main" id="{56B4C228-233A-491B-B1DE-6C5155A55BD0}"/>
+              </a:ext>
+            </a:extLst>
+          </p:cNvPr>
+          <p:cNvSpPr>
+            <a:spLocks noGrp="1"/>
+          </p:cNvSpPr>
+          <p:nvPr>
+            <p:ph type="ctrTitle"/>
+          </p:nvPr>
+        </p:nvSpPr>
+        <p:spPr/>
+        <p:txBody>
+          <a:bodyPr/>
+          <a:lstStyle/>
+          <a:p>
+            <a:r>
+              <a:rPr lang="en-US" dirty="0"/>
+              <a:t>Finding Good </a:t>
+            </a:r>
+            <a:br>
+              <a:rPr lang="en-US" dirty="0"/>
+            </a:br>
+            <a:r>
+              <a:rPr lang="en-US" dirty="0"/>
+              <a:t>Negative Control Outcomes</a:t>
+            </a:r>
+          </a:p>
+        </p:txBody>
+      </p:sp>
+      <p:sp>
+        <p:nvSpPr>
+          <p:cNvPr id="4" name="Slide Number Placeholder 3">
+            <a:extLst>
+              <a:ext uri="{FF2B5EF4-FFF2-40B4-BE49-F238E27FC236}">
+                <a16:creationId xmlns:a16="http://schemas.microsoft.com/office/drawing/2014/main" id="{BA92113B-4C8B-4248-97D2-587C36128307}"/>
+              </a:ext>
+            </a:extLst>
+          </p:cNvPr>
+          <p:cNvSpPr>
+            <a:spLocks noGrp="1"/>
+          </p:cNvSpPr>
+          <p:nvPr>
+            <p:ph type="sldNum" sz="quarter" idx="4294967295"/>
+          </p:nvPr>
+        </p:nvSpPr>
+        <p:spPr>
+          <a:xfrm>
+            <a:off x="7010400" y="6492875"/>
+            <a:ext cx="2133600" cy="365125"/>
+          </a:xfrm>
+          <a:prstGeom prst="rect">
+            <a:avLst/>
+          </a:prstGeom>
+        </p:spPr>
+        <p:txBody>
+          <a:bodyPr anchor="ctr"/>
+          <a:lstStyle/>
+          <a:p>
+            <a:pPr algn="r"/>
+            <a:fld id="{6C7F68B8-17AD-4146-95CB-9237D810DA91}" type="slidenum">
+              <a:rPr lang="en-US" sz="1200" smtClean="0">
+                <a:solidFill>
+                  <a:srgbClr val="20425A"/>
+                </a:solidFill>
+              </a:rPr>
+              <a:pPr algn="r"/>
+              <a:t>26</a:t>
+            </a:fld>
+            <a:endParaRPr lang="en-US" sz="1200" dirty="0">
+              <a:solidFill>
+                <a:srgbClr val="20425A"/>
+              </a:solidFill>
+            </a:endParaRPr>
+          </a:p>
+        </p:txBody>
+      </p:sp>
+    </p:spTree>
+    <p:extLst>
+      <p:ext uri="{BB962C8B-B14F-4D97-AF65-F5344CB8AC3E}">
+        <p14:creationId xmlns:p14="http://schemas.microsoft.com/office/powerpoint/2010/main" val="1693567774"/>
+      </p:ext>
+    </p:extLst>
+  </p:cSld>
+  <p:clrMapOvr>
+    <a:masterClrMapping/>
+  </p:clrMapOvr>
+</p:sld>
+</file>
+
+<file path=ppt/slides/slide27.xml><?xml version="1.0" encoding="utf-8"?>
 <p:sld xmlns:a="http://schemas.openxmlformats.org/drawingml/2006/main" xmlns:r="http://schemas.openxmlformats.org/officeDocument/2006/relationships" xmlns:p="http://schemas.openxmlformats.org/presentationml/2006/main">
   <p:cSld>
     <p:spTree>
@@ -12398,7 +14923,7 @@
           <a:p>
             <a:fld id="{6C7F68B8-17AD-4146-95CB-9237D810DA91}" type="slidenum">
               <a:rPr lang="en-US" smtClean="0"/>
-              <a:t>22</a:t>
+              <a:t>27</a:t>
             </a:fld>
             <a:endParaRPr lang="en-US" dirty="0"/>
           </a:p>
@@ -12417,7 +14942,7 @@
 </p:sld>
 </file>
 
-<file path=ppt/slides/slide23.xml><?xml version="1.0" encoding="utf-8"?>
+<file path=ppt/slides/slide28.xml><?xml version="1.0" encoding="utf-8"?>
 <p:sld xmlns:a="http://schemas.openxmlformats.org/drawingml/2006/main" xmlns:r="http://schemas.openxmlformats.org/officeDocument/2006/relationships" xmlns:p="http://schemas.openxmlformats.org/presentationml/2006/main">
   <p:cSld>
     <p:spTree>
@@ -14357,7 +16882,7 @@
           <a:p>
             <a:fld id="{6C7F68B8-17AD-4146-95CB-9237D810DA91}" type="slidenum">
               <a:rPr lang="en-US" smtClean="0"/>
-              <a:t>23</a:t>
+              <a:t>28</a:t>
             </a:fld>
             <a:endParaRPr lang="en-US" dirty="0"/>
           </a:p>
@@ -14559,668 +17084,7 @@
 </p:sld>
 </file>
 
-<file path=ppt/slides/slide24.xml><?xml version="1.0" encoding="utf-8"?>
-<p:sld xmlns:a="http://schemas.openxmlformats.org/drawingml/2006/main" xmlns:r="http://schemas.openxmlformats.org/officeDocument/2006/relationships" xmlns:p="http://schemas.openxmlformats.org/presentationml/2006/main">
-  <p:cSld>
-    <p:spTree>
-      <p:nvGrpSpPr>
-        <p:cNvPr id="1" name=""/>
-        <p:cNvGrpSpPr/>
-        <p:nvPr/>
-      </p:nvGrpSpPr>
-      <p:grpSpPr>
-        <a:xfrm>
-          <a:off x="0" y="0"/>
-          <a:ext cx="0" cy="0"/>
-          <a:chOff x="0" y="0"/>
-          <a:chExt cx="0" cy="0"/>
-        </a:xfrm>
-      </p:grpSpPr>
-      <p:sp>
-        <p:nvSpPr>
-          <p:cNvPr id="2" name="Title 1">
-            <a:extLst>
-              <a:ext uri="{FF2B5EF4-FFF2-40B4-BE49-F238E27FC236}">
-                <a16:creationId xmlns:a16="http://schemas.microsoft.com/office/drawing/2014/main" id="{4DD468FF-EC03-46CD-A6A1-8533CC099590}"/>
-              </a:ext>
-            </a:extLst>
-          </p:cNvPr>
-          <p:cNvSpPr>
-            <a:spLocks noGrp="1"/>
-          </p:cNvSpPr>
-          <p:nvPr>
-            <p:ph type="title"/>
-          </p:nvPr>
-        </p:nvSpPr>
-        <p:spPr/>
-        <p:txBody>
-          <a:bodyPr/>
-          <a:lstStyle/>
-          <a:p>
-            <a:r>
-              <a:rPr lang="en-US" dirty="0"/>
-              <a:t>How to Find Negative Controls?</a:t>
-            </a:r>
-          </a:p>
-        </p:txBody>
-      </p:sp>
-      <p:sp>
-        <p:nvSpPr>
-          <p:cNvPr id="3" name="Content Placeholder 2">
-            <a:extLst>
-              <a:ext uri="{FF2B5EF4-FFF2-40B4-BE49-F238E27FC236}">
-                <a16:creationId xmlns:a16="http://schemas.microsoft.com/office/drawing/2014/main" id="{48B29089-9EC4-4AF4-8549-F35941E81B6F}"/>
-              </a:ext>
-            </a:extLst>
-          </p:cNvPr>
-          <p:cNvSpPr>
-            <a:spLocks noGrp="1"/>
-          </p:cNvSpPr>
-          <p:nvPr>
-            <p:ph idx="1"/>
-          </p:nvPr>
-        </p:nvSpPr>
-        <p:spPr>
-          <a:xfrm>
-            <a:off x="457200" y="1219202"/>
-            <a:ext cx="8229600" cy="5486398"/>
-          </a:xfrm>
-        </p:spPr>
-        <p:txBody>
-          <a:bodyPr>
-            <a:normAutofit/>
-          </a:bodyPr>
-          <a:lstStyle/>
-          <a:p>
-            <a:r>
-              <a:rPr lang="en-US" dirty="0"/>
-              <a:t>Finding negative controls manually:</a:t>
-            </a:r>
-          </a:p>
-          <a:p>
-            <a:endParaRPr lang="en-US" dirty="0"/>
-          </a:p>
-          <a:p>
-            <a:pPr lvl="1"/>
-            <a:r>
-              <a:rPr lang="en-US" b="1" dirty="0"/>
-              <a:t>FDA product labels </a:t>
-            </a:r>
-            <a:r>
-              <a:rPr lang="en-US" dirty="0"/>
-              <a:t>does not associate the drug and outcome</a:t>
-            </a:r>
-          </a:p>
-          <a:p>
-            <a:pPr lvl="1"/>
-            <a:endParaRPr lang="en-US" dirty="0"/>
-          </a:p>
-          <a:p>
-            <a:pPr lvl="1"/>
-            <a:r>
-              <a:rPr lang="en-US" dirty="0"/>
-              <a:t>There are now spontaneous reports signals in the </a:t>
-            </a:r>
-            <a:r>
-              <a:rPr lang="en-US" b="1" dirty="0"/>
-              <a:t>U.S. FDA's Adverse Event Reporting System (FAERS)</a:t>
-            </a:r>
-          </a:p>
-          <a:p>
-            <a:pPr lvl="1"/>
-            <a:endParaRPr lang="en-US" dirty="0"/>
-          </a:p>
-          <a:p>
-            <a:pPr lvl="1"/>
-            <a:r>
-              <a:rPr lang="en-US" dirty="0"/>
-              <a:t>Manual review in PubMed that there is </a:t>
-            </a:r>
-            <a:r>
-              <a:rPr lang="en-US" b="1" dirty="0"/>
-              <a:t>no studies </a:t>
-            </a:r>
-            <a:r>
-              <a:rPr lang="en-US" dirty="0"/>
-              <a:t>showing the drug causes the condition</a:t>
-            </a:r>
-          </a:p>
-          <a:p>
-            <a:endParaRPr lang="en-US" dirty="0"/>
-          </a:p>
-          <a:p>
-            <a:r>
-              <a:rPr lang="en-US" dirty="0"/>
-              <a:t>However OHDSI has developed tools in ATLAS to make this easier . . . </a:t>
-            </a:r>
-          </a:p>
-          <a:p>
-            <a:pPr lvl="1"/>
-            <a:endParaRPr lang="en-US" dirty="0"/>
-          </a:p>
-        </p:txBody>
-      </p:sp>
-      <p:sp>
-        <p:nvSpPr>
-          <p:cNvPr id="5" name="Slide Number Placeholder 4">
-            <a:extLst>
-              <a:ext uri="{FF2B5EF4-FFF2-40B4-BE49-F238E27FC236}">
-                <a16:creationId xmlns:a16="http://schemas.microsoft.com/office/drawing/2014/main" id="{4EA8F46F-2A1E-45FE-88B5-94908E583694}"/>
-              </a:ext>
-            </a:extLst>
-          </p:cNvPr>
-          <p:cNvSpPr>
-            <a:spLocks noGrp="1"/>
-          </p:cNvSpPr>
-          <p:nvPr>
-            <p:ph type="sldNum" sz="quarter" idx="4"/>
-          </p:nvPr>
-        </p:nvSpPr>
-        <p:spPr/>
-        <p:txBody>
-          <a:bodyPr/>
-          <a:lstStyle/>
-          <a:p>
-            <a:fld id="{6C7F68B8-17AD-4146-95CB-9237D810DA91}" type="slidenum">
-              <a:rPr lang="en-US" smtClean="0"/>
-              <a:t>24</a:t>
-            </a:fld>
-            <a:endParaRPr lang="en-US" dirty="0"/>
-          </a:p>
-        </p:txBody>
-      </p:sp>
-    </p:spTree>
-    <p:extLst>
-      <p:ext uri="{BB962C8B-B14F-4D97-AF65-F5344CB8AC3E}">
-        <p14:creationId xmlns:p14="http://schemas.microsoft.com/office/powerpoint/2010/main" val="3344282077"/>
-      </p:ext>
-    </p:extLst>
-  </p:cSld>
-  <p:clrMapOvr>
-    <a:masterClrMapping/>
-  </p:clrMapOvr>
-</p:sld>
-</file>
-
-<file path=ppt/slides/slide25.xml><?xml version="1.0" encoding="utf-8"?>
-<p:sld xmlns:a="http://schemas.openxmlformats.org/drawingml/2006/main" xmlns:r="http://schemas.openxmlformats.org/officeDocument/2006/relationships" xmlns:p="http://schemas.openxmlformats.org/presentationml/2006/main">
-  <p:cSld>
-    <p:spTree>
-      <p:nvGrpSpPr>
-        <p:cNvPr id="1" name=""/>
-        <p:cNvGrpSpPr/>
-        <p:nvPr/>
-      </p:nvGrpSpPr>
-      <p:grpSpPr>
-        <a:xfrm>
-          <a:off x="0" y="0"/>
-          <a:ext cx="0" cy="0"/>
-          <a:chOff x="0" y="0"/>
-          <a:chExt cx="0" cy="0"/>
-        </a:xfrm>
-      </p:grpSpPr>
-      <p:sp>
-        <p:nvSpPr>
-          <p:cNvPr id="2" name="Title 1">
-            <a:extLst>
-              <a:ext uri="{FF2B5EF4-FFF2-40B4-BE49-F238E27FC236}">
-                <a16:creationId xmlns:a16="http://schemas.microsoft.com/office/drawing/2014/main" id="{71E04B82-15F5-4AD3-BC7E-FBF1234DB7C2}"/>
-              </a:ext>
-            </a:extLst>
-          </p:cNvPr>
-          <p:cNvSpPr>
-            <a:spLocks noGrp="1"/>
-          </p:cNvSpPr>
-          <p:nvPr>
-            <p:ph type="title"/>
-          </p:nvPr>
-        </p:nvSpPr>
-        <p:spPr/>
-        <p:txBody>
-          <a:bodyPr>
-            <a:normAutofit fontScale="90000"/>
-          </a:bodyPr>
-          <a:lstStyle/>
-          <a:p>
-            <a:r>
-              <a:rPr lang="en-US" dirty="0"/>
-              <a:t>Use ATLAS to Build </a:t>
-            </a:r>
-            <a:br>
-              <a:rPr lang="en-US" dirty="0"/>
-            </a:br>
-            <a:r>
-              <a:rPr lang="en-US" dirty="0"/>
-              <a:t>Negative Control Outcomes</a:t>
-            </a:r>
-          </a:p>
-        </p:txBody>
-      </p:sp>
-      <p:pic>
-        <p:nvPicPr>
-          <p:cNvPr id="4" name="Content Placeholder 3">
-            <a:extLst>
-              <a:ext uri="{FF2B5EF4-FFF2-40B4-BE49-F238E27FC236}">
-                <a16:creationId xmlns:a16="http://schemas.microsoft.com/office/drawing/2014/main" id="{7464A92B-81D9-4845-809C-B56024DCD351}"/>
-              </a:ext>
-            </a:extLst>
-          </p:cNvPr>
-          <p:cNvPicPr>
-            <a:picLocks noGrp="1" noChangeAspect="1"/>
-          </p:cNvPicPr>
-          <p:nvPr>
-            <p:ph idx="1"/>
-          </p:nvPr>
-        </p:nvPicPr>
-        <p:blipFill>
-          <a:blip r:embed="rId3"/>
-          <a:stretch>
-            <a:fillRect/>
-          </a:stretch>
-        </p:blipFill>
-        <p:spPr>
-          <a:xfrm>
-            <a:off x="457200" y="1875785"/>
-            <a:ext cx="8229600" cy="3593792"/>
-          </a:xfrm>
-          <a:prstGeom prst="rect">
-            <a:avLst/>
-          </a:prstGeom>
-          <a:ln w="38100" cap="sq">
-            <a:solidFill>
-              <a:srgbClr val="000000"/>
-            </a:solidFill>
-            <a:prstDash val="solid"/>
-            <a:miter lim="800000"/>
-          </a:ln>
-          <a:effectLst>
-            <a:outerShdw blurRad="50800" dist="38100" dir="2700000" algn="tl" rotWithShape="0">
-              <a:srgbClr val="000000">
-                <a:alpha val="43000"/>
-              </a:srgbClr>
-            </a:outerShdw>
-          </a:effectLst>
-        </p:spPr>
-      </p:pic>
-      <p:sp>
-        <p:nvSpPr>
-          <p:cNvPr id="3" name="Slide Number Placeholder 2">
-            <a:extLst>
-              <a:ext uri="{FF2B5EF4-FFF2-40B4-BE49-F238E27FC236}">
-                <a16:creationId xmlns:a16="http://schemas.microsoft.com/office/drawing/2014/main" id="{09A82A40-0776-4572-ACDD-47CF85A9A827}"/>
-              </a:ext>
-            </a:extLst>
-          </p:cNvPr>
-          <p:cNvSpPr>
-            <a:spLocks noGrp="1"/>
-          </p:cNvSpPr>
-          <p:nvPr>
-            <p:ph type="sldNum" sz="quarter" idx="4"/>
-          </p:nvPr>
-        </p:nvSpPr>
-        <p:spPr/>
-        <p:txBody>
-          <a:bodyPr/>
-          <a:lstStyle/>
-          <a:p>
-            <a:fld id="{6C7F68B8-17AD-4146-95CB-9237D810DA91}" type="slidenum">
-              <a:rPr lang="en-US" smtClean="0"/>
-              <a:t>25</a:t>
-            </a:fld>
-            <a:endParaRPr lang="en-US" dirty="0"/>
-          </a:p>
-        </p:txBody>
-      </p:sp>
-    </p:spTree>
-    <p:extLst>
-      <p:ext uri="{BB962C8B-B14F-4D97-AF65-F5344CB8AC3E}">
-        <p14:creationId xmlns:p14="http://schemas.microsoft.com/office/powerpoint/2010/main" val="3650446902"/>
-      </p:ext>
-    </p:extLst>
-  </p:cSld>
-  <p:clrMapOvr>
-    <a:masterClrMapping/>
-  </p:clrMapOvr>
-</p:sld>
-</file>
-
-<file path=ppt/slides/slide26.xml><?xml version="1.0" encoding="utf-8"?>
-<p:sld xmlns:a="http://schemas.openxmlformats.org/drawingml/2006/main" xmlns:r="http://schemas.openxmlformats.org/officeDocument/2006/relationships" xmlns:p="http://schemas.openxmlformats.org/presentationml/2006/main">
-  <p:cSld>
-    <p:spTree>
-      <p:nvGrpSpPr>
-        <p:cNvPr id="1" name=""/>
-        <p:cNvGrpSpPr/>
-        <p:nvPr/>
-      </p:nvGrpSpPr>
-      <p:grpSpPr>
-        <a:xfrm>
-          <a:off x="0" y="0"/>
-          <a:ext cx="0" cy="0"/>
-          <a:chOff x="0" y="0"/>
-          <a:chExt cx="0" cy="0"/>
-        </a:xfrm>
-      </p:grpSpPr>
-      <p:sp>
-        <p:nvSpPr>
-          <p:cNvPr id="2" name="Title 1">
-            <a:extLst>
-              <a:ext uri="{FF2B5EF4-FFF2-40B4-BE49-F238E27FC236}">
-                <a16:creationId xmlns:a16="http://schemas.microsoft.com/office/drawing/2014/main" id="{815D4873-131E-4BE2-AFC2-EA5C1AF45CDA}"/>
-              </a:ext>
-            </a:extLst>
-          </p:cNvPr>
-          <p:cNvSpPr>
-            <a:spLocks noGrp="1"/>
-          </p:cNvSpPr>
-          <p:nvPr>
-            <p:ph type="title"/>
-          </p:nvPr>
-        </p:nvSpPr>
-        <p:spPr/>
-        <p:txBody>
-          <a:bodyPr>
-            <a:normAutofit/>
-          </a:bodyPr>
-          <a:lstStyle/>
-          <a:p>
-            <a:r>
-              <a:rPr lang="en-US" dirty="0"/>
-              <a:t>Generating Negative Controls in ATLAS</a:t>
-            </a:r>
-          </a:p>
-        </p:txBody>
-      </p:sp>
-      <p:sp>
-        <p:nvSpPr>
-          <p:cNvPr id="3" name="Content Placeholder 2">
-            <a:extLst>
-              <a:ext uri="{FF2B5EF4-FFF2-40B4-BE49-F238E27FC236}">
-                <a16:creationId xmlns:a16="http://schemas.microsoft.com/office/drawing/2014/main" id="{BA0113EA-CA1D-4D0D-BF8A-BFAE9708AE75}"/>
-              </a:ext>
-            </a:extLst>
-          </p:cNvPr>
-          <p:cNvSpPr>
-            <a:spLocks noGrp="1"/>
-          </p:cNvSpPr>
-          <p:nvPr>
-            <p:ph idx="1"/>
-          </p:nvPr>
-        </p:nvSpPr>
-        <p:spPr/>
-        <p:txBody>
-          <a:bodyPr>
-            <a:normAutofit fontScale="70000" lnSpcReduction="20000"/>
-          </a:bodyPr>
-          <a:lstStyle/>
-          <a:p>
-            <a:r>
-              <a:rPr lang="en-US" dirty="0"/>
-              <a:t>ATLAS can be used to generate and suggest negative controls for a study.</a:t>
-            </a:r>
-          </a:p>
-          <a:p>
-            <a:endParaRPr lang="en-US" dirty="0"/>
-          </a:p>
-          <a:p>
-            <a:r>
-              <a:rPr lang="en-US" dirty="0"/>
-              <a:t>Suggested negative controls:</a:t>
-            </a:r>
-          </a:p>
-          <a:p>
-            <a:pPr lvl="1"/>
-            <a:r>
-              <a:rPr lang="en-US" dirty="0"/>
-              <a:t>have no published literature adverse event association </a:t>
-            </a:r>
-          </a:p>
-          <a:p>
-            <a:pPr lvl="1"/>
-            <a:r>
-              <a:rPr lang="en-US" dirty="0"/>
-              <a:t>not existing on the product label</a:t>
-            </a:r>
-          </a:p>
-          <a:p>
-            <a:pPr lvl="1"/>
-            <a:r>
-              <a:rPr lang="en-US" dirty="0"/>
-              <a:t>not considered a FAERS signal</a:t>
-            </a:r>
-          </a:p>
-          <a:p>
-            <a:pPr lvl="1"/>
-            <a:r>
-              <a:rPr lang="en-US" dirty="0"/>
-              <a:t>have no indication or contraindication listed in the OMOP Vocabulary for the pair</a:t>
-            </a:r>
-          </a:p>
-          <a:p>
-            <a:pPr lvl="1"/>
-            <a:r>
-              <a:rPr lang="en-US" dirty="0"/>
-              <a:t>are not considered a broad concepts</a:t>
-            </a:r>
-          </a:p>
-          <a:p>
-            <a:pPr lvl="1"/>
-            <a:r>
-              <a:rPr lang="en-US" dirty="0"/>
-              <a:t>are not considered a drug induced concept</a:t>
-            </a:r>
-          </a:p>
-          <a:p>
-            <a:pPr lvl="1"/>
-            <a:r>
-              <a:rPr lang="en-US" dirty="0"/>
-              <a:t>not considered a pregnancy related concept</a:t>
-            </a:r>
-          </a:p>
-          <a:p>
-            <a:pPr lvl="1"/>
-            <a:r>
-              <a:rPr lang="en-US" dirty="0"/>
-              <a:t>was not suggested to be excluded by the user</a:t>
-            </a:r>
-          </a:p>
-          <a:p>
-            <a:pPr lvl="1"/>
-            <a:r>
-              <a:rPr lang="en-US" dirty="0"/>
-              <a:t>was not optimized out, meaning another parent concept existed that was also considered a good negative, so the lower level concept was excluded</a:t>
-            </a:r>
-          </a:p>
-          <a:p>
-            <a:pPr marL="0" indent="0">
-              <a:buNone/>
-            </a:pPr>
-            <a:endParaRPr lang="en-US" dirty="0"/>
-          </a:p>
-          <a:p>
-            <a:r>
-              <a:rPr lang="en-US" dirty="0"/>
-              <a:t>All information known about the drug-condition pair is provided so if the user wishes to loosen this criteria they can (i.e. ignore evidence from ancestor restrictions).</a:t>
-            </a:r>
-          </a:p>
-          <a:p>
-            <a:pPr marL="0" indent="0">
-              <a:buNone/>
-            </a:pPr>
-            <a:endParaRPr lang="en-US" dirty="0"/>
-          </a:p>
-          <a:p>
-            <a:r>
-              <a:rPr lang="en-US" dirty="0">
-                <a:hlinkClick r:id="rId2"/>
-              </a:rPr>
-              <a:t>https://github.com/OHDSI/CommonEvidenceModel/wiki/Negative-Controls-In-ATLAS</a:t>
-            </a:r>
-            <a:endParaRPr lang="en-US" dirty="0"/>
-          </a:p>
-          <a:p>
-            <a:pPr marL="0" indent="0">
-              <a:buNone/>
-            </a:pPr>
-            <a:endParaRPr lang="en-US" dirty="0"/>
-          </a:p>
-        </p:txBody>
-      </p:sp>
-      <p:sp>
-        <p:nvSpPr>
-          <p:cNvPr id="4" name="Slide Number Placeholder 3">
-            <a:extLst>
-              <a:ext uri="{FF2B5EF4-FFF2-40B4-BE49-F238E27FC236}">
-                <a16:creationId xmlns:a16="http://schemas.microsoft.com/office/drawing/2014/main" id="{292F6580-7E2E-4316-AA48-73754D5F59E2}"/>
-              </a:ext>
-            </a:extLst>
-          </p:cNvPr>
-          <p:cNvSpPr>
-            <a:spLocks noGrp="1"/>
-          </p:cNvSpPr>
-          <p:nvPr>
-            <p:ph type="sldNum" sz="quarter" idx="4"/>
-          </p:nvPr>
-        </p:nvSpPr>
-        <p:spPr/>
-        <p:txBody>
-          <a:bodyPr/>
-          <a:lstStyle/>
-          <a:p>
-            <a:fld id="{8DB2982B-5D0B-479C-A63D-D9D06A6F81FB}" type="slidenum">
-              <a:rPr lang="en-US" smtClean="0"/>
-              <a:t>26</a:t>
-            </a:fld>
-            <a:endParaRPr lang="en-US" dirty="0"/>
-          </a:p>
-        </p:txBody>
-      </p:sp>
-    </p:spTree>
-    <p:extLst>
-      <p:ext uri="{BB962C8B-B14F-4D97-AF65-F5344CB8AC3E}">
-        <p14:creationId xmlns:p14="http://schemas.microsoft.com/office/powerpoint/2010/main" val="4102052873"/>
-      </p:ext>
-    </p:extLst>
-  </p:cSld>
-  <p:clrMapOvr>
-    <a:masterClrMapping/>
-  </p:clrMapOvr>
-</p:sld>
-</file>
-
-<file path=ppt/slides/slide27.xml><?xml version="1.0" encoding="utf-8"?>
-<p:sld xmlns:a="http://schemas.openxmlformats.org/drawingml/2006/main" xmlns:r="http://schemas.openxmlformats.org/officeDocument/2006/relationships" xmlns:p="http://schemas.openxmlformats.org/presentationml/2006/main">
-  <p:cSld>
-    <p:spTree>
-      <p:nvGrpSpPr>
-        <p:cNvPr id="1" name=""/>
-        <p:cNvGrpSpPr/>
-        <p:nvPr/>
-      </p:nvGrpSpPr>
-      <p:grpSpPr>
-        <a:xfrm>
-          <a:off x="0" y="0"/>
-          <a:ext cx="0" cy="0"/>
-          <a:chOff x="0" y="0"/>
-          <a:chExt cx="0" cy="0"/>
-        </a:xfrm>
-      </p:grpSpPr>
-      <p:sp>
-        <p:nvSpPr>
-          <p:cNvPr id="5" name="Title 4">
-            <a:extLst>
-              <a:ext uri="{FF2B5EF4-FFF2-40B4-BE49-F238E27FC236}">
-                <a16:creationId xmlns:a16="http://schemas.microsoft.com/office/drawing/2014/main" id="{56B4C228-233A-491B-B1DE-6C5155A55BD0}"/>
-              </a:ext>
-            </a:extLst>
-          </p:cNvPr>
-          <p:cNvSpPr>
-            <a:spLocks noGrp="1"/>
-          </p:cNvSpPr>
-          <p:nvPr>
-            <p:ph type="ctrTitle"/>
-          </p:nvPr>
-        </p:nvSpPr>
-        <p:spPr/>
-        <p:txBody>
-          <a:bodyPr/>
-          <a:lstStyle/>
-          <a:p>
-            <a:r>
-              <a:rPr lang="en-US" dirty="0"/>
-              <a:t>Finding Good </a:t>
-            </a:r>
-            <a:br>
-              <a:rPr lang="en-US" dirty="0"/>
-            </a:br>
-            <a:r>
-              <a:rPr lang="en-US" dirty="0"/>
-              <a:t>Negative Control Outcomes</a:t>
-            </a:r>
-          </a:p>
-        </p:txBody>
-      </p:sp>
-      <p:sp>
-        <p:nvSpPr>
-          <p:cNvPr id="4" name="Slide Number Placeholder 3">
-            <a:extLst>
-              <a:ext uri="{FF2B5EF4-FFF2-40B4-BE49-F238E27FC236}">
-                <a16:creationId xmlns:a16="http://schemas.microsoft.com/office/drawing/2014/main" id="{BA92113B-4C8B-4248-97D2-587C36128307}"/>
-              </a:ext>
-            </a:extLst>
-          </p:cNvPr>
-          <p:cNvSpPr>
-            <a:spLocks noGrp="1"/>
-          </p:cNvSpPr>
-          <p:nvPr>
-            <p:ph type="sldNum" sz="quarter" idx="4294967295"/>
-          </p:nvPr>
-        </p:nvSpPr>
-        <p:spPr>
-          <a:xfrm>
-            <a:off x="7010400" y="6492875"/>
-            <a:ext cx="2133600" cy="365125"/>
-          </a:xfrm>
-          <a:prstGeom prst="rect">
-            <a:avLst/>
-          </a:prstGeom>
-        </p:spPr>
-        <p:txBody>
-          <a:bodyPr anchor="ctr"/>
-          <a:lstStyle/>
-          <a:p>
-            <a:pPr algn="r"/>
-            <a:fld id="{6C7F68B8-17AD-4146-95CB-9237D810DA91}" type="slidenum">
-              <a:rPr lang="en-US" sz="1200" smtClean="0">
-                <a:solidFill>
-                  <a:srgbClr val="20425A"/>
-                </a:solidFill>
-              </a:rPr>
-              <a:pPr algn="r"/>
-              <a:t>27</a:t>
-            </a:fld>
-            <a:endParaRPr lang="en-US" sz="1200" dirty="0">
-              <a:solidFill>
-                <a:srgbClr val="20425A"/>
-              </a:solidFill>
-            </a:endParaRPr>
-          </a:p>
-        </p:txBody>
-      </p:sp>
-    </p:spTree>
-    <p:extLst>
-      <p:ext uri="{BB962C8B-B14F-4D97-AF65-F5344CB8AC3E}">
-        <p14:creationId xmlns:p14="http://schemas.microsoft.com/office/powerpoint/2010/main" val="1693567774"/>
-      </p:ext>
-    </p:extLst>
-  </p:cSld>
-  <p:clrMapOvr>
-    <a:masterClrMapping/>
-  </p:clrMapOvr>
-</p:sld>
-</file>
-
-<file path=ppt/slides/slide28.xml><?xml version="1.0" encoding="utf-8"?>
+<file path=ppt/slides/slide29.xml><?xml version="1.0" encoding="utf-8"?>
 <p:sld xmlns:a="http://schemas.openxmlformats.org/drawingml/2006/main" xmlns:r="http://schemas.openxmlformats.org/officeDocument/2006/relationships" xmlns:p="http://schemas.openxmlformats.org/presentationml/2006/main">
   <p:cSld>
     <p:spTree>
@@ -15570,7 +17434,7 @@
           <a:p>
             <a:fld id="{6C7F68B8-17AD-4146-95CB-9237D810DA91}" type="slidenum">
               <a:rPr lang="en-US" smtClean="0"/>
-              <a:t>28</a:t>
+              <a:t>29</a:t>
             </a:fld>
             <a:endParaRPr lang="en-US" dirty="0"/>
           </a:p>
@@ -15703,7 +17567,97 @@
 </p:sld>
 </file>
 
-<file path=ppt/slides/slide29.xml><?xml version="1.0" encoding="utf-8"?>
+<file path=ppt/slides/slide3.xml><?xml version="1.0" encoding="utf-8"?>
+<p:sld xmlns:a="http://schemas.openxmlformats.org/drawingml/2006/main" xmlns:r="http://schemas.openxmlformats.org/officeDocument/2006/relationships" xmlns:p="http://schemas.openxmlformats.org/presentationml/2006/main">
+  <p:cSld>
+    <p:spTree>
+      <p:nvGrpSpPr>
+        <p:cNvPr id="1" name=""/>
+        <p:cNvGrpSpPr/>
+        <p:nvPr/>
+      </p:nvGrpSpPr>
+      <p:grpSpPr>
+        <a:xfrm>
+          <a:off x="0" y="0"/>
+          <a:ext cx="0" cy="0"/>
+          <a:chOff x="0" y="0"/>
+          <a:chExt cx="0" cy="0"/>
+        </a:xfrm>
+      </p:grpSpPr>
+      <p:sp>
+        <p:nvSpPr>
+          <p:cNvPr id="4" name="Title 3">
+            <a:extLst>
+              <a:ext uri="{FF2B5EF4-FFF2-40B4-BE49-F238E27FC236}">
+                <a16:creationId xmlns:a16="http://schemas.microsoft.com/office/drawing/2014/main" id="{C5F9F6BA-5F00-4899-BD4F-31D1C3772568}"/>
+              </a:ext>
+            </a:extLst>
+          </p:cNvPr>
+          <p:cNvSpPr>
+            <a:spLocks noGrp="1"/>
+          </p:cNvSpPr>
+          <p:nvPr>
+            <p:ph type="ctrTitle"/>
+          </p:nvPr>
+        </p:nvSpPr>
+        <p:spPr/>
+        <p:txBody>
+          <a:bodyPr/>
+          <a:lstStyle/>
+          <a:p>
+            <a:r>
+              <a:rPr lang="en-US" b="1" dirty="0"/>
+              <a:t>What is the </a:t>
+            </a:r>
+            <a:br>
+              <a:rPr lang="en-US" b="1" dirty="0"/>
+            </a:br>
+            <a:r>
+              <a:rPr lang="en-US" b="1" dirty="0"/>
+              <a:t>Common Evidence Model?</a:t>
+            </a:r>
+          </a:p>
+        </p:txBody>
+      </p:sp>
+      <p:sp>
+        <p:nvSpPr>
+          <p:cNvPr id="5" name="Subtitle 4">
+            <a:extLst>
+              <a:ext uri="{FF2B5EF4-FFF2-40B4-BE49-F238E27FC236}">
+                <a16:creationId xmlns:a16="http://schemas.microsoft.com/office/drawing/2014/main" id="{5C3B309F-23B8-458D-9E7B-5D8A6897692E}"/>
+              </a:ext>
+            </a:extLst>
+          </p:cNvPr>
+          <p:cNvSpPr>
+            <a:spLocks noGrp="1"/>
+          </p:cNvSpPr>
+          <p:nvPr>
+            <p:ph type="subTitle" idx="1"/>
+          </p:nvPr>
+        </p:nvSpPr>
+        <p:spPr/>
+        <p:txBody>
+          <a:bodyPr/>
+          <a:lstStyle/>
+          <a:p>
+            <a:endParaRPr lang="en-US" dirty="0"/>
+          </a:p>
+        </p:txBody>
+      </p:sp>
+    </p:spTree>
+    <p:extLst>
+      <p:ext uri="{BB962C8B-B14F-4D97-AF65-F5344CB8AC3E}">
+        <p14:creationId xmlns:p14="http://schemas.microsoft.com/office/powerpoint/2010/main" val="3452783827"/>
+      </p:ext>
+    </p:extLst>
+  </p:cSld>
+  <p:clrMapOvr>
+    <a:masterClrMapping/>
+  </p:clrMapOvr>
+</p:sld>
+</file>
+
+<file path=ppt/slides/slide30.xml><?xml version="1.0" encoding="utf-8"?>
 <p:sld xmlns:a="http://schemas.openxmlformats.org/drawingml/2006/main" xmlns:r="http://schemas.openxmlformats.org/officeDocument/2006/relationships" xmlns:p="http://schemas.openxmlformats.org/presentationml/2006/main">
   <p:cSld>
     <p:spTree>
@@ -16392,7 +18346,7 @@
           <a:p>
             <a:fld id="{6C7F68B8-17AD-4146-95CB-9237D810DA91}" type="slidenum">
               <a:rPr lang="en-US" smtClean="0"/>
-              <a:t>29</a:t>
+              <a:t>30</a:t>
             </a:fld>
             <a:endParaRPr lang="en-US" dirty="0"/>
           </a:p>
@@ -16772,97 +18726,7 @@
 </p:sld>
 </file>
 
-<file path=ppt/slides/slide3.xml><?xml version="1.0" encoding="utf-8"?>
-<p:sld xmlns:a="http://schemas.openxmlformats.org/drawingml/2006/main" xmlns:r="http://schemas.openxmlformats.org/officeDocument/2006/relationships" xmlns:p="http://schemas.openxmlformats.org/presentationml/2006/main">
-  <p:cSld>
-    <p:spTree>
-      <p:nvGrpSpPr>
-        <p:cNvPr id="1" name=""/>
-        <p:cNvGrpSpPr/>
-        <p:nvPr/>
-      </p:nvGrpSpPr>
-      <p:grpSpPr>
-        <a:xfrm>
-          <a:off x="0" y="0"/>
-          <a:ext cx="0" cy="0"/>
-          <a:chOff x="0" y="0"/>
-          <a:chExt cx="0" cy="0"/>
-        </a:xfrm>
-      </p:grpSpPr>
-      <p:sp>
-        <p:nvSpPr>
-          <p:cNvPr id="4" name="Title 3">
-            <a:extLst>
-              <a:ext uri="{FF2B5EF4-FFF2-40B4-BE49-F238E27FC236}">
-                <a16:creationId xmlns:a16="http://schemas.microsoft.com/office/drawing/2014/main" id="{C5F9F6BA-5F00-4899-BD4F-31D1C3772568}"/>
-              </a:ext>
-            </a:extLst>
-          </p:cNvPr>
-          <p:cNvSpPr>
-            <a:spLocks noGrp="1"/>
-          </p:cNvSpPr>
-          <p:nvPr>
-            <p:ph type="ctrTitle"/>
-          </p:nvPr>
-        </p:nvSpPr>
-        <p:spPr/>
-        <p:txBody>
-          <a:bodyPr/>
-          <a:lstStyle/>
-          <a:p>
-            <a:r>
-              <a:rPr lang="en-US" b="1" dirty="0"/>
-              <a:t>What is the </a:t>
-            </a:r>
-            <a:br>
-              <a:rPr lang="en-US" b="1" dirty="0"/>
-            </a:br>
-            <a:r>
-              <a:rPr lang="en-US" b="1" dirty="0"/>
-              <a:t>Common Evidence Model?</a:t>
-            </a:r>
-          </a:p>
-        </p:txBody>
-      </p:sp>
-      <p:sp>
-        <p:nvSpPr>
-          <p:cNvPr id="5" name="Subtitle 4">
-            <a:extLst>
-              <a:ext uri="{FF2B5EF4-FFF2-40B4-BE49-F238E27FC236}">
-                <a16:creationId xmlns:a16="http://schemas.microsoft.com/office/drawing/2014/main" id="{5C3B309F-23B8-458D-9E7B-5D8A6897692E}"/>
-              </a:ext>
-            </a:extLst>
-          </p:cNvPr>
-          <p:cNvSpPr>
-            <a:spLocks noGrp="1"/>
-          </p:cNvSpPr>
-          <p:nvPr>
-            <p:ph type="subTitle" idx="1"/>
-          </p:nvPr>
-        </p:nvSpPr>
-        <p:spPr/>
-        <p:txBody>
-          <a:bodyPr/>
-          <a:lstStyle/>
-          <a:p>
-            <a:endParaRPr lang="en-US" dirty="0"/>
-          </a:p>
-        </p:txBody>
-      </p:sp>
-    </p:spTree>
-    <p:extLst>
-      <p:ext uri="{BB962C8B-B14F-4D97-AF65-F5344CB8AC3E}">
-        <p14:creationId xmlns:p14="http://schemas.microsoft.com/office/powerpoint/2010/main" val="3452783827"/>
-      </p:ext>
-    </p:extLst>
-  </p:cSld>
-  <p:clrMapOvr>
-    <a:masterClrMapping/>
-  </p:clrMapOvr>
-</p:sld>
-</file>
-
-<file path=ppt/slides/slide30.xml><?xml version="1.0" encoding="utf-8"?>
+<file path=ppt/slides/slide31.xml><?xml version="1.0" encoding="utf-8"?>
 <p:sld xmlns:a="http://schemas.openxmlformats.org/drawingml/2006/main" xmlns:r="http://schemas.openxmlformats.org/officeDocument/2006/relationships" xmlns:p="http://schemas.openxmlformats.org/presentationml/2006/main">
   <p:cSld>
     <p:spTree>
@@ -17387,7 +19251,7 @@
           <a:p>
             <a:fld id="{6C7F68B8-17AD-4146-95CB-9237D810DA91}" type="slidenum">
               <a:rPr lang="en-US" smtClean="0"/>
-              <a:t>30</a:t>
+              <a:t>31</a:t>
             </a:fld>
             <a:endParaRPr lang="en-US" dirty="0"/>
           </a:p>
@@ -17465,7 +19329,7 @@
           <p:nvPr/>
         </p:nvPicPr>
         <p:blipFill>
-          <a:blip r:embed="rId2">
+          <a:blip r:embed="rId3">
             <a:extLst>
               <a:ext uri="{28A0092B-C50C-407E-A947-70E740481C1C}">
                 <a14:useLocalDpi xmlns:a14="http://schemas.microsoft.com/office/drawing/2010/main" val="0"/>
@@ -17510,7 +19374,7 @@
 </p:sld>
 </file>
 
-<file path=ppt/slides/slide31.xml><?xml version="1.0" encoding="utf-8"?>
+<file path=ppt/slides/slide32.xml><?xml version="1.0" encoding="utf-8"?>
 <p:sld xmlns:a="http://schemas.openxmlformats.org/drawingml/2006/main" xmlns:r="http://schemas.openxmlformats.org/officeDocument/2006/relationships" xmlns:p="http://schemas.openxmlformats.org/presentationml/2006/main">
   <p:cSld>
     <p:spTree>
@@ -18095,7 +19959,7 @@
           <a:p>
             <a:fld id="{6C7F68B8-17AD-4146-95CB-9237D810DA91}" type="slidenum">
               <a:rPr lang="en-US" smtClean="0"/>
-              <a:t>31</a:t>
+              <a:t>32</a:t>
             </a:fld>
             <a:endParaRPr lang="en-US" dirty="0"/>
           </a:p>
@@ -18589,7 +20453,7 @@
 </p:sld>
 </file>
 
-<file path=ppt/slides/slide32.xml><?xml version="1.0" encoding="utf-8"?>
+<file path=ppt/slides/slide33.xml><?xml version="1.0" encoding="utf-8"?>
 <p:sld xmlns:a="http://schemas.openxmlformats.org/drawingml/2006/main" xmlns:r="http://schemas.openxmlformats.org/officeDocument/2006/relationships" xmlns:p="http://schemas.openxmlformats.org/presentationml/2006/main">
   <p:cSld>
     <p:spTree>
@@ -19076,7 +20940,7 @@
           <a:p>
             <a:fld id="{6C7F68B8-17AD-4146-95CB-9237D810DA91}" type="slidenum">
               <a:rPr lang="en-US" smtClean="0"/>
-              <a:t>32</a:t>
+              <a:t>33</a:t>
             </a:fld>
             <a:endParaRPr lang="en-US" dirty="0"/>
           </a:p>
@@ -19374,7 +21238,7 @@
 </p:sld>
 </file>
 
-<file path=ppt/slides/slide33.xml><?xml version="1.0" encoding="utf-8"?>
+<file path=ppt/slides/slide34.xml><?xml version="1.0" encoding="utf-8"?>
 <p:sld xmlns:a="http://schemas.openxmlformats.org/drawingml/2006/main" xmlns:r="http://schemas.openxmlformats.org/officeDocument/2006/relationships" xmlns:p="http://schemas.openxmlformats.org/presentationml/2006/main">
   <p:cSld>
     <p:spTree>
@@ -19463,7 +21327,7 @@
                 </a:solidFill>
               </a:rPr>
               <a:pPr algn="r"/>
-              <a:t>33</a:t>
+              <a:t>34</a:t>
             </a:fld>
             <a:endParaRPr lang="en-US" dirty="0">
               <a:solidFill>
@@ -19486,7 +21350,7 @@
 </p:sld>
 </file>
 
-<file path=ppt/slides/slide34.xml><?xml version="1.0" encoding="utf-8"?>
+<file path=ppt/slides/slide35.xml><?xml version="1.0" encoding="utf-8"?>
 <p:sld xmlns:a="http://schemas.openxmlformats.org/drawingml/2006/main" xmlns:r="http://schemas.openxmlformats.org/officeDocument/2006/relationships" xmlns:p="http://schemas.openxmlformats.org/presentationml/2006/main">
   <p:cSld>
     <p:spTree>
@@ -20200,7 +22064,7 @@
           <a:p>
             <a:fld id="{6C7F68B8-17AD-4146-95CB-9237D810DA91}" type="slidenum">
               <a:rPr lang="en-US" smtClean="0"/>
-              <a:t>34</a:t>
+              <a:t>35</a:t>
             </a:fld>
             <a:endParaRPr lang="en-US" dirty="0"/>
           </a:p>
@@ -20561,7 +22425,7 @@
 </p:sld>
 </file>
 
-<file path=ppt/slides/slide35.xml><?xml version="1.0" encoding="utf-8"?>
+<file path=ppt/slides/slide36.xml><?xml version="1.0" encoding="utf-8"?>
 <p:sld xmlns:a="http://schemas.openxmlformats.org/drawingml/2006/main" xmlns:r="http://schemas.openxmlformats.org/officeDocument/2006/relationships" xmlns:p="http://schemas.openxmlformats.org/presentationml/2006/main">
   <p:cSld>
     <p:spTree>
@@ -20924,7 +22788,7 @@
           <a:p>
             <a:fld id="{6C7F68B8-17AD-4146-95CB-9237D810DA91}" type="slidenum">
               <a:rPr lang="en-US" smtClean="0"/>
-              <a:t>35</a:t>
+              <a:t>36</a:t>
             </a:fld>
             <a:endParaRPr lang="en-US" dirty="0"/>
           </a:p>
@@ -21166,7 +23030,7 @@
 </p:sld>
 </file>
 
-<file path=ppt/slides/slide36.xml><?xml version="1.0" encoding="utf-8"?>
+<file path=ppt/slides/slide37.xml><?xml version="1.0" encoding="utf-8"?>
 <p:sld xmlns:a="http://schemas.openxmlformats.org/drawingml/2006/main" xmlns:r="http://schemas.openxmlformats.org/officeDocument/2006/relationships" xmlns:p="http://schemas.openxmlformats.org/presentationml/2006/main">
   <p:cSld>
     <p:spTree>
@@ -21710,7 +23574,7 @@
           <a:p>
             <a:fld id="{6C7F68B8-17AD-4146-95CB-9237D810DA91}" type="slidenum">
               <a:rPr lang="en-US" smtClean="0"/>
-              <a:t>36</a:t>
+              <a:t>37</a:t>
             </a:fld>
             <a:endParaRPr lang="en-US" dirty="0"/>
           </a:p>
@@ -22080,7 +23944,7 @@
 </p:sld>
 </file>
 
-<file path=ppt/slides/slide37.xml><?xml version="1.0" encoding="utf-8"?>
+<file path=ppt/slides/slide38.xml><?xml version="1.0" encoding="utf-8"?>
 <p:sld xmlns:a="http://schemas.openxmlformats.org/drawingml/2006/main" xmlns:r="http://schemas.openxmlformats.org/officeDocument/2006/relationships" xmlns:p="http://schemas.openxmlformats.org/presentationml/2006/main">
   <p:cSld>
     <p:spTree>
@@ -22339,7 +24203,7 @@
           <a:p>
             <a:fld id="{6C7F68B8-17AD-4146-95CB-9237D810DA91}" type="slidenum">
               <a:rPr lang="en-US" smtClean="0"/>
-              <a:t>37</a:t>
+              <a:t>38</a:t>
             </a:fld>
             <a:endParaRPr lang="en-US" dirty="0"/>
           </a:p>
@@ -22802,7 +24666,7 @@
 </p:sld>
 </file>
 
-<file path=ppt/slides/slide38.xml><?xml version="1.0" encoding="utf-8"?>
+<file path=ppt/slides/slide39.xml><?xml version="1.0" encoding="utf-8"?>
 <p:sld xmlns:a="http://schemas.openxmlformats.org/drawingml/2006/main" xmlns:r="http://schemas.openxmlformats.org/officeDocument/2006/relationships" xmlns:p="http://schemas.openxmlformats.org/presentationml/2006/main">
   <p:cSld>
     <p:spTree>
@@ -23243,7 +25107,7 @@
           <a:p>
             <a:fld id="{6C7F68B8-17AD-4146-95CB-9237D810DA91}" type="slidenum">
               <a:rPr lang="en-US" smtClean="0"/>
-              <a:t>38</a:t>
+              <a:t>39</a:t>
             </a:fld>
             <a:endParaRPr lang="en-US" dirty="0"/>
           </a:p>
@@ -23432,635 +25296,6 @@
 </p:sld>
 </file>
 
-<file path=ppt/slides/slide39.xml><?xml version="1.0" encoding="utf-8"?>
-<p:sld xmlns:a="http://schemas.openxmlformats.org/drawingml/2006/main" xmlns:r="http://schemas.openxmlformats.org/officeDocument/2006/relationships" xmlns:p="http://schemas.openxmlformats.org/presentationml/2006/main">
-  <p:cSld>
-    <p:spTree>
-      <p:nvGrpSpPr>
-        <p:cNvPr id="1" name=""/>
-        <p:cNvGrpSpPr/>
-        <p:nvPr/>
-      </p:nvGrpSpPr>
-      <p:grpSpPr>
-        <a:xfrm>
-          <a:off x="0" y="0"/>
-          <a:ext cx="0" cy="0"/>
-          <a:chOff x="0" y="0"/>
-          <a:chExt cx="0" cy="0"/>
-        </a:xfrm>
-      </p:grpSpPr>
-      <p:sp>
-        <p:nvSpPr>
-          <p:cNvPr id="2" name="Title 1">
-            <a:extLst>
-              <a:ext uri="{FF2B5EF4-FFF2-40B4-BE49-F238E27FC236}">
-                <a16:creationId xmlns:a16="http://schemas.microsoft.com/office/drawing/2014/main" id="{8E9DC8D5-55DF-4129-953E-103946BDB135}"/>
-              </a:ext>
-            </a:extLst>
-          </p:cNvPr>
-          <p:cNvSpPr>
-            <a:spLocks noGrp="1"/>
-          </p:cNvSpPr>
-          <p:nvPr>
-            <p:ph type="title"/>
-          </p:nvPr>
-        </p:nvSpPr>
-        <p:spPr/>
-        <p:txBody>
-          <a:bodyPr>
-            <a:normAutofit/>
-          </a:bodyPr>
-          <a:lstStyle/>
-          <a:p>
-            <a:r>
-              <a:rPr lang="en-US" dirty="0"/>
-              <a:t>Bad: No Confounding Relationships</a:t>
-            </a:r>
-          </a:p>
-        </p:txBody>
-      </p:sp>
-      <p:grpSp>
-        <p:nvGrpSpPr>
-          <p:cNvPr id="5" name="Group 4">
-            <a:extLst>
-              <a:ext uri="{FF2B5EF4-FFF2-40B4-BE49-F238E27FC236}">
-                <a16:creationId xmlns:a16="http://schemas.microsoft.com/office/drawing/2014/main" id="{A90AC907-E0E6-4FDD-9AA2-80C9D92602F1}"/>
-              </a:ext>
-            </a:extLst>
-          </p:cNvPr>
-          <p:cNvGrpSpPr/>
-          <p:nvPr/>
-        </p:nvGrpSpPr>
-        <p:grpSpPr>
-          <a:xfrm>
-            <a:off x="1396114" y="1405232"/>
-            <a:ext cx="2258940" cy="461667"/>
-            <a:chOff x="8983807" y="5161703"/>
-            <a:chExt cx="2258940" cy="461667"/>
-          </a:xfrm>
-        </p:grpSpPr>
-        <p:sp>
-          <p:nvSpPr>
-            <p:cNvPr id="6" name="TextBox 5">
-              <a:extLst>
-                <a:ext uri="{FF2B5EF4-FFF2-40B4-BE49-F238E27FC236}">
-                  <a16:creationId xmlns:a16="http://schemas.microsoft.com/office/drawing/2014/main" id="{4ADC442B-FD72-4EAC-B5F6-D722A58CAA52}"/>
-                </a:ext>
-              </a:extLst>
-            </p:cNvPr>
-            <p:cNvSpPr txBox="1"/>
-            <p:nvPr/>
-          </p:nvSpPr>
-          <p:spPr>
-            <a:xfrm>
-              <a:off x="8983807" y="5161705"/>
-              <a:ext cx="417948" cy="461665"/>
-            </a:xfrm>
-            <a:prstGeom prst="rect">
-              <a:avLst/>
-            </a:prstGeom>
-            <a:noFill/>
-          </p:spPr>
-          <p:txBody>
-            <a:bodyPr wrap="square" rtlCol="0">
-              <a:spAutoFit/>
-            </a:bodyPr>
-            <a:lstStyle/>
-            <a:p>
-              <a:pPr algn="ctr"/>
-              <a:r>
-                <a:rPr lang="en-US" sz="2400" dirty="0"/>
-                <a:t>M</a:t>
-              </a:r>
-            </a:p>
-          </p:txBody>
-        </p:sp>
-        <p:sp>
-          <p:nvSpPr>
-            <p:cNvPr id="7" name="TextBox 6">
-              <a:extLst>
-                <a:ext uri="{FF2B5EF4-FFF2-40B4-BE49-F238E27FC236}">
-                  <a16:creationId xmlns:a16="http://schemas.microsoft.com/office/drawing/2014/main" id="{DC950107-23CA-42EC-97A6-B42D24ABE6CA}"/>
-                </a:ext>
-              </a:extLst>
-            </p:cNvPr>
-            <p:cNvSpPr txBox="1"/>
-            <p:nvPr/>
-          </p:nvSpPr>
-          <p:spPr>
-            <a:xfrm>
-              <a:off x="9902519" y="5161703"/>
-              <a:ext cx="417948" cy="461665"/>
-            </a:xfrm>
-            <a:prstGeom prst="rect">
-              <a:avLst/>
-            </a:prstGeom>
-            <a:noFill/>
-          </p:spPr>
-          <p:txBody>
-            <a:bodyPr wrap="square" rtlCol="0">
-              <a:spAutoFit/>
-            </a:bodyPr>
-            <a:lstStyle/>
-            <a:p>
-              <a:pPr algn="ctr"/>
-              <a:r>
-                <a:rPr lang="en-US" sz="2400" dirty="0"/>
-                <a:t>E</a:t>
-              </a:r>
-            </a:p>
-          </p:txBody>
-        </p:sp>
-        <p:sp>
-          <p:nvSpPr>
-            <p:cNvPr id="8" name="TextBox 7">
-              <a:extLst>
-                <a:ext uri="{FF2B5EF4-FFF2-40B4-BE49-F238E27FC236}">
-                  <a16:creationId xmlns:a16="http://schemas.microsoft.com/office/drawing/2014/main" id="{BC8835EA-C5C1-449D-9523-661808BB55D4}"/>
-                </a:ext>
-              </a:extLst>
-            </p:cNvPr>
-            <p:cNvSpPr txBox="1"/>
-            <p:nvPr/>
-          </p:nvSpPr>
-          <p:spPr>
-            <a:xfrm>
-              <a:off x="10824799" y="5161704"/>
-              <a:ext cx="417948" cy="461665"/>
-            </a:xfrm>
-            <a:prstGeom prst="rect">
-              <a:avLst/>
-            </a:prstGeom>
-            <a:noFill/>
-          </p:spPr>
-          <p:txBody>
-            <a:bodyPr wrap="square" rtlCol="0">
-              <a:spAutoFit/>
-            </a:bodyPr>
-            <a:lstStyle/>
-            <a:p>
-              <a:pPr algn="ctr"/>
-              <a:r>
-                <a:rPr lang="en-US" sz="2400" dirty="0"/>
-                <a:t>N</a:t>
-              </a:r>
-            </a:p>
-          </p:txBody>
-        </p:sp>
-      </p:grpSp>
-      <p:sp>
-        <p:nvSpPr>
-          <p:cNvPr id="13" name="Content Placeholder 2">
-            <a:extLst>
-              <a:ext uri="{FF2B5EF4-FFF2-40B4-BE49-F238E27FC236}">
-                <a16:creationId xmlns:a16="http://schemas.microsoft.com/office/drawing/2014/main" id="{EB788315-D714-4D88-9EB1-A0145E270894}"/>
-              </a:ext>
-            </a:extLst>
-          </p:cNvPr>
-          <p:cNvSpPr txBox="1">
-            <a:spLocks/>
-          </p:cNvSpPr>
-          <p:nvPr/>
-        </p:nvSpPr>
-        <p:spPr>
-          <a:xfrm>
-            <a:off x="4593967" y="1152888"/>
-            <a:ext cx="4445258" cy="1618880"/>
-          </a:xfrm>
-          <a:prstGeom prst="rect">
-            <a:avLst/>
-          </a:prstGeom>
-        </p:spPr>
-        <p:txBody>
-          <a:bodyPr vert="horz" lIns="91440" tIns="45720" rIns="91440" bIns="45720" rtlCol="0">
-            <a:normAutofit/>
-          </a:bodyPr>
-          <a:lstStyle>
-            <a:lvl1pPr marL="342900" indent="-342900" algn="l" defTabSz="914400" rtl="0" eaLnBrk="1" latinLnBrk="0" hangingPunct="1">
-              <a:spcBef>
-                <a:spcPct val="20000"/>
-              </a:spcBef>
-              <a:buFont typeface="Arial" panose="020B0604020202020204" pitchFamily="34" charset="0"/>
-              <a:buChar char="•"/>
-              <a:defRPr sz="3200" kern="1200">
-                <a:solidFill>
-                  <a:srgbClr val="20425A"/>
-                </a:solidFill>
-                <a:latin typeface="+mn-lt"/>
-                <a:ea typeface="+mn-ea"/>
-                <a:cs typeface="+mn-cs"/>
-              </a:defRPr>
-            </a:lvl1pPr>
-            <a:lvl2pPr marL="742950" indent="-285750" algn="l" defTabSz="914400" rtl="0" eaLnBrk="1" latinLnBrk="0" hangingPunct="1">
-              <a:spcBef>
-                <a:spcPct val="20000"/>
-              </a:spcBef>
-              <a:buFont typeface="Arial" panose="020B0604020202020204" pitchFamily="34" charset="0"/>
-              <a:buChar char="–"/>
-              <a:defRPr sz="2800" kern="1200">
-                <a:solidFill>
-                  <a:srgbClr val="20425A"/>
-                </a:solidFill>
-                <a:latin typeface="+mn-lt"/>
-                <a:ea typeface="+mn-ea"/>
-                <a:cs typeface="+mn-cs"/>
-              </a:defRPr>
-            </a:lvl2pPr>
-            <a:lvl3pPr marL="1143000" indent="-228600" algn="l" defTabSz="914400" rtl="0" eaLnBrk="1" latinLnBrk="0" hangingPunct="1">
-              <a:spcBef>
-                <a:spcPct val="20000"/>
-              </a:spcBef>
-              <a:buFont typeface="Arial" panose="020B0604020202020204" pitchFamily="34" charset="0"/>
-              <a:buChar char="•"/>
-              <a:defRPr sz="2400" kern="1200">
-                <a:solidFill>
-                  <a:srgbClr val="20425A"/>
-                </a:solidFill>
-                <a:latin typeface="+mn-lt"/>
-                <a:ea typeface="+mn-ea"/>
-                <a:cs typeface="+mn-cs"/>
-              </a:defRPr>
-            </a:lvl3pPr>
-            <a:lvl4pPr marL="1600200" indent="-228600" algn="l" defTabSz="914400" rtl="0" eaLnBrk="1" latinLnBrk="0" hangingPunct="1">
-              <a:spcBef>
-                <a:spcPct val="20000"/>
-              </a:spcBef>
-              <a:buFont typeface="Arial" panose="020B0604020202020204" pitchFamily="34" charset="0"/>
-              <a:buChar char="–"/>
-              <a:defRPr sz="2000" kern="1200">
-                <a:solidFill>
-                  <a:srgbClr val="20425A"/>
-                </a:solidFill>
-                <a:latin typeface="+mn-lt"/>
-                <a:ea typeface="+mn-ea"/>
-                <a:cs typeface="+mn-cs"/>
-              </a:defRPr>
-            </a:lvl4pPr>
-            <a:lvl5pPr marL="2057400" indent="-228600" algn="l" defTabSz="914400" rtl="0" eaLnBrk="1" latinLnBrk="0" hangingPunct="1">
-              <a:spcBef>
-                <a:spcPct val="20000"/>
-              </a:spcBef>
-              <a:buFont typeface="Arial" panose="020B0604020202020204" pitchFamily="34" charset="0"/>
-              <a:buChar char="»"/>
-              <a:defRPr sz="2000" kern="1200">
-                <a:solidFill>
-                  <a:srgbClr val="20425A"/>
-                </a:solidFill>
-                <a:latin typeface="+mn-lt"/>
-                <a:ea typeface="+mn-ea"/>
-                <a:cs typeface="+mn-cs"/>
-              </a:defRPr>
-            </a:lvl5pPr>
-            <a:lvl6pPr marL="2514600" indent="-228600" algn="l" defTabSz="914400" rtl="0" eaLnBrk="1" latinLnBrk="0" hangingPunct="1">
-              <a:spcBef>
-                <a:spcPct val="20000"/>
-              </a:spcBef>
-              <a:buFont typeface="Arial" panose="020B0604020202020204" pitchFamily="34" charset="0"/>
-              <a:buChar char="•"/>
-              <a:defRPr sz="2000" kern="1200">
-                <a:solidFill>
-                  <a:schemeClr val="tx1"/>
-                </a:solidFill>
-                <a:latin typeface="+mn-lt"/>
-                <a:ea typeface="+mn-ea"/>
-                <a:cs typeface="+mn-cs"/>
-              </a:defRPr>
-            </a:lvl6pPr>
-            <a:lvl7pPr marL="2971800" indent="-228600" algn="l" defTabSz="914400" rtl="0" eaLnBrk="1" latinLnBrk="0" hangingPunct="1">
-              <a:spcBef>
-                <a:spcPct val="20000"/>
-              </a:spcBef>
-              <a:buFont typeface="Arial" panose="020B0604020202020204" pitchFamily="34" charset="0"/>
-              <a:buChar char="•"/>
-              <a:defRPr sz="2000" kern="1200">
-                <a:solidFill>
-                  <a:schemeClr val="tx1"/>
-                </a:solidFill>
-                <a:latin typeface="+mn-lt"/>
-                <a:ea typeface="+mn-ea"/>
-                <a:cs typeface="+mn-cs"/>
-              </a:defRPr>
-            </a:lvl7pPr>
-            <a:lvl8pPr marL="3429000" indent="-228600" algn="l" defTabSz="914400" rtl="0" eaLnBrk="1" latinLnBrk="0" hangingPunct="1">
-              <a:spcBef>
-                <a:spcPct val="20000"/>
-              </a:spcBef>
-              <a:buFont typeface="Arial" panose="020B0604020202020204" pitchFamily="34" charset="0"/>
-              <a:buChar char="•"/>
-              <a:defRPr sz="2000" kern="1200">
-                <a:solidFill>
-                  <a:schemeClr val="tx1"/>
-                </a:solidFill>
-                <a:latin typeface="+mn-lt"/>
-                <a:ea typeface="+mn-ea"/>
-                <a:cs typeface="+mn-cs"/>
-              </a:defRPr>
-            </a:lvl8pPr>
-            <a:lvl9pPr marL="3886200" indent="-228600" algn="l" defTabSz="914400" rtl="0" eaLnBrk="1" latinLnBrk="0" hangingPunct="1">
-              <a:spcBef>
-                <a:spcPct val="20000"/>
-              </a:spcBef>
-              <a:buFont typeface="Arial" panose="020B0604020202020204" pitchFamily="34" charset="0"/>
-              <a:buChar char="•"/>
-              <a:defRPr sz="2000" kern="1200">
-                <a:solidFill>
-                  <a:schemeClr val="tx1"/>
-                </a:solidFill>
-                <a:latin typeface="+mn-lt"/>
-                <a:ea typeface="+mn-ea"/>
-                <a:cs typeface="+mn-cs"/>
-              </a:defRPr>
-            </a:lvl9pPr>
-          </a:lstStyle>
-          <a:p>
-            <a:r>
-              <a:rPr lang="en-US" sz="2800" dirty="0"/>
-              <a:t>E = PPI or H2 Blocker</a:t>
-            </a:r>
-          </a:p>
-          <a:p>
-            <a:r>
-              <a:rPr lang="en-US" sz="2800" dirty="0"/>
-              <a:t>N = Effects of lightning</a:t>
-            </a:r>
-            <a:br>
-              <a:rPr lang="en-US" sz="2800" dirty="0"/>
-            </a:br>
-            <a:r>
-              <a:rPr lang="en-US" sz="2000" i="1" dirty="0"/>
-              <a:t>(CEM Suggested)</a:t>
-            </a:r>
-            <a:endParaRPr lang="en-US" sz="2000" dirty="0"/>
-          </a:p>
-          <a:p>
-            <a:endParaRPr lang="en-US" sz="2800" dirty="0"/>
-          </a:p>
-        </p:txBody>
-      </p:sp>
-      <p:sp>
-        <p:nvSpPr>
-          <p:cNvPr id="15" name="Slide Number Placeholder 14">
-            <a:extLst>
-              <a:ext uri="{FF2B5EF4-FFF2-40B4-BE49-F238E27FC236}">
-                <a16:creationId xmlns:a16="http://schemas.microsoft.com/office/drawing/2014/main" id="{0EBD5669-735D-4D12-A3BA-9760575EAA74}"/>
-              </a:ext>
-            </a:extLst>
-          </p:cNvPr>
-          <p:cNvSpPr>
-            <a:spLocks noGrp="1"/>
-          </p:cNvSpPr>
-          <p:nvPr>
-            <p:ph type="sldNum" sz="quarter" idx="4"/>
-          </p:nvPr>
-        </p:nvSpPr>
-        <p:spPr/>
-        <p:txBody>
-          <a:bodyPr/>
-          <a:lstStyle/>
-          <a:p>
-            <a:fld id="{6C7F68B8-17AD-4146-95CB-9237D810DA91}" type="slidenum">
-              <a:rPr lang="en-US" smtClean="0"/>
-              <a:t>39</a:t>
-            </a:fld>
-            <a:endParaRPr lang="en-US" dirty="0"/>
-          </a:p>
-        </p:txBody>
-      </p:sp>
-      <p:sp>
-        <p:nvSpPr>
-          <p:cNvPr id="18" name="Content Placeholder 2">
-            <a:extLst>
-              <a:ext uri="{FF2B5EF4-FFF2-40B4-BE49-F238E27FC236}">
-                <a16:creationId xmlns:a16="http://schemas.microsoft.com/office/drawing/2014/main" id="{10A11A2C-045A-4190-BD56-94C8311435D3}"/>
-              </a:ext>
-            </a:extLst>
-          </p:cNvPr>
-          <p:cNvSpPr txBox="1">
-            <a:spLocks/>
-          </p:cNvSpPr>
-          <p:nvPr/>
-        </p:nvSpPr>
-        <p:spPr>
-          <a:xfrm>
-            <a:off x="3237106" y="2894654"/>
-            <a:ext cx="5449694" cy="3231511"/>
-          </a:xfrm>
-          <a:prstGeom prst="rect">
-            <a:avLst/>
-          </a:prstGeom>
-        </p:spPr>
-        <p:txBody>
-          <a:bodyPr vert="horz" lIns="91440" tIns="45720" rIns="91440" bIns="45720" rtlCol="0" anchor="ctr">
-            <a:normAutofit/>
-          </a:bodyPr>
-          <a:lstStyle>
-            <a:lvl1pPr marL="342900" indent="-342900" algn="l" defTabSz="914400" rtl="0" eaLnBrk="1" latinLnBrk="0" hangingPunct="1">
-              <a:spcBef>
-                <a:spcPct val="20000"/>
-              </a:spcBef>
-              <a:buFont typeface="Arial" panose="020B0604020202020204" pitchFamily="34" charset="0"/>
-              <a:buChar char="•"/>
-              <a:defRPr sz="3200" kern="1200">
-                <a:solidFill>
-                  <a:srgbClr val="20425A"/>
-                </a:solidFill>
-                <a:latin typeface="+mn-lt"/>
-                <a:ea typeface="+mn-ea"/>
-                <a:cs typeface="+mn-cs"/>
-              </a:defRPr>
-            </a:lvl1pPr>
-            <a:lvl2pPr marL="742950" indent="-285750" algn="l" defTabSz="914400" rtl="0" eaLnBrk="1" latinLnBrk="0" hangingPunct="1">
-              <a:spcBef>
-                <a:spcPct val="20000"/>
-              </a:spcBef>
-              <a:buFont typeface="Arial" panose="020B0604020202020204" pitchFamily="34" charset="0"/>
-              <a:buChar char="–"/>
-              <a:defRPr sz="2800" kern="1200">
-                <a:solidFill>
-                  <a:srgbClr val="20425A"/>
-                </a:solidFill>
-                <a:latin typeface="+mn-lt"/>
-                <a:ea typeface="+mn-ea"/>
-                <a:cs typeface="+mn-cs"/>
-              </a:defRPr>
-            </a:lvl2pPr>
-            <a:lvl3pPr marL="1143000" indent="-228600" algn="l" defTabSz="914400" rtl="0" eaLnBrk="1" latinLnBrk="0" hangingPunct="1">
-              <a:spcBef>
-                <a:spcPct val="20000"/>
-              </a:spcBef>
-              <a:buFont typeface="Arial" panose="020B0604020202020204" pitchFamily="34" charset="0"/>
-              <a:buChar char="•"/>
-              <a:defRPr sz="2400" kern="1200">
-                <a:solidFill>
-                  <a:srgbClr val="20425A"/>
-                </a:solidFill>
-                <a:latin typeface="+mn-lt"/>
-                <a:ea typeface="+mn-ea"/>
-                <a:cs typeface="+mn-cs"/>
-              </a:defRPr>
-            </a:lvl3pPr>
-            <a:lvl4pPr marL="1600200" indent="-228600" algn="l" defTabSz="914400" rtl="0" eaLnBrk="1" latinLnBrk="0" hangingPunct="1">
-              <a:spcBef>
-                <a:spcPct val="20000"/>
-              </a:spcBef>
-              <a:buFont typeface="Arial" panose="020B0604020202020204" pitchFamily="34" charset="0"/>
-              <a:buChar char="–"/>
-              <a:defRPr sz="2000" kern="1200">
-                <a:solidFill>
-                  <a:srgbClr val="20425A"/>
-                </a:solidFill>
-                <a:latin typeface="+mn-lt"/>
-                <a:ea typeface="+mn-ea"/>
-                <a:cs typeface="+mn-cs"/>
-              </a:defRPr>
-            </a:lvl4pPr>
-            <a:lvl5pPr marL="2057400" indent="-228600" algn="l" defTabSz="914400" rtl="0" eaLnBrk="1" latinLnBrk="0" hangingPunct="1">
-              <a:spcBef>
-                <a:spcPct val="20000"/>
-              </a:spcBef>
-              <a:buFont typeface="Arial" panose="020B0604020202020204" pitchFamily="34" charset="0"/>
-              <a:buChar char="»"/>
-              <a:defRPr sz="2000" kern="1200">
-                <a:solidFill>
-                  <a:srgbClr val="20425A"/>
-                </a:solidFill>
-                <a:latin typeface="+mn-lt"/>
-                <a:ea typeface="+mn-ea"/>
-                <a:cs typeface="+mn-cs"/>
-              </a:defRPr>
-            </a:lvl5pPr>
-            <a:lvl6pPr marL="2514600" indent="-228600" algn="l" defTabSz="914400" rtl="0" eaLnBrk="1" latinLnBrk="0" hangingPunct="1">
-              <a:spcBef>
-                <a:spcPct val="20000"/>
-              </a:spcBef>
-              <a:buFont typeface="Arial" panose="020B0604020202020204" pitchFamily="34" charset="0"/>
-              <a:buChar char="•"/>
-              <a:defRPr sz="2000" kern="1200">
-                <a:solidFill>
-                  <a:schemeClr val="tx1"/>
-                </a:solidFill>
-                <a:latin typeface="+mn-lt"/>
-                <a:ea typeface="+mn-ea"/>
-                <a:cs typeface="+mn-cs"/>
-              </a:defRPr>
-            </a:lvl6pPr>
-            <a:lvl7pPr marL="2971800" indent="-228600" algn="l" defTabSz="914400" rtl="0" eaLnBrk="1" latinLnBrk="0" hangingPunct="1">
-              <a:spcBef>
-                <a:spcPct val="20000"/>
-              </a:spcBef>
-              <a:buFont typeface="Arial" panose="020B0604020202020204" pitchFamily="34" charset="0"/>
-              <a:buChar char="•"/>
-              <a:defRPr sz="2000" kern="1200">
-                <a:solidFill>
-                  <a:schemeClr val="tx1"/>
-                </a:solidFill>
-                <a:latin typeface="+mn-lt"/>
-                <a:ea typeface="+mn-ea"/>
-                <a:cs typeface="+mn-cs"/>
-              </a:defRPr>
-            </a:lvl7pPr>
-            <a:lvl8pPr marL="3429000" indent="-228600" algn="l" defTabSz="914400" rtl="0" eaLnBrk="1" latinLnBrk="0" hangingPunct="1">
-              <a:spcBef>
-                <a:spcPct val="20000"/>
-              </a:spcBef>
-              <a:buFont typeface="Arial" panose="020B0604020202020204" pitchFamily="34" charset="0"/>
-              <a:buChar char="•"/>
-              <a:defRPr sz="2000" kern="1200">
-                <a:solidFill>
-                  <a:schemeClr val="tx1"/>
-                </a:solidFill>
-                <a:latin typeface="+mn-lt"/>
-                <a:ea typeface="+mn-ea"/>
-                <a:cs typeface="+mn-cs"/>
-              </a:defRPr>
-            </a:lvl8pPr>
-            <a:lvl9pPr marL="3886200" indent="-228600" algn="l" defTabSz="914400" rtl="0" eaLnBrk="1" latinLnBrk="0" hangingPunct="1">
-              <a:spcBef>
-                <a:spcPct val="20000"/>
-              </a:spcBef>
-              <a:buFont typeface="Arial" panose="020B0604020202020204" pitchFamily="34" charset="0"/>
-              <a:buChar char="•"/>
-              <a:defRPr sz="2000" kern="1200">
-                <a:solidFill>
-                  <a:schemeClr val="tx1"/>
-                </a:solidFill>
-                <a:latin typeface="+mn-lt"/>
-                <a:ea typeface="+mn-ea"/>
-                <a:cs typeface="+mn-cs"/>
-              </a:defRPr>
-            </a:lvl9pPr>
-          </a:lstStyle>
-          <a:p>
-            <a:pPr marL="0" indent="0" algn="ctr">
-              <a:buNone/>
-            </a:pPr>
-            <a:r>
-              <a:rPr lang="en-US" dirty="0"/>
-              <a:t>CEM cannot determine which concepts lack similar confounding relationships.</a:t>
-            </a:r>
-          </a:p>
-        </p:txBody>
-      </p:sp>
-      <p:pic>
-        <p:nvPicPr>
-          <p:cNvPr id="19" name="Picture 4" descr="https://render.bitstrips.com/v2/cpanel/7c560e91-d819-491c-9658-378012eb1aea-c74a94ff-6dd3-467d-8a8c-99fcb8383966-v1.png?transparent=1&amp;palette=1">
-            <a:extLst>
-              <a:ext uri="{FF2B5EF4-FFF2-40B4-BE49-F238E27FC236}">
-                <a16:creationId xmlns:a16="http://schemas.microsoft.com/office/drawing/2014/main" id="{23A81635-B170-4B5C-982D-995E6156AAB7}"/>
-              </a:ext>
-            </a:extLst>
-          </p:cNvPr>
-          <p:cNvPicPr>
-            <a:picLocks noChangeAspect="1" noChangeArrowheads="1"/>
-          </p:cNvPicPr>
-          <p:nvPr/>
-        </p:nvPicPr>
-        <p:blipFill>
-          <a:blip r:embed="rId3">
-            <a:extLst>
-              <a:ext uri="{28A0092B-C50C-407E-A947-70E740481C1C}">
-                <a14:useLocalDpi xmlns:a14="http://schemas.microsoft.com/office/drawing/2010/main" val="0"/>
-              </a:ext>
-            </a:extLst>
-          </a:blip>
-          <a:srcRect/>
-          <a:stretch>
-            <a:fillRect/>
-          </a:stretch>
-        </p:blipFill>
-        <p:spPr bwMode="auto">
-          <a:xfrm>
-            <a:off x="1021756" y="2894651"/>
-            <a:ext cx="2482218" cy="2482218"/>
-          </a:xfrm>
-          <a:prstGeom prst="rect">
-            <a:avLst/>
-          </a:prstGeom>
-          <a:noFill/>
-          <a:extLst>
-            <a:ext uri="{909E8E84-426E-40DD-AFC4-6F175D3DCCD1}">
-              <a14:hiddenFill xmlns:a14="http://schemas.microsoft.com/office/drawing/2010/main">
-                <a:solidFill>
-                  <a:srgbClr val="FFFFFF"/>
-                </a:solidFill>
-              </a14:hiddenFill>
-            </a:ext>
-          </a:extLst>
-        </p:spPr>
-      </p:pic>
-    </p:spTree>
-    <p:extLst>
-      <p:ext uri="{BB962C8B-B14F-4D97-AF65-F5344CB8AC3E}">
-        <p14:creationId xmlns:p14="http://schemas.microsoft.com/office/powerpoint/2010/main" val="2347284618"/>
-      </p:ext>
-    </p:extLst>
-  </p:cSld>
-  <p:clrMapOvr>
-    <a:masterClrMapping/>
-  </p:clrMapOvr>
-</p:sld>
-</file>
-
 <file path=ppt/slides/slide4.xml><?xml version="1.0" encoding="utf-8"?>
 <p:sld xmlns:a="http://schemas.openxmlformats.org/drawingml/2006/main" xmlns:r="http://schemas.openxmlformats.org/officeDocument/2006/relationships" xmlns:p="http://schemas.openxmlformats.org/presentationml/2006/main">
   <p:cSld>
@@ -24146,7 +25381,7 @@
           <p:nvPr/>
         </p:nvPicPr>
         <p:blipFill>
-          <a:blip r:embed="rId2"/>
+          <a:blip r:embed="rId3"/>
           <a:stretch>
             <a:fillRect/>
           </a:stretch>
@@ -24190,7 +25425,7 @@
           <p:nvPr/>
         </p:nvPicPr>
         <p:blipFill>
-          <a:blip r:embed="rId3"/>
+          <a:blip r:embed="rId4"/>
           <a:stretch>
             <a:fillRect/>
           </a:stretch>
@@ -24234,7 +25469,7 @@
           <p:nvPr/>
         </p:nvPicPr>
         <p:blipFill>
-          <a:blip r:embed="rId4"/>
+          <a:blip r:embed="rId5"/>
           <a:stretch>
             <a:fillRect/>
           </a:stretch>
@@ -24463,7 +25698,7 @@
           <p:cNvPr id="2" name="Title 1">
             <a:extLst>
               <a:ext uri="{FF2B5EF4-FFF2-40B4-BE49-F238E27FC236}">
-                <a16:creationId xmlns:a16="http://schemas.microsoft.com/office/drawing/2014/main" id="{01FE7EDB-91F9-4A55-A150-E5D52D335A0B}"/>
+                <a16:creationId xmlns:a16="http://schemas.microsoft.com/office/drawing/2014/main" id="{8E9DC8D5-55DF-4129-953E-103946BDB135}"/>
               </a:ext>
             </a:extLst>
           </p:cNvPr>
@@ -24483,70 +25718,146 @@
           <a:p>
             <a:r>
               <a:rPr lang="en-US" dirty="0"/>
-              <a:t>Bad:  Outcome not Prevalent</a:t>
+              <a:t>Bad: No Confounding Relationships</a:t>
             </a:r>
           </a:p>
         </p:txBody>
       </p:sp>
-      <p:sp>
-        <p:nvSpPr>
-          <p:cNvPr id="3" name="Content Placeholder 2">
+      <p:grpSp>
+        <p:nvGrpSpPr>
+          <p:cNvPr id="5" name="Group 4">
             <a:extLst>
               <a:ext uri="{FF2B5EF4-FFF2-40B4-BE49-F238E27FC236}">
-                <a16:creationId xmlns:a16="http://schemas.microsoft.com/office/drawing/2014/main" id="{A50C25CF-BE8E-437C-8A41-FFE11152B282}"/>
+                <a16:creationId xmlns:a16="http://schemas.microsoft.com/office/drawing/2014/main" id="{A90AC907-E0E6-4FDD-9AA2-80C9D92602F1}"/>
               </a:ext>
             </a:extLst>
           </p:cNvPr>
-          <p:cNvSpPr>
-            <a:spLocks noGrp="1"/>
-          </p:cNvSpPr>
-          <p:nvPr>
-            <p:ph idx="1"/>
-          </p:nvPr>
-        </p:nvSpPr>
-        <p:spPr>
+          <p:cNvGrpSpPr/>
+          <p:nvPr/>
+        </p:nvGrpSpPr>
+        <p:grpSpPr>
           <a:xfrm>
-            <a:off x="457200" y="2548327"/>
-            <a:ext cx="8229600" cy="3577837"/>
+            <a:off x="1396114" y="1405232"/>
+            <a:ext cx="2258940" cy="461667"/>
+            <a:chOff x="8983807" y="5161703"/>
+            <a:chExt cx="2258940" cy="461667"/>
           </a:xfrm>
-        </p:spPr>
-        <p:txBody>
-          <a:bodyPr>
-            <a:normAutofit/>
-          </a:bodyPr>
-          <a:lstStyle/>
-          <a:p>
-            <a:r>
-              <a:rPr lang="en-US" dirty="0"/>
-              <a:t>If an outcome is not prevalent does it make a good negative control?</a:t>
-            </a:r>
-          </a:p>
-          <a:p>
-            <a:endParaRPr lang="en-US" dirty="0"/>
-          </a:p>
-          <a:p>
-            <a:r>
-              <a:rPr lang="en-US" dirty="0"/>
-              <a:t> CCAE only has 104 people with an absent nipple </a:t>
-            </a:r>
-          </a:p>
-          <a:p>
-            <a:endParaRPr lang="en-US" dirty="0"/>
-          </a:p>
-          <a:p>
-            <a:r>
-              <a:rPr lang="en-US" dirty="0"/>
-              <a:t>Concepts that are so rare, you are unlikely to produce an effect estimate with enough precision to be informative</a:t>
-            </a:r>
-          </a:p>
-        </p:txBody>
-      </p:sp>
-      <p:sp>
-        <p:nvSpPr>
-          <p:cNvPr id="5" name="Content Placeholder 2">
+        </p:grpSpPr>
+        <p:sp>
+          <p:nvSpPr>
+            <p:cNvPr id="6" name="TextBox 5">
+              <a:extLst>
+                <a:ext uri="{FF2B5EF4-FFF2-40B4-BE49-F238E27FC236}">
+                  <a16:creationId xmlns:a16="http://schemas.microsoft.com/office/drawing/2014/main" id="{4ADC442B-FD72-4EAC-B5F6-D722A58CAA52}"/>
+                </a:ext>
+              </a:extLst>
+            </p:cNvPr>
+            <p:cNvSpPr txBox="1"/>
+            <p:nvPr/>
+          </p:nvSpPr>
+          <p:spPr>
+            <a:xfrm>
+              <a:off x="8983807" y="5161705"/>
+              <a:ext cx="417948" cy="461665"/>
+            </a:xfrm>
+            <a:prstGeom prst="rect">
+              <a:avLst/>
+            </a:prstGeom>
+            <a:noFill/>
+          </p:spPr>
+          <p:txBody>
+            <a:bodyPr wrap="square" rtlCol="0">
+              <a:spAutoFit/>
+            </a:bodyPr>
+            <a:lstStyle/>
+            <a:p>
+              <a:pPr algn="ctr"/>
+              <a:r>
+                <a:rPr lang="en-US" sz="2400" dirty="0"/>
+                <a:t>M</a:t>
+              </a:r>
+            </a:p>
+          </p:txBody>
+        </p:sp>
+        <p:sp>
+          <p:nvSpPr>
+            <p:cNvPr id="7" name="TextBox 6">
+              <a:extLst>
+                <a:ext uri="{FF2B5EF4-FFF2-40B4-BE49-F238E27FC236}">
+                  <a16:creationId xmlns:a16="http://schemas.microsoft.com/office/drawing/2014/main" id="{DC950107-23CA-42EC-97A6-B42D24ABE6CA}"/>
+                </a:ext>
+              </a:extLst>
+            </p:cNvPr>
+            <p:cNvSpPr txBox="1"/>
+            <p:nvPr/>
+          </p:nvSpPr>
+          <p:spPr>
+            <a:xfrm>
+              <a:off x="9902519" y="5161703"/>
+              <a:ext cx="417948" cy="461665"/>
+            </a:xfrm>
+            <a:prstGeom prst="rect">
+              <a:avLst/>
+            </a:prstGeom>
+            <a:noFill/>
+          </p:spPr>
+          <p:txBody>
+            <a:bodyPr wrap="square" rtlCol="0">
+              <a:spAutoFit/>
+            </a:bodyPr>
+            <a:lstStyle/>
+            <a:p>
+              <a:pPr algn="ctr"/>
+              <a:r>
+                <a:rPr lang="en-US" sz="2400" dirty="0"/>
+                <a:t>E</a:t>
+              </a:r>
+            </a:p>
+          </p:txBody>
+        </p:sp>
+        <p:sp>
+          <p:nvSpPr>
+            <p:cNvPr id="8" name="TextBox 7">
+              <a:extLst>
+                <a:ext uri="{FF2B5EF4-FFF2-40B4-BE49-F238E27FC236}">
+                  <a16:creationId xmlns:a16="http://schemas.microsoft.com/office/drawing/2014/main" id="{BC8835EA-C5C1-449D-9523-661808BB55D4}"/>
+                </a:ext>
+              </a:extLst>
+            </p:cNvPr>
+            <p:cNvSpPr txBox="1"/>
+            <p:nvPr/>
+          </p:nvSpPr>
+          <p:spPr>
+            <a:xfrm>
+              <a:off x="10824799" y="5161704"/>
+              <a:ext cx="417948" cy="461665"/>
+            </a:xfrm>
+            <a:prstGeom prst="rect">
+              <a:avLst/>
+            </a:prstGeom>
+            <a:noFill/>
+          </p:spPr>
+          <p:txBody>
+            <a:bodyPr wrap="square" rtlCol="0">
+              <a:spAutoFit/>
+            </a:bodyPr>
+            <a:lstStyle/>
+            <a:p>
+              <a:pPr algn="ctr"/>
+              <a:r>
+                <a:rPr lang="en-US" sz="2400" dirty="0"/>
+                <a:t>N</a:t>
+              </a:r>
+            </a:p>
+          </p:txBody>
+        </p:sp>
+      </p:grpSp>
+      <p:sp>
+        <p:nvSpPr>
+          <p:cNvPr id="13" name="Content Placeholder 2">
             <a:extLst>
               <a:ext uri="{FF2B5EF4-FFF2-40B4-BE49-F238E27FC236}">
-                <a16:creationId xmlns:a16="http://schemas.microsoft.com/office/drawing/2014/main" id="{7FC217C5-43F9-40D3-85AA-5D76BF12C227}"/>
+                <a16:creationId xmlns:a16="http://schemas.microsoft.com/office/drawing/2014/main" id="{EB788315-D714-4D88-9EB1-A0145E270894}"/>
               </a:ext>
             </a:extLst>
           </p:cNvPr>
@@ -24714,6 +26025,559 @@
           <a:p>
             <a:r>
               <a:rPr lang="en-US" sz="2800" dirty="0"/>
+              <a:t>N = Effects of lightning</a:t>
+            </a:r>
+            <a:br>
+              <a:rPr lang="en-US" sz="2800" dirty="0"/>
+            </a:br>
+            <a:r>
+              <a:rPr lang="en-US" sz="2000" i="1" dirty="0"/>
+              <a:t>(CEM Suggested)</a:t>
+            </a:r>
+            <a:endParaRPr lang="en-US" sz="2000" dirty="0"/>
+          </a:p>
+          <a:p>
+            <a:endParaRPr lang="en-US" sz="2800" dirty="0"/>
+          </a:p>
+        </p:txBody>
+      </p:sp>
+      <p:sp>
+        <p:nvSpPr>
+          <p:cNvPr id="15" name="Slide Number Placeholder 14">
+            <a:extLst>
+              <a:ext uri="{FF2B5EF4-FFF2-40B4-BE49-F238E27FC236}">
+                <a16:creationId xmlns:a16="http://schemas.microsoft.com/office/drawing/2014/main" id="{0EBD5669-735D-4D12-A3BA-9760575EAA74}"/>
+              </a:ext>
+            </a:extLst>
+          </p:cNvPr>
+          <p:cNvSpPr>
+            <a:spLocks noGrp="1"/>
+          </p:cNvSpPr>
+          <p:nvPr>
+            <p:ph type="sldNum" sz="quarter" idx="4"/>
+          </p:nvPr>
+        </p:nvSpPr>
+        <p:spPr/>
+        <p:txBody>
+          <a:bodyPr/>
+          <a:lstStyle/>
+          <a:p>
+            <a:fld id="{6C7F68B8-17AD-4146-95CB-9237D810DA91}" type="slidenum">
+              <a:rPr lang="en-US" smtClean="0"/>
+              <a:t>40</a:t>
+            </a:fld>
+            <a:endParaRPr lang="en-US" dirty="0"/>
+          </a:p>
+        </p:txBody>
+      </p:sp>
+      <p:sp>
+        <p:nvSpPr>
+          <p:cNvPr id="18" name="Content Placeholder 2">
+            <a:extLst>
+              <a:ext uri="{FF2B5EF4-FFF2-40B4-BE49-F238E27FC236}">
+                <a16:creationId xmlns:a16="http://schemas.microsoft.com/office/drawing/2014/main" id="{10A11A2C-045A-4190-BD56-94C8311435D3}"/>
+              </a:ext>
+            </a:extLst>
+          </p:cNvPr>
+          <p:cNvSpPr txBox="1">
+            <a:spLocks/>
+          </p:cNvSpPr>
+          <p:nvPr/>
+        </p:nvSpPr>
+        <p:spPr>
+          <a:xfrm>
+            <a:off x="3237106" y="2894654"/>
+            <a:ext cx="5449694" cy="3231511"/>
+          </a:xfrm>
+          <a:prstGeom prst="rect">
+            <a:avLst/>
+          </a:prstGeom>
+        </p:spPr>
+        <p:txBody>
+          <a:bodyPr vert="horz" lIns="91440" tIns="45720" rIns="91440" bIns="45720" rtlCol="0" anchor="ctr">
+            <a:normAutofit/>
+          </a:bodyPr>
+          <a:lstStyle>
+            <a:lvl1pPr marL="342900" indent="-342900" algn="l" defTabSz="914400" rtl="0" eaLnBrk="1" latinLnBrk="0" hangingPunct="1">
+              <a:spcBef>
+                <a:spcPct val="20000"/>
+              </a:spcBef>
+              <a:buFont typeface="Arial" panose="020B0604020202020204" pitchFamily="34" charset="0"/>
+              <a:buChar char="•"/>
+              <a:defRPr sz="3200" kern="1200">
+                <a:solidFill>
+                  <a:srgbClr val="20425A"/>
+                </a:solidFill>
+                <a:latin typeface="+mn-lt"/>
+                <a:ea typeface="+mn-ea"/>
+                <a:cs typeface="+mn-cs"/>
+              </a:defRPr>
+            </a:lvl1pPr>
+            <a:lvl2pPr marL="742950" indent="-285750" algn="l" defTabSz="914400" rtl="0" eaLnBrk="1" latinLnBrk="0" hangingPunct="1">
+              <a:spcBef>
+                <a:spcPct val="20000"/>
+              </a:spcBef>
+              <a:buFont typeface="Arial" panose="020B0604020202020204" pitchFamily="34" charset="0"/>
+              <a:buChar char="–"/>
+              <a:defRPr sz="2800" kern="1200">
+                <a:solidFill>
+                  <a:srgbClr val="20425A"/>
+                </a:solidFill>
+                <a:latin typeface="+mn-lt"/>
+                <a:ea typeface="+mn-ea"/>
+                <a:cs typeface="+mn-cs"/>
+              </a:defRPr>
+            </a:lvl2pPr>
+            <a:lvl3pPr marL="1143000" indent="-228600" algn="l" defTabSz="914400" rtl="0" eaLnBrk="1" latinLnBrk="0" hangingPunct="1">
+              <a:spcBef>
+                <a:spcPct val="20000"/>
+              </a:spcBef>
+              <a:buFont typeface="Arial" panose="020B0604020202020204" pitchFamily="34" charset="0"/>
+              <a:buChar char="•"/>
+              <a:defRPr sz="2400" kern="1200">
+                <a:solidFill>
+                  <a:srgbClr val="20425A"/>
+                </a:solidFill>
+                <a:latin typeface="+mn-lt"/>
+                <a:ea typeface="+mn-ea"/>
+                <a:cs typeface="+mn-cs"/>
+              </a:defRPr>
+            </a:lvl3pPr>
+            <a:lvl4pPr marL="1600200" indent="-228600" algn="l" defTabSz="914400" rtl="0" eaLnBrk="1" latinLnBrk="0" hangingPunct="1">
+              <a:spcBef>
+                <a:spcPct val="20000"/>
+              </a:spcBef>
+              <a:buFont typeface="Arial" panose="020B0604020202020204" pitchFamily="34" charset="0"/>
+              <a:buChar char="–"/>
+              <a:defRPr sz="2000" kern="1200">
+                <a:solidFill>
+                  <a:srgbClr val="20425A"/>
+                </a:solidFill>
+                <a:latin typeface="+mn-lt"/>
+                <a:ea typeface="+mn-ea"/>
+                <a:cs typeface="+mn-cs"/>
+              </a:defRPr>
+            </a:lvl4pPr>
+            <a:lvl5pPr marL="2057400" indent="-228600" algn="l" defTabSz="914400" rtl="0" eaLnBrk="1" latinLnBrk="0" hangingPunct="1">
+              <a:spcBef>
+                <a:spcPct val="20000"/>
+              </a:spcBef>
+              <a:buFont typeface="Arial" panose="020B0604020202020204" pitchFamily="34" charset="0"/>
+              <a:buChar char="»"/>
+              <a:defRPr sz="2000" kern="1200">
+                <a:solidFill>
+                  <a:srgbClr val="20425A"/>
+                </a:solidFill>
+                <a:latin typeface="+mn-lt"/>
+                <a:ea typeface="+mn-ea"/>
+                <a:cs typeface="+mn-cs"/>
+              </a:defRPr>
+            </a:lvl5pPr>
+            <a:lvl6pPr marL="2514600" indent="-228600" algn="l" defTabSz="914400" rtl="0" eaLnBrk="1" latinLnBrk="0" hangingPunct="1">
+              <a:spcBef>
+                <a:spcPct val="20000"/>
+              </a:spcBef>
+              <a:buFont typeface="Arial" panose="020B0604020202020204" pitchFamily="34" charset="0"/>
+              <a:buChar char="•"/>
+              <a:defRPr sz="2000" kern="1200">
+                <a:solidFill>
+                  <a:schemeClr val="tx1"/>
+                </a:solidFill>
+                <a:latin typeface="+mn-lt"/>
+                <a:ea typeface="+mn-ea"/>
+                <a:cs typeface="+mn-cs"/>
+              </a:defRPr>
+            </a:lvl6pPr>
+            <a:lvl7pPr marL="2971800" indent="-228600" algn="l" defTabSz="914400" rtl="0" eaLnBrk="1" latinLnBrk="0" hangingPunct="1">
+              <a:spcBef>
+                <a:spcPct val="20000"/>
+              </a:spcBef>
+              <a:buFont typeface="Arial" panose="020B0604020202020204" pitchFamily="34" charset="0"/>
+              <a:buChar char="•"/>
+              <a:defRPr sz="2000" kern="1200">
+                <a:solidFill>
+                  <a:schemeClr val="tx1"/>
+                </a:solidFill>
+                <a:latin typeface="+mn-lt"/>
+                <a:ea typeface="+mn-ea"/>
+                <a:cs typeface="+mn-cs"/>
+              </a:defRPr>
+            </a:lvl7pPr>
+            <a:lvl8pPr marL="3429000" indent="-228600" algn="l" defTabSz="914400" rtl="0" eaLnBrk="1" latinLnBrk="0" hangingPunct="1">
+              <a:spcBef>
+                <a:spcPct val="20000"/>
+              </a:spcBef>
+              <a:buFont typeface="Arial" panose="020B0604020202020204" pitchFamily="34" charset="0"/>
+              <a:buChar char="•"/>
+              <a:defRPr sz="2000" kern="1200">
+                <a:solidFill>
+                  <a:schemeClr val="tx1"/>
+                </a:solidFill>
+                <a:latin typeface="+mn-lt"/>
+                <a:ea typeface="+mn-ea"/>
+                <a:cs typeface="+mn-cs"/>
+              </a:defRPr>
+            </a:lvl8pPr>
+            <a:lvl9pPr marL="3886200" indent="-228600" algn="l" defTabSz="914400" rtl="0" eaLnBrk="1" latinLnBrk="0" hangingPunct="1">
+              <a:spcBef>
+                <a:spcPct val="20000"/>
+              </a:spcBef>
+              <a:buFont typeface="Arial" panose="020B0604020202020204" pitchFamily="34" charset="0"/>
+              <a:buChar char="•"/>
+              <a:defRPr sz="2000" kern="1200">
+                <a:solidFill>
+                  <a:schemeClr val="tx1"/>
+                </a:solidFill>
+                <a:latin typeface="+mn-lt"/>
+                <a:ea typeface="+mn-ea"/>
+                <a:cs typeface="+mn-cs"/>
+              </a:defRPr>
+            </a:lvl9pPr>
+          </a:lstStyle>
+          <a:p>
+            <a:pPr marL="0" indent="0" algn="ctr">
+              <a:buNone/>
+            </a:pPr>
+            <a:r>
+              <a:rPr lang="en-US" dirty="0"/>
+              <a:t>CEM cannot determine which concepts lack similar confounding relationships.</a:t>
+            </a:r>
+          </a:p>
+        </p:txBody>
+      </p:sp>
+      <p:pic>
+        <p:nvPicPr>
+          <p:cNvPr id="19" name="Picture 4" descr="https://render.bitstrips.com/v2/cpanel/7c560e91-d819-491c-9658-378012eb1aea-c74a94ff-6dd3-467d-8a8c-99fcb8383966-v1.png?transparent=1&amp;palette=1">
+            <a:extLst>
+              <a:ext uri="{FF2B5EF4-FFF2-40B4-BE49-F238E27FC236}">
+                <a16:creationId xmlns:a16="http://schemas.microsoft.com/office/drawing/2014/main" id="{23A81635-B170-4B5C-982D-995E6156AAB7}"/>
+              </a:ext>
+            </a:extLst>
+          </p:cNvPr>
+          <p:cNvPicPr>
+            <a:picLocks noChangeAspect="1" noChangeArrowheads="1"/>
+          </p:cNvPicPr>
+          <p:nvPr/>
+        </p:nvPicPr>
+        <p:blipFill>
+          <a:blip r:embed="rId3">
+            <a:extLst>
+              <a:ext uri="{28A0092B-C50C-407E-A947-70E740481C1C}">
+                <a14:useLocalDpi xmlns:a14="http://schemas.microsoft.com/office/drawing/2010/main" val="0"/>
+              </a:ext>
+            </a:extLst>
+          </a:blip>
+          <a:srcRect/>
+          <a:stretch>
+            <a:fillRect/>
+          </a:stretch>
+        </p:blipFill>
+        <p:spPr bwMode="auto">
+          <a:xfrm>
+            <a:off x="1021756" y="2894651"/>
+            <a:ext cx="2482218" cy="2482218"/>
+          </a:xfrm>
+          <a:prstGeom prst="rect">
+            <a:avLst/>
+          </a:prstGeom>
+          <a:noFill/>
+          <a:extLst>
+            <a:ext uri="{909E8E84-426E-40DD-AFC4-6F175D3DCCD1}">
+              <a14:hiddenFill xmlns:a14="http://schemas.microsoft.com/office/drawing/2010/main">
+                <a:solidFill>
+                  <a:srgbClr val="FFFFFF"/>
+                </a:solidFill>
+              </a14:hiddenFill>
+            </a:ext>
+          </a:extLst>
+        </p:spPr>
+      </p:pic>
+    </p:spTree>
+    <p:extLst>
+      <p:ext uri="{BB962C8B-B14F-4D97-AF65-F5344CB8AC3E}">
+        <p14:creationId xmlns:p14="http://schemas.microsoft.com/office/powerpoint/2010/main" val="2347284618"/>
+      </p:ext>
+    </p:extLst>
+  </p:cSld>
+  <p:clrMapOvr>
+    <a:masterClrMapping/>
+  </p:clrMapOvr>
+</p:sld>
+</file>
+
+<file path=ppt/slides/slide41.xml><?xml version="1.0" encoding="utf-8"?>
+<p:sld xmlns:a="http://schemas.openxmlformats.org/drawingml/2006/main" xmlns:r="http://schemas.openxmlformats.org/officeDocument/2006/relationships" xmlns:p="http://schemas.openxmlformats.org/presentationml/2006/main">
+  <p:cSld>
+    <p:spTree>
+      <p:nvGrpSpPr>
+        <p:cNvPr id="1" name=""/>
+        <p:cNvGrpSpPr/>
+        <p:nvPr/>
+      </p:nvGrpSpPr>
+      <p:grpSpPr>
+        <a:xfrm>
+          <a:off x="0" y="0"/>
+          <a:ext cx="0" cy="0"/>
+          <a:chOff x="0" y="0"/>
+          <a:chExt cx="0" cy="0"/>
+        </a:xfrm>
+      </p:grpSpPr>
+      <p:sp>
+        <p:nvSpPr>
+          <p:cNvPr id="2" name="Title 1">
+            <a:extLst>
+              <a:ext uri="{FF2B5EF4-FFF2-40B4-BE49-F238E27FC236}">
+                <a16:creationId xmlns:a16="http://schemas.microsoft.com/office/drawing/2014/main" id="{01FE7EDB-91F9-4A55-A150-E5D52D335A0B}"/>
+              </a:ext>
+            </a:extLst>
+          </p:cNvPr>
+          <p:cNvSpPr>
+            <a:spLocks noGrp="1"/>
+          </p:cNvSpPr>
+          <p:nvPr>
+            <p:ph type="title"/>
+          </p:nvPr>
+        </p:nvSpPr>
+        <p:spPr/>
+        <p:txBody>
+          <a:bodyPr>
+            <a:normAutofit/>
+          </a:bodyPr>
+          <a:lstStyle/>
+          <a:p>
+            <a:r>
+              <a:rPr lang="en-US" dirty="0"/>
+              <a:t>Bad:  Outcome not Prevalent</a:t>
+            </a:r>
+          </a:p>
+        </p:txBody>
+      </p:sp>
+      <p:sp>
+        <p:nvSpPr>
+          <p:cNvPr id="3" name="Content Placeholder 2">
+            <a:extLst>
+              <a:ext uri="{FF2B5EF4-FFF2-40B4-BE49-F238E27FC236}">
+                <a16:creationId xmlns:a16="http://schemas.microsoft.com/office/drawing/2014/main" id="{A50C25CF-BE8E-437C-8A41-FFE11152B282}"/>
+              </a:ext>
+            </a:extLst>
+          </p:cNvPr>
+          <p:cNvSpPr>
+            <a:spLocks noGrp="1"/>
+          </p:cNvSpPr>
+          <p:nvPr>
+            <p:ph idx="1"/>
+          </p:nvPr>
+        </p:nvSpPr>
+        <p:spPr>
+          <a:xfrm>
+            <a:off x="457200" y="2548327"/>
+            <a:ext cx="8229600" cy="3577837"/>
+          </a:xfrm>
+        </p:spPr>
+        <p:txBody>
+          <a:bodyPr>
+            <a:normAutofit/>
+          </a:bodyPr>
+          <a:lstStyle/>
+          <a:p>
+            <a:r>
+              <a:rPr lang="en-US" dirty="0"/>
+              <a:t>If an outcome is not prevalent does it make a good negative control?</a:t>
+            </a:r>
+          </a:p>
+          <a:p>
+            <a:endParaRPr lang="en-US" dirty="0"/>
+          </a:p>
+          <a:p>
+            <a:r>
+              <a:rPr lang="en-US" dirty="0"/>
+              <a:t> CCAE only has 104 people with an absent nipple </a:t>
+            </a:r>
+          </a:p>
+          <a:p>
+            <a:endParaRPr lang="en-US" dirty="0"/>
+          </a:p>
+          <a:p>
+            <a:r>
+              <a:rPr lang="en-US" dirty="0"/>
+              <a:t>Concepts that are so rare, you are unlikely to produce an effect estimate with enough precision to be informative</a:t>
+            </a:r>
+          </a:p>
+        </p:txBody>
+      </p:sp>
+      <p:sp>
+        <p:nvSpPr>
+          <p:cNvPr id="5" name="Content Placeholder 2">
+            <a:extLst>
+              <a:ext uri="{FF2B5EF4-FFF2-40B4-BE49-F238E27FC236}">
+                <a16:creationId xmlns:a16="http://schemas.microsoft.com/office/drawing/2014/main" id="{7FC217C5-43F9-40D3-85AA-5D76BF12C227}"/>
+              </a:ext>
+            </a:extLst>
+          </p:cNvPr>
+          <p:cNvSpPr txBox="1">
+            <a:spLocks/>
+          </p:cNvSpPr>
+          <p:nvPr/>
+        </p:nvSpPr>
+        <p:spPr>
+          <a:xfrm>
+            <a:off x="4593967" y="1152888"/>
+            <a:ext cx="4445258" cy="1618880"/>
+          </a:xfrm>
+          <a:prstGeom prst="rect">
+            <a:avLst/>
+          </a:prstGeom>
+        </p:spPr>
+        <p:txBody>
+          <a:bodyPr vert="horz" lIns="91440" tIns="45720" rIns="91440" bIns="45720" rtlCol="0">
+            <a:normAutofit/>
+          </a:bodyPr>
+          <a:lstStyle>
+            <a:lvl1pPr marL="342900" indent="-342900" algn="l" defTabSz="914400" rtl="0" eaLnBrk="1" latinLnBrk="0" hangingPunct="1">
+              <a:spcBef>
+                <a:spcPct val="20000"/>
+              </a:spcBef>
+              <a:buFont typeface="Arial" panose="020B0604020202020204" pitchFamily="34" charset="0"/>
+              <a:buChar char="•"/>
+              <a:defRPr sz="3200" kern="1200">
+                <a:solidFill>
+                  <a:srgbClr val="20425A"/>
+                </a:solidFill>
+                <a:latin typeface="+mn-lt"/>
+                <a:ea typeface="+mn-ea"/>
+                <a:cs typeface="+mn-cs"/>
+              </a:defRPr>
+            </a:lvl1pPr>
+            <a:lvl2pPr marL="742950" indent="-285750" algn="l" defTabSz="914400" rtl="0" eaLnBrk="1" latinLnBrk="0" hangingPunct="1">
+              <a:spcBef>
+                <a:spcPct val="20000"/>
+              </a:spcBef>
+              <a:buFont typeface="Arial" panose="020B0604020202020204" pitchFamily="34" charset="0"/>
+              <a:buChar char="–"/>
+              <a:defRPr sz="2800" kern="1200">
+                <a:solidFill>
+                  <a:srgbClr val="20425A"/>
+                </a:solidFill>
+                <a:latin typeface="+mn-lt"/>
+                <a:ea typeface="+mn-ea"/>
+                <a:cs typeface="+mn-cs"/>
+              </a:defRPr>
+            </a:lvl2pPr>
+            <a:lvl3pPr marL="1143000" indent="-228600" algn="l" defTabSz="914400" rtl="0" eaLnBrk="1" latinLnBrk="0" hangingPunct="1">
+              <a:spcBef>
+                <a:spcPct val="20000"/>
+              </a:spcBef>
+              <a:buFont typeface="Arial" panose="020B0604020202020204" pitchFamily="34" charset="0"/>
+              <a:buChar char="•"/>
+              <a:defRPr sz="2400" kern="1200">
+                <a:solidFill>
+                  <a:srgbClr val="20425A"/>
+                </a:solidFill>
+                <a:latin typeface="+mn-lt"/>
+                <a:ea typeface="+mn-ea"/>
+                <a:cs typeface="+mn-cs"/>
+              </a:defRPr>
+            </a:lvl3pPr>
+            <a:lvl4pPr marL="1600200" indent="-228600" algn="l" defTabSz="914400" rtl="0" eaLnBrk="1" latinLnBrk="0" hangingPunct="1">
+              <a:spcBef>
+                <a:spcPct val="20000"/>
+              </a:spcBef>
+              <a:buFont typeface="Arial" panose="020B0604020202020204" pitchFamily="34" charset="0"/>
+              <a:buChar char="–"/>
+              <a:defRPr sz="2000" kern="1200">
+                <a:solidFill>
+                  <a:srgbClr val="20425A"/>
+                </a:solidFill>
+                <a:latin typeface="+mn-lt"/>
+                <a:ea typeface="+mn-ea"/>
+                <a:cs typeface="+mn-cs"/>
+              </a:defRPr>
+            </a:lvl4pPr>
+            <a:lvl5pPr marL="2057400" indent="-228600" algn="l" defTabSz="914400" rtl="0" eaLnBrk="1" latinLnBrk="0" hangingPunct="1">
+              <a:spcBef>
+                <a:spcPct val="20000"/>
+              </a:spcBef>
+              <a:buFont typeface="Arial" panose="020B0604020202020204" pitchFamily="34" charset="0"/>
+              <a:buChar char="»"/>
+              <a:defRPr sz="2000" kern="1200">
+                <a:solidFill>
+                  <a:srgbClr val="20425A"/>
+                </a:solidFill>
+                <a:latin typeface="+mn-lt"/>
+                <a:ea typeface="+mn-ea"/>
+                <a:cs typeface="+mn-cs"/>
+              </a:defRPr>
+            </a:lvl5pPr>
+            <a:lvl6pPr marL="2514600" indent="-228600" algn="l" defTabSz="914400" rtl="0" eaLnBrk="1" latinLnBrk="0" hangingPunct="1">
+              <a:spcBef>
+                <a:spcPct val="20000"/>
+              </a:spcBef>
+              <a:buFont typeface="Arial" panose="020B0604020202020204" pitchFamily="34" charset="0"/>
+              <a:buChar char="•"/>
+              <a:defRPr sz="2000" kern="1200">
+                <a:solidFill>
+                  <a:schemeClr val="tx1"/>
+                </a:solidFill>
+                <a:latin typeface="+mn-lt"/>
+                <a:ea typeface="+mn-ea"/>
+                <a:cs typeface="+mn-cs"/>
+              </a:defRPr>
+            </a:lvl6pPr>
+            <a:lvl7pPr marL="2971800" indent="-228600" algn="l" defTabSz="914400" rtl="0" eaLnBrk="1" latinLnBrk="0" hangingPunct="1">
+              <a:spcBef>
+                <a:spcPct val="20000"/>
+              </a:spcBef>
+              <a:buFont typeface="Arial" panose="020B0604020202020204" pitchFamily="34" charset="0"/>
+              <a:buChar char="•"/>
+              <a:defRPr sz="2000" kern="1200">
+                <a:solidFill>
+                  <a:schemeClr val="tx1"/>
+                </a:solidFill>
+                <a:latin typeface="+mn-lt"/>
+                <a:ea typeface="+mn-ea"/>
+                <a:cs typeface="+mn-cs"/>
+              </a:defRPr>
+            </a:lvl7pPr>
+            <a:lvl8pPr marL="3429000" indent="-228600" algn="l" defTabSz="914400" rtl="0" eaLnBrk="1" latinLnBrk="0" hangingPunct="1">
+              <a:spcBef>
+                <a:spcPct val="20000"/>
+              </a:spcBef>
+              <a:buFont typeface="Arial" panose="020B0604020202020204" pitchFamily="34" charset="0"/>
+              <a:buChar char="•"/>
+              <a:defRPr sz="2000" kern="1200">
+                <a:solidFill>
+                  <a:schemeClr val="tx1"/>
+                </a:solidFill>
+                <a:latin typeface="+mn-lt"/>
+                <a:ea typeface="+mn-ea"/>
+                <a:cs typeface="+mn-cs"/>
+              </a:defRPr>
+            </a:lvl8pPr>
+            <a:lvl9pPr marL="3886200" indent="-228600" algn="l" defTabSz="914400" rtl="0" eaLnBrk="1" latinLnBrk="0" hangingPunct="1">
+              <a:spcBef>
+                <a:spcPct val="20000"/>
+              </a:spcBef>
+              <a:buFont typeface="Arial" panose="020B0604020202020204" pitchFamily="34" charset="0"/>
+              <a:buChar char="•"/>
+              <a:defRPr sz="2000" kern="1200">
+                <a:solidFill>
+                  <a:schemeClr val="tx1"/>
+                </a:solidFill>
+                <a:latin typeface="+mn-lt"/>
+                <a:ea typeface="+mn-ea"/>
+                <a:cs typeface="+mn-cs"/>
+              </a:defRPr>
+            </a:lvl9pPr>
+          </a:lstStyle>
+          <a:p>
+            <a:r>
+              <a:rPr lang="en-US" sz="2800" dirty="0"/>
+              <a:t>E = PPI or H2 Blocker</a:t>
+            </a:r>
+          </a:p>
+          <a:p>
+            <a:r>
+              <a:rPr lang="en-US" sz="2800" dirty="0"/>
               <a:t>N = Absent nipple</a:t>
             </a:r>
             <a:br>
@@ -24753,7 +26617,7 @@
           <a:p>
             <a:fld id="{6C7F68B8-17AD-4146-95CB-9237D810DA91}" type="slidenum">
               <a:rPr lang="en-US" smtClean="0"/>
-              <a:t>40</a:t>
+              <a:t>41</a:t>
             </a:fld>
             <a:endParaRPr lang="en-US" dirty="0"/>
           </a:p>
@@ -24955,7 +26819,7 @@
 </p:sld>
 </file>
 
-<file path=ppt/slides/slide41.xml><?xml version="1.0" encoding="utf-8"?>
+<file path=ppt/slides/slide42.xml><?xml version="1.0" encoding="utf-8"?>
 <p:sld xmlns:a="http://schemas.openxmlformats.org/drawingml/2006/main" xmlns:r="http://schemas.openxmlformats.org/officeDocument/2006/relationships" xmlns:p="http://schemas.openxmlformats.org/presentationml/2006/main">
   <p:cSld>
     <p:spTree>
@@ -25214,7 +27078,7 @@
           <a:p>
             <a:fld id="{6C7F68B8-17AD-4146-95CB-9237D810DA91}" type="slidenum">
               <a:rPr lang="en-US" smtClean="0"/>
-              <a:t>41</a:t>
+              <a:t>42</a:t>
             </a:fld>
             <a:endParaRPr lang="en-US" dirty="0"/>
           </a:p>
@@ -25273,7 +27137,7 @@
           <p:nvPr/>
         </p:nvPicPr>
         <p:blipFill>
-          <a:blip r:embed="rId2">
+          <a:blip r:embed="rId3">
             <a:extLst>
               <a:ext uri="{28A0092B-C50C-407E-A947-70E740481C1C}">
                 <a14:useLocalDpi xmlns:a14="http://schemas.microsoft.com/office/drawing/2010/main" val="0"/>
@@ -25318,7 +27182,7 @@
 </p:sld>
 </file>
 
-<file path=ppt/slides/slide42.xml><?xml version="1.0" encoding="utf-8"?>
+<file path=ppt/slides/slide43.xml><?xml version="1.0" encoding="utf-8"?>
 <p:sld xmlns:a="http://schemas.openxmlformats.org/drawingml/2006/main" xmlns:r="http://schemas.openxmlformats.org/officeDocument/2006/relationships" xmlns:p="http://schemas.openxmlformats.org/presentationml/2006/main">
   <p:cSld>
     <p:spTree>
@@ -25426,7 +27290,7 @@
           <a:p>
             <a:fld id="{6C7F68B8-17AD-4146-95CB-9237D810DA91}" type="slidenum">
               <a:rPr lang="en-US" smtClean="0"/>
-              <a:t>42</a:t>
+              <a:t>43</a:t>
             </a:fld>
             <a:endParaRPr lang="en-US" dirty="0"/>
           </a:p>
@@ -26243,180 +28107,6 @@
 </p:sld>
 </file>
 
-<file path=ppt/slides/slide43.xml><?xml version="1.0" encoding="utf-8"?>
-<p:sld xmlns:a="http://schemas.openxmlformats.org/drawingml/2006/main" xmlns:r="http://schemas.openxmlformats.org/officeDocument/2006/relationships" xmlns:p="http://schemas.openxmlformats.org/presentationml/2006/main">
-  <p:cSld>
-    <p:spTree>
-      <p:nvGrpSpPr>
-        <p:cNvPr id="1" name=""/>
-        <p:cNvGrpSpPr/>
-        <p:nvPr/>
-      </p:nvGrpSpPr>
-      <p:grpSpPr>
-        <a:xfrm>
-          <a:off x="0" y="0"/>
-          <a:ext cx="0" cy="0"/>
-          <a:chOff x="0" y="0"/>
-          <a:chExt cx="0" cy="0"/>
-        </a:xfrm>
-      </p:grpSpPr>
-      <p:sp>
-        <p:nvSpPr>
-          <p:cNvPr id="2" name="Title 1">
-            <a:extLst>
-              <a:ext uri="{FF2B5EF4-FFF2-40B4-BE49-F238E27FC236}">
-                <a16:creationId xmlns:a16="http://schemas.microsoft.com/office/drawing/2014/main" id="{E3E311FE-454E-4A7A-AD24-FAAD7E7B630E}"/>
-              </a:ext>
-            </a:extLst>
-          </p:cNvPr>
-          <p:cNvSpPr>
-            <a:spLocks noGrp="1"/>
-          </p:cNvSpPr>
-          <p:nvPr>
-            <p:ph type="title"/>
-          </p:nvPr>
-        </p:nvSpPr>
-        <p:spPr/>
-        <p:txBody>
-          <a:bodyPr/>
-          <a:lstStyle/>
-          <a:p>
-            <a:r>
-              <a:rPr lang="en-US" dirty="0"/>
-              <a:t>CEM Next Steps</a:t>
-            </a:r>
-          </a:p>
-        </p:txBody>
-      </p:sp>
-      <p:sp>
-        <p:nvSpPr>
-          <p:cNvPr id="3" name="Content Placeholder 2">
-            <a:extLst>
-              <a:ext uri="{FF2B5EF4-FFF2-40B4-BE49-F238E27FC236}">
-                <a16:creationId xmlns:a16="http://schemas.microsoft.com/office/drawing/2014/main" id="{E9D49534-5431-4481-895E-40C818767A50}"/>
-              </a:ext>
-            </a:extLst>
-          </p:cNvPr>
-          <p:cNvSpPr>
-            <a:spLocks noGrp="1"/>
-          </p:cNvSpPr>
-          <p:nvPr>
-            <p:ph idx="1"/>
-          </p:nvPr>
-        </p:nvSpPr>
-        <p:spPr>
-          <a:xfrm>
-            <a:off x="457200" y="1219202"/>
-            <a:ext cx="8229600" cy="5362220"/>
-          </a:xfrm>
-        </p:spPr>
-        <p:txBody>
-          <a:bodyPr>
-            <a:normAutofit/>
-          </a:bodyPr>
-          <a:lstStyle/>
-          <a:p>
-            <a:r>
-              <a:rPr lang="en-US" dirty="0"/>
-              <a:t>CEM is under development to help improve its use:</a:t>
-            </a:r>
-          </a:p>
-          <a:p>
-            <a:endParaRPr lang="en-US" dirty="0"/>
-          </a:p>
-          <a:p>
-            <a:pPr lvl="1"/>
-            <a:r>
-              <a:rPr lang="en-US" dirty="0"/>
-              <a:t>Working on a publication to describe what </a:t>
-            </a:r>
-            <a:r>
-              <a:rPr lang="en-US" b="1" dirty="0"/>
-              <a:t>is a good negative control</a:t>
-            </a:r>
-            <a:r>
-              <a:rPr lang="en-US" dirty="0"/>
-              <a:t> and comparing different negative control selection methods</a:t>
-            </a:r>
-          </a:p>
-          <a:p>
-            <a:pPr lvl="1"/>
-            <a:endParaRPr lang="en-US" dirty="0"/>
-          </a:p>
-          <a:p>
-            <a:pPr lvl="1"/>
-            <a:r>
-              <a:rPr lang="en-US" dirty="0"/>
-              <a:t>Martijn, Rave Harpaz (Oracle), and I are working on another method for </a:t>
-            </a:r>
-            <a:r>
-              <a:rPr lang="en-US" b="1" dirty="0"/>
-              <a:t>parsing of US Product Labels</a:t>
-            </a:r>
-          </a:p>
-          <a:p>
-            <a:pPr lvl="1"/>
-            <a:endParaRPr lang="en-US" b="1" dirty="0"/>
-          </a:p>
-          <a:p>
-            <a:pPr lvl="1"/>
-            <a:r>
-              <a:rPr lang="en-US" dirty="0"/>
-              <a:t>Martijn, Anthony Sena, and I are working on an app for non-OHDSI members to go from </a:t>
-            </a:r>
-            <a:r>
-              <a:rPr lang="en-US" b="1" dirty="0"/>
-              <a:t>source codes to source codes</a:t>
-            </a:r>
-          </a:p>
-          <a:p>
-            <a:pPr lvl="1"/>
-            <a:endParaRPr lang="en-US" dirty="0"/>
-          </a:p>
-        </p:txBody>
-      </p:sp>
-      <p:sp>
-        <p:nvSpPr>
-          <p:cNvPr id="4" name="Slide Number Placeholder 3">
-            <a:extLst>
-              <a:ext uri="{FF2B5EF4-FFF2-40B4-BE49-F238E27FC236}">
-                <a16:creationId xmlns:a16="http://schemas.microsoft.com/office/drawing/2014/main" id="{154017CF-AE37-4046-A879-AA5302E20D63}"/>
-              </a:ext>
-            </a:extLst>
-          </p:cNvPr>
-          <p:cNvSpPr>
-            <a:spLocks noGrp="1"/>
-          </p:cNvSpPr>
-          <p:nvPr>
-            <p:ph type="sldNum" sz="quarter" idx="4"/>
-          </p:nvPr>
-        </p:nvSpPr>
-        <p:spPr/>
-        <p:txBody>
-          <a:bodyPr/>
-          <a:lstStyle/>
-          <a:p>
-            <a:fld id="{6C7F68B8-17AD-4146-95CB-9237D810DA91}" type="slidenum">
-              <a:rPr lang="en-US" smtClean="0"/>
-              <a:t>43</a:t>
-            </a:fld>
-            <a:endParaRPr lang="en-US" dirty="0"/>
-          </a:p>
-        </p:txBody>
-      </p:sp>
-    </p:spTree>
-    <p:extLst>
-      <p:ext uri="{BB962C8B-B14F-4D97-AF65-F5344CB8AC3E}">
-        <p14:creationId xmlns:p14="http://schemas.microsoft.com/office/powerpoint/2010/main" val="164862767"/>
-      </p:ext>
-    </p:extLst>
-  </p:cSld>
-  <p:clrMapOvr>
-    <a:masterClrMapping/>
-  </p:clrMapOvr>
-</p:sld>
-</file>
-
 <file path=ppt/slides/slide5.xml><?xml version="1.0" encoding="utf-8"?>
 <p:sld xmlns:a="http://schemas.openxmlformats.org/drawingml/2006/main" xmlns:r="http://schemas.openxmlformats.org/officeDocument/2006/relationships" xmlns:p="http://schemas.openxmlformats.org/presentationml/2006/main">
   <p:cSld>
@@ -27744,7 +29434,7 @@
           </p:nvPr>
         </p:nvPicPr>
         <p:blipFill>
-          <a:blip r:embed="rId2">
+          <a:blip r:embed="rId3">
             <a:extLst>
               <a:ext uri="{28A0092B-C50C-407E-A947-70E740481C1C}">
                 <a14:useLocalDpi xmlns:a14="http://schemas.microsoft.com/office/drawing/2010/main" val="0"/>
